--- a/Tony_Pennoyer_Python_Proj_Presentation.pptx
+++ b/Tony_Pennoyer_Python_Proj_Presentation.pptx
@@ -3794,7 +3794,7 @@
         </p:nvSpPr>
         <p:spPr>
           <a:xfrm>
-            <a:off x="1524000" y="406400"/>
+            <a:off x="1524000" y="569238"/>
             <a:ext cx="9144000" cy="2387600"/>
           </a:xfrm>
         </p:spPr>
@@ -3960,7 +3960,7 @@
             </a:pPr>
             <a:r>
               <a:rPr lang="en-US" dirty="0"/>
-              <a:t>The value of a Porsche 911 depends heavily on what year it was produced.</a:t>
+              <a:t>The value of a Porsche 911 depends heavily on what year it was produced</a:t>
             </a:r>
           </a:p>
           <a:p>
@@ -4221,7 +4221,7 @@
           <a:p>
             <a:r>
               <a:rPr lang="en-US" dirty="0"/>
-              <a:t>The value of used cars depends heavily on condition its history. Both of these factors are not taken into account with the data I scraped</a:t>
+              <a:t>The value of used cars depends heavily on condition and its history. Both of these factors are not taken into account with the data I scraped</a:t>
             </a:r>
           </a:p>
           <a:p>
@@ -4347,12 +4347,15 @@
             </a:r>
           </a:p>
           <a:p>
+            <a:pPr marL="0" indent="0">
+              <a:buNone/>
+            </a:pPr>
             <a:endParaRPr lang="en-US" sz="2500" dirty="0"/>
           </a:p>
           <a:p>
             <a:r>
               <a:rPr lang="en-US" sz="2500" dirty="0"/>
-              <a:t>I would also like to obtain a unique identifier for each car so I could track its individual value over the years. </a:t>
+              <a:t>I would also like to obtain  unique identifier for each car so I could track its individual value over the years</a:t>
             </a:r>
           </a:p>
           <a:p>
@@ -4535,7 +4538,7 @@
           <a:p>
             <a:r>
               <a:rPr lang="en-US" dirty="0"/>
-              <a:t>Car valuation companies like Kelley Blue Book valuate thousands of cars in our current used car market. </a:t>
+              <a:t>Car valuation companies like Kelley Blue Book valuate thousands of cars in our current used car market</a:t>
             </a:r>
           </a:p>
           <a:p>
@@ -4711,13 +4714,13 @@
           <a:p>
             <a:r>
               <a:rPr lang="en-US" dirty="0"/>
-              <a:t>While this does cover the vast majority of cars today it does not cover vintage, exotic or otherwise unusual ones.</a:t>
+              <a:t>While this does cover the vast majority of cars today it does not cover vintage, exotic or otherwise unusual ones</a:t>
             </a:r>
           </a:p>
           <a:p>
             <a:r>
               <a:rPr lang="en-US" dirty="0"/>
-              <a:t>These sorts of cars are almost always sold at auction.</a:t>
+              <a:t>These sorts of cars are almost always sold at auction</a:t>
             </a:r>
           </a:p>
           <a:p>
@@ -5029,13 +5032,13 @@
           <a:p>
             <a:r>
               <a:rPr lang="en-US" dirty="0"/>
-              <a:t>Identifying this gap in the car valuation market, I searched for data that would provide values for all recently sold classic cars. </a:t>
+              <a:t>Identifying this gap in the car valuation market, I searched for data that would provide values for all recently sold classic cars </a:t>
             </a:r>
           </a:p>
           <a:p>
             <a:r>
               <a:rPr lang="en-US" dirty="0"/>
-              <a:t>To obtain this data I </a:t>
+              <a:t>To get this data I </a:t>
             </a:r>
             <a:r>
               <a:rPr lang="en-US" dirty="0" err="1"/>
@@ -5207,7 +5210,7 @@
             </a:pPr>
             <a:r>
               <a:rPr lang="en-US" sz="2800" dirty="0"/>
-              <a:t>Together they auction collector cars and hold the record for most expensive car sold at auction, a 1962 Ferrari GTO, sold for $48.4 million dollars, originally sold for $18,000.</a:t>
+              <a:t>Together they auction collector cars and hold the record for most expensive car sold at auction, a 1962 Ferrari GTO, sold for $48.4 million dollars, originally sold for $18,000</a:t>
             </a:r>
           </a:p>
           <a:p>
@@ -5330,13 +5333,7 @@
           <a:p>
             <a:r>
               <a:rPr lang="en-US" dirty="0"/>
-              <a:t>I chose this particular car to analyze first because it was sold at almost every auction and in high numbers (650 total).</a:t>
-            </a:r>
-          </a:p>
-          <a:p>
-            <a:r>
-              <a:rPr lang="en-US" dirty="0"/>
-              <a:t>First I made a box plot to see the distribution of our data</a:t>
+              <a:t>I chose this particular car to analyze because it was sold many times at every auction and has been produced every year since 1964</a:t>
             </a:r>
           </a:p>
           <a:p>
@@ -5344,6 +5341,36 @@
           </a:p>
         </p:txBody>
       </p:sp>
+      <p:pic>
+        <p:nvPicPr>
+          <p:cNvPr id="17" name="Picture 16" descr="Two cars parked on a road&#10;&#10;Description automatically generated with low confidence">
+            <a:extLst>
+              <a:ext uri="{FF2B5EF4-FFF2-40B4-BE49-F238E27FC236}">
+                <a16:creationId xmlns:a16="http://schemas.microsoft.com/office/drawing/2014/main" id="{C352F85A-CF35-154F-8A90-27A7B63C4B2E}"/>
+              </a:ext>
+            </a:extLst>
+          </p:cNvPr>
+          <p:cNvPicPr>
+            <a:picLocks noChangeAspect="1"/>
+          </p:cNvPicPr>
+          <p:nvPr/>
+        </p:nvPicPr>
+        <p:blipFill>
+          <a:blip r:embed="rId2"/>
+          <a:stretch>
+            <a:fillRect/>
+          </a:stretch>
+        </p:blipFill>
+        <p:spPr>
+          <a:xfrm>
+            <a:off x="3482758" y="2964037"/>
+            <a:ext cx="4819389" cy="3212926"/>
+          </a:xfrm>
+          <a:prstGeom prst="rect">
+            <a:avLst/>
+          </a:prstGeom>
+        </p:spPr>
+      </p:pic>
     </p:spTree>
     <p:extLst>
       <p:ext uri="{BB962C8B-B14F-4D97-AF65-F5344CB8AC3E}">
@@ -5529,7 +5556,7 @@
         </p:blipFill>
         <p:spPr>
           <a:xfrm>
-            <a:off x="4496844" y="729029"/>
+            <a:off x="4597594" y="611903"/>
             <a:ext cx="7594406" cy="5634193"/>
           </a:xfrm>
         </p:spPr>
@@ -5548,7 +5575,7 @@
         </p:nvSpPr>
         <p:spPr>
           <a:xfrm>
-            <a:off x="1039660" y="1177447"/>
+            <a:off x="1039660" y="1352811"/>
             <a:ext cx="3331924" cy="923330"/>
           </a:xfrm>
           <a:prstGeom prst="rect">
@@ -5573,6 +5600,36 @@
           </a:p>
         </p:txBody>
       </p:sp>
+      <p:pic>
+        <p:nvPicPr>
+          <p:cNvPr id="9" name="Picture 8" descr="A car parked on a beach&#10;&#10;Description automatically generated with medium confidence">
+            <a:extLst>
+              <a:ext uri="{FF2B5EF4-FFF2-40B4-BE49-F238E27FC236}">
+                <a16:creationId xmlns:a16="http://schemas.microsoft.com/office/drawing/2014/main" id="{F45E47E4-77D6-8F47-B95F-969D9E87DC7A}"/>
+              </a:ext>
+            </a:extLst>
+          </p:cNvPr>
+          <p:cNvPicPr>
+            <a:picLocks noChangeAspect="1"/>
+          </p:cNvPicPr>
+          <p:nvPr/>
+        </p:nvPicPr>
+        <p:blipFill>
+          <a:blip r:embed="rId3"/>
+          <a:stretch>
+            <a:fillRect/>
+          </a:stretch>
+        </p:blipFill>
+        <p:spPr>
+          <a:xfrm>
+            <a:off x="850852" y="3547214"/>
+            <a:ext cx="3746742" cy="1957975"/>
+          </a:xfrm>
+          <a:prstGeom prst="rect">
+            <a:avLst/>
+          </a:prstGeom>
+        </p:spPr>
+      </p:pic>
     </p:spTree>
     <p:extLst>
       <p:ext uri="{BB962C8B-B14F-4D97-AF65-F5344CB8AC3E}">
@@ -5618,7 +5675,7 @@
         <p:spPr>
           <a:xfrm>
             <a:off x="1039660" y="1177447"/>
-            <a:ext cx="3331924" cy="3139321"/>
+            <a:ext cx="3331924" cy="646331"/>
           </a:xfrm>
           <a:prstGeom prst="rect">
             <a:avLst/>
@@ -5637,41 +5694,7 @@
             </a:pPr>
             <a:r>
               <a:rPr lang="en-US" dirty="0"/>
-              <a:t>As a reference I make a box plot of Mini Cooper sales, which had much less variation</a:t>
-            </a:r>
-          </a:p>
-          <a:p>
-            <a:pPr marL="285750" indent="-285750">
-              <a:buFont typeface="Arial" panose="020B0604020202020204" pitchFamily="34" charset="0"/>
-              <a:buChar char="•"/>
-            </a:pPr>
-            <a:endParaRPr lang="en-US" dirty="0"/>
-          </a:p>
-          <a:p>
-            <a:pPr marL="285750" indent="-285750">
-              <a:buFont typeface="Arial" panose="020B0604020202020204" pitchFamily="34" charset="0"/>
-              <a:buChar char="•"/>
-            </a:pPr>
-            <a:r>
-              <a:rPr lang="en-US" dirty="0"/>
-              <a:t>MG Sales show a similar lower variance in the data</a:t>
-            </a:r>
-          </a:p>
-          <a:p>
-            <a:pPr marL="285750" indent="-285750">
-              <a:buFont typeface="Arial" panose="020B0604020202020204" pitchFamily="34" charset="0"/>
-              <a:buChar char="•"/>
-            </a:pPr>
-            <a:endParaRPr lang="en-US" dirty="0"/>
-          </a:p>
-          <a:p>
-            <a:pPr marL="285750" indent="-285750">
-              <a:buFont typeface="Arial" panose="020B0604020202020204" pitchFamily="34" charset="0"/>
-              <a:buChar char="•"/>
-            </a:pPr>
-            <a:r>
-              <a:rPr lang="en-US" dirty="0"/>
-              <a:t>Overall, valuating a car in this price range may be more accurate than for those that are very expensive</a:t>
+              <a:t>MG Sales show a similar variation</a:t>
             </a:r>
           </a:p>
         </p:txBody>
@@ -5703,6 +5726,36 @@
             <a:off x="4371584" y="616135"/>
             <a:ext cx="7590772" cy="5899031"/>
           </a:xfrm>
+        </p:spPr>
+      </p:pic>
+      <p:pic>
+        <p:nvPicPr>
+          <p:cNvPr id="9" name="Picture 8" descr="A picture containing outdoor, tree, car, truck&#10;&#10;Description automatically generated">
+            <a:extLst>
+              <a:ext uri="{FF2B5EF4-FFF2-40B4-BE49-F238E27FC236}">
+                <a16:creationId xmlns:a16="http://schemas.microsoft.com/office/drawing/2014/main" id="{EA34F40E-8E12-5B45-91C2-EC7D0D3FCF61}"/>
+              </a:ext>
+            </a:extLst>
+          </p:cNvPr>
+          <p:cNvPicPr>
+            <a:picLocks noChangeAspect="1"/>
+          </p:cNvPicPr>
+          <p:nvPr/>
+        </p:nvPicPr>
+        <p:blipFill>
+          <a:blip r:embed="rId3"/>
+          <a:stretch>
+            <a:fillRect/>
+          </a:stretch>
+        </p:blipFill>
+        <p:spPr>
+          <a:xfrm>
+            <a:off x="704154" y="3170563"/>
+            <a:ext cx="3778776" cy="2509990"/>
+          </a:xfrm>
+          <a:prstGeom prst="rect">
+            <a:avLst/>
+          </a:prstGeom>
         </p:spPr>
       </p:pic>
     </p:spTree>

--- a/Tony_Pennoyer_Python_Proj_Presentation.pptx
+++ b/Tony_Pennoyer_Python_Proj_Presentation.pptx
@@ -2,10 +2,10 @@
 <file path=ppt/presentation.xml><?xml version="1.0" encoding="utf-8"?>
 <p:presentation xmlns:a="http://schemas.openxmlformats.org/drawingml/2006/main" xmlns:r="http://schemas.openxmlformats.org/officeDocument/2006/relationships" xmlns:p="http://schemas.openxmlformats.org/presentationml/2006/main" saveSubsetFonts="1" autoCompressPictures="0">
   <p:sldMasterIdLst>
-    <p:sldMasterId id="2147483648" r:id="rId1"/>
+    <p:sldMasterId id="2147483732" r:id="rId1"/>
   </p:sldMasterIdLst>
   <p:notesMasterIdLst>
-    <p:notesMasterId r:id="rId17"/>
+    <p:notesMasterId r:id="rId29"/>
   </p:notesMasterIdLst>
   <p:sldIdLst>
     <p:sldId id="256" r:id="rId2"/>
@@ -13,16 +13,28 @@
     <p:sldId id="267" r:id="rId4"/>
     <p:sldId id="262" r:id="rId5"/>
     <p:sldId id="263" r:id="rId6"/>
-    <p:sldId id="264" r:id="rId7"/>
-    <p:sldId id="272" r:id="rId8"/>
-    <p:sldId id="275" r:id="rId9"/>
-    <p:sldId id="276" r:id="rId10"/>
-    <p:sldId id="274" r:id="rId11"/>
-    <p:sldId id="270" r:id="rId12"/>
-    <p:sldId id="271" r:id="rId13"/>
-    <p:sldId id="273" r:id="rId14"/>
-    <p:sldId id="258" r:id="rId15"/>
-    <p:sldId id="269" r:id="rId16"/>
+    <p:sldId id="277" r:id="rId7"/>
+    <p:sldId id="264" r:id="rId8"/>
+    <p:sldId id="274" r:id="rId9"/>
+    <p:sldId id="270" r:id="rId10"/>
+    <p:sldId id="272" r:id="rId11"/>
+    <p:sldId id="281" r:id="rId12"/>
+    <p:sldId id="284" r:id="rId13"/>
+    <p:sldId id="282" r:id="rId14"/>
+    <p:sldId id="285" r:id="rId15"/>
+    <p:sldId id="275" r:id="rId16"/>
+    <p:sldId id="287" r:id="rId17"/>
+    <p:sldId id="289" r:id="rId18"/>
+    <p:sldId id="290" r:id="rId19"/>
+    <p:sldId id="291" r:id="rId20"/>
+    <p:sldId id="295" r:id="rId21"/>
+    <p:sldId id="296" r:id="rId22"/>
+    <p:sldId id="298" r:id="rId23"/>
+    <p:sldId id="297" r:id="rId24"/>
+    <p:sldId id="273" r:id="rId25"/>
+    <p:sldId id="258" r:id="rId26"/>
+    <p:sldId id="269" r:id="rId27"/>
+    <p:sldId id="299" r:id="rId28"/>
   </p:sldIdLst>
   <p:sldSz cx="12192000" cy="6858000"/>
   <p:notesSz cx="6858000" cy="9144000"/>
@@ -211,7 +223,7 @@
           <a:p>
             <a:fld id="{11F9C7A5-7217-BA43-843F-82E4A0B566B1}" type="datetimeFigureOut">
               <a:rPr lang="en-US" smtClean="0"/>
-              <a:t>10/17/21</a:t>
+              <a:t>10/18/21</a:t>
             </a:fld>
             <a:endParaRPr lang="en-US"/>
           </a:p>
@@ -584,7 +596,7 @@
           <p:cNvPr id="2" name="Title 1">
             <a:extLst>
               <a:ext uri="{FF2B5EF4-FFF2-40B4-BE49-F238E27FC236}">
-                <a16:creationId xmlns:a16="http://schemas.microsoft.com/office/drawing/2014/main" id="{EA0A801D-8933-9C48-A499-3E073D588DEC}"/>
+                <a16:creationId xmlns:a16="http://schemas.microsoft.com/office/drawing/2014/main" id="{EBB408FE-3260-0C4F-8C2B-0BB61A75F284}"/>
               </a:ext>
             </a:extLst>
           </p:cNvPr>
@@ -621,7 +633,7 @@
           <p:cNvPr id="3" name="Subtitle 2">
             <a:extLst>
               <a:ext uri="{FF2B5EF4-FFF2-40B4-BE49-F238E27FC236}">
-                <a16:creationId xmlns:a16="http://schemas.microsoft.com/office/drawing/2014/main" id="{BD686E9B-5299-6549-AA01-936F88EC5710}"/>
+                <a16:creationId xmlns:a16="http://schemas.microsoft.com/office/drawing/2014/main" id="{A54ADD09-BA51-104D-A752-9EC750CD499A}"/>
               </a:ext>
             </a:extLst>
           </p:cNvPr>
@@ -691,7 +703,7 @@
           <p:cNvPr id="4" name="Date Placeholder 3">
             <a:extLst>
               <a:ext uri="{FF2B5EF4-FFF2-40B4-BE49-F238E27FC236}">
-                <a16:creationId xmlns:a16="http://schemas.microsoft.com/office/drawing/2014/main" id="{984177C8-96A6-234A-A186-2BE266254643}"/>
+                <a16:creationId xmlns:a16="http://schemas.microsoft.com/office/drawing/2014/main" id="{7D0437F2-FE16-5A4D-B0D7-374F1BF9A7EC}"/>
               </a:ext>
             </a:extLst>
           </p:cNvPr>
@@ -709,7 +721,7 @@
           <a:p>
             <a:fld id="{23D0C827-E190-BB48-9806-03258F1196AB}" type="datetimeFigureOut">
               <a:rPr lang="en-US" smtClean="0"/>
-              <a:t>10/17/21</a:t>
+              <a:t>10/18/21</a:t>
             </a:fld>
             <a:endParaRPr lang="en-US"/>
           </a:p>
@@ -720,7 +732,7 @@
           <p:cNvPr id="5" name="Footer Placeholder 4">
             <a:extLst>
               <a:ext uri="{FF2B5EF4-FFF2-40B4-BE49-F238E27FC236}">
-                <a16:creationId xmlns:a16="http://schemas.microsoft.com/office/drawing/2014/main" id="{3F9A2A07-118B-AF41-818D-EC97EFBD9269}"/>
+                <a16:creationId xmlns:a16="http://schemas.microsoft.com/office/drawing/2014/main" id="{DD5413FE-4F42-5D45-ACBA-B30EB059C5EA}"/>
               </a:ext>
             </a:extLst>
           </p:cNvPr>
@@ -745,7 +757,7 @@
           <p:cNvPr id="6" name="Slide Number Placeholder 5">
             <a:extLst>
               <a:ext uri="{FF2B5EF4-FFF2-40B4-BE49-F238E27FC236}">
-                <a16:creationId xmlns:a16="http://schemas.microsoft.com/office/drawing/2014/main" id="{173F38D0-5AFB-6146-80E2-FC1DCD827256}"/>
+                <a16:creationId xmlns:a16="http://schemas.microsoft.com/office/drawing/2014/main" id="{F1911CFB-54EF-1A49-BD45-7690CA6233C1}"/>
               </a:ext>
             </a:extLst>
           </p:cNvPr>
@@ -772,7 +784,7 @@
     </p:spTree>
     <p:extLst>
       <p:ext uri="{BB962C8B-B14F-4D97-AF65-F5344CB8AC3E}">
-        <p14:creationId xmlns:p14="http://schemas.microsoft.com/office/powerpoint/2010/main" val="2198726270"/>
+        <p14:creationId xmlns:p14="http://schemas.microsoft.com/office/powerpoint/2010/main" val="551044990"/>
       </p:ext>
     </p:extLst>
   </p:cSld>
@@ -804,7 +816,7 @@
           <p:cNvPr id="2" name="Title 1">
             <a:extLst>
               <a:ext uri="{FF2B5EF4-FFF2-40B4-BE49-F238E27FC236}">
-                <a16:creationId xmlns:a16="http://schemas.microsoft.com/office/drawing/2014/main" id="{65E0D47B-5392-8741-8DC6-BB4A696D02B3}"/>
+                <a16:creationId xmlns:a16="http://schemas.microsoft.com/office/drawing/2014/main" id="{8E3EEAD6-8809-9C41-ACA3-3A778BB1C9CB}"/>
               </a:ext>
             </a:extLst>
           </p:cNvPr>
@@ -832,7 +844,7 @@
           <p:cNvPr id="3" name="Vertical Text Placeholder 2">
             <a:extLst>
               <a:ext uri="{FF2B5EF4-FFF2-40B4-BE49-F238E27FC236}">
-                <a16:creationId xmlns:a16="http://schemas.microsoft.com/office/drawing/2014/main" id="{FE0F891F-7B84-8E42-BDA2-858AEB0F73EA}"/>
+                <a16:creationId xmlns:a16="http://schemas.microsoft.com/office/drawing/2014/main" id="{D0DB622F-87A3-BF44-A32D-A147AF1AB4C0}"/>
               </a:ext>
             </a:extLst>
           </p:cNvPr>
@@ -889,7 +901,7 @@
           <p:cNvPr id="4" name="Date Placeholder 3">
             <a:extLst>
               <a:ext uri="{FF2B5EF4-FFF2-40B4-BE49-F238E27FC236}">
-                <a16:creationId xmlns:a16="http://schemas.microsoft.com/office/drawing/2014/main" id="{977B060A-39BB-FD42-AE1A-873A30F3929D}"/>
+                <a16:creationId xmlns:a16="http://schemas.microsoft.com/office/drawing/2014/main" id="{50687D19-334C-6A49-88AB-77D613383E74}"/>
               </a:ext>
             </a:extLst>
           </p:cNvPr>
@@ -907,7 +919,7 @@
           <a:p>
             <a:fld id="{23D0C827-E190-BB48-9806-03258F1196AB}" type="datetimeFigureOut">
               <a:rPr lang="en-US" smtClean="0"/>
-              <a:t>10/17/21</a:t>
+              <a:t>10/18/21</a:t>
             </a:fld>
             <a:endParaRPr lang="en-US"/>
           </a:p>
@@ -918,7 +930,7 @@
           <p:cNvPr id="5" name="Footer Placeholder 4">
             <a:extLst>
               <a:ext uri="{FF2B5EF4-FFF2-40B4-BE49-F238E27FC236}">
-                <a16:creationId xmlns:a16="http://schemas.microsoft.com/office/drawing/2014/main" id="{4800BFE9-999C-9145-9F3B-933965037F19}"/>
+                <a16:creationId xmlns:a16="http://schemas.microsoft.com/office/drawing/2014/main" id="{AD554E62-F5E7-7240-B0B6-91A5C42DB911}"/>
               </a:ext>
             </a:extLst>
           </p:cNvPr>
@@ -943,7 +955,7 @@
           <p:cNvPr id="6" name="Slide Number Placeholder 5">
             <a:extLst>
               <a:ext uri="{FF2B5EF4-FFF2-40B4-BE49-F238E27FC236}">
-                <a16:creationId xmlns:a16="http://schemas.microsoft.com/office/drawing/2014/main" id="{6BADCC30-CC2E-F348-9C3F-BC37C97A7735}"/>
+                <a16:creationId xmlns:a16="http://schemas.microsoft.com/office/drawing/2014/main" id="{DEBF9B00-6767-7E4F-81F2-8F6FB3A83237}"/>
               </a:ext>
             </a:extLst>
           </p:cNvPr>
@@ -970,7 +982,7 @@
     </p:spTree>
     <p:extLst>
       <p:ext uri="{BB962C8B-B14F-4D97-AF65-F5344CB8AC3E}">
-        <p14:creationId xmlns:p14="http://schemas.microsoft.com/office/powerpoint/2010/main" val="956861532"/>
+        <p14:creationId xmlns:p14="http://schemas.microsoft.com/office/powerpoint/2010/main" val="1554570204"/>
       </p:ext>
     </p:extLst>
   </p:cSld>
@@ -1002,7 +1014,7 @@
           <p:cNvPr id="2" name="Vertical Title 1">
             <a:extLst>
               <a:ext uri="{FF2B5EF4-FFF2-40B4-BE49-F238E27FC236}">
-                <a16:creationId xmlns:a16="http://schemas.microsoft.com/office/drawing/2014/main" id="{24787E0F-0C74-4B48-A2F2-063D8251905F}"/>
+                <a16:creationId xmlns:a16="http://schemas.microsoft.com/office/drawing/2014/main" id="{7CC2B5B3-4847-3143-B9F8-2E1FDD976AEB}"/>
               </a:ext>
             </a:extLst>
           </p:cNvPr>
@@ -1035,7 +1047,7 @@
           <p:cNvPr id="3" name="Vertical Text Placeholder 2">
             <a:extLst>
               <a:ext uri="{FF2B5EF4-FFF2-40B4-BE49-F238E27FC236}">
-                <a16:creationId xmlns:a16="http://schemas.microsoft.com/office/drawing/2014/main" id="{75A243AE-F5FE-8740-A23A-5DA7F76EE0CB}"/>
+                <a16:creationId xmlns:a16="http://schemas.microsoft.com/office/drawing/2014/main" id="{0BB85F5A-F43A-084D-A0AD-AF033A0BFB27}"/>
               </a:ext>
             </a:extLst>
           </p:cNvPr>
@@ -1097,7 +1109,7 @@
           <p:cNvPr id="4" name="Date Placeholder 3">
             <a:extLst>
               <a:ext uri="{FF2B5EF4-FFF2-40B4-BE49-F238E27FC236}">
-                <a16:creationId xmlns:a16="http://schemas.microsoft.com/office/drawing/2014/main" id="{A61192A5-C4D9-1344-963B-321A272C55A6}"/>
+                <a16:creationId xmlns:a16="http://schemas.microsoft.com/office/drawing/2014/main" id="{8CD0A59E-91D7-9248-8E0D-5985A04C1E2B}"/>
               </a:ext>
             </a:extLst>
           </p:cNvPr>
@@ -1115,7 +1127,7 @@
           <a:p>
             <a:fld id="{23D0C827-E190-BB48-9806-03258F1196AB}" type="datetimeFigureOut">
               <a:rPr lang="en-US" smtClean="0"/>
-              <a:t>10/17/21</a:t>
+              <a:t>10/18/21</a:t>
             </a:fld>
             <a:endParaRPr lang="en-US"/>
           </a:p>
@@ -1126,7 +1138,7 @@
           <p:cNvPr id="5" name="Footer Placeholder 4">
             <a:extLst>
               <a:ext uri="{FF2B5EF4-FFF2-40B4-BE49-F238E27FC236}">
-                <a16:creationId xmlns:a16="http://schemas.microsoft.com/office/drawing/2014/main" id="{8F0C1065-E9EB-3D44-A108-A295D80F79F2}"/>
+                <a16:creationId xmlns:a16="http://schemas.microsoft.com/office/drawing/2014/main" id="{73BDBA3A-43C3-D142-BD75-20D99C92BDEE}"/>
               </a:ext>
             </a:extLst>
           </p:cNvPr>
@@ -1151,7 +1163,7 @@
           <p:cNvPr id="6" name="Slide Number Placeholder 5">
             <a:extLst>
               <a:ext uri="{FF2B5EF4-FFF2-40B4-BE49-F238E27FC236}">
-                <a16:creationId xmlns:a16="http://schemas.microsoft.com/office/drawing/2014/main" id="{F3D9117D-F574-854F-AC66-E3CD7CD0F98E}"/>
+                <a16:creationId xmlns:a16="http://schemas.microsoft.com/office/drawing/2014/main" id="{6858F76F-DB5A-3F4A-9F1A-C0183CB87376}"/>
               </a:ext>
             </a:extLst>
           </p:cNvPr>
@@ -1178,7 +1190,7 @@
     </p:spTree>
     <p:extLst>
       <p:ext uri="{BB962C8B-B14F-4D97-AF65-F5344CB8AC3E}">
-        <p14:creationId xmlns:p14="http://schemas.microsoft.com/office/powerpoint/2010/main" val="2983706541"/>
+        <p14:creationId xmlns:p14="http://schemas.microsoft.com/office/powerpoint/2010/main" val="343281967"/>
       </p:ext>
     </p:extLst>
   </p:cSld>
@@ -1210,7 +1222,7 @@
           <p:cNvPr id="2" name="Title 1">
             <a:extLst>
               <a:ext uri="{FF2B5EF4-FFF2-40B4-BE49-F238E27FC236}">
-                <a16:creationId xmlns:a16="http://schemas.microsoft.com/office/drawing/2014/main" id="{710168A1-E1AC-C64A-85FF-BCBC0D8E7C52}"/>
+                <a16:creationId xmlns:a16="http://schemas.microsoft.com/office/drawing/2014/main" id="{AC88AF94-4A69-F146-9336-CC1D97E35DAD}"/>
               </a:ext>
             </a:extLst>
           </p:cNvPr>
@@ -1238,7 +1250,7 @@
           <p:cNvPr id="3" name="Content Placeholder 2">
             <a:extLst>
               <a:ext uri="{FF2B5EF4-FFF2-40B4-BE49-F238E27FC236}">
-                <a16:creationId xmlns:a16="http://schemas.microsoft.com/office/drawing/2014/main" id="{74EE73B1-A805-1C48-B6D2-09E984DBE91A}"/>
+                <a16:creationId xmlns:a16="http://schemas.microsoft.com/office/drawing/2014/main" id="{FECC91B4-D267-2F4D-B21A-8A4E504E11B9}"/>
               </a:ext>
             </a:extLst>
           </p:cNvPr>
@@ -1295,7 +1307,7 @@
           <p:cNvPr id="4" name="Date Placeholder 3">
             <a:extLst>
               <a:ext uri="{FF2B5EF4-FFF2-40B4-BE49-F238E27FC236}">
-                <a16:creationId xmlns:a16="http://schemas.microsoft.com/office/drawing/2014/main" id="{9C80ACBF-EFFE-014A-9D48-50756A05AC3A}"/>
+                <a16:creationId xmlns:a16="http://schemas.microsoft.com/office/drawing/2014/main" id="{D6E4AA84-BAA3-AE45-8057-889393FA82EB}"/>
               </a:ext>
             </a:extLst>
           </p:cNvPr>
@@ -1313,7 +1325,7 @@
           <a:p>
             <a:fld id="{23D0C827-E190-BB48-9806-03258F1196AB}" type="datetimeFigureOut">
               <a:rPr lang="en-US" smtClean="0"/>
-              <a:t>10/17/21</a:t>
+              <a:t>10/18/21</a:t>
             </a:fld>
             <a:endParaRPr lang="en-US"/>
           </a:p>
@@ -1324,7 +1336,7 @@
           <p:cNvPr id="5" name="Footer Placeholder 4">
             <a:extLst>
               <a:ext uri="{FF2B5EF4-FFF2-40B4-BE49-F238E27FC236}">
-                <a16:creationId xmlns:a16="http://schemas.microsoft.com/office/drawing/2014/main" id="{0F1DE455-9220-FC48-B9F4-4887BEAA18C0}"/>
+                <a16:creationId xmlns:a16="http://schemas.microsoft.com/office/drawing/2014/main" id="{135C2E1B-8F45-AF42-A273-8094264A54D3}"/>
               </a:ext>
             </a:extLst>
           </p:cNvPr>
@@ -1349,7 +1361,7 @@
           <p:cNvPr id="6" name="Slide Number Placeholder 5">
             <a:extLst>
               <a:ext uri="{FF2B5EF4-FFF2-40B4-BE49-F238E27FC236}">
-                <a16:creationId xmlns:a16="http://schemas.microsoft.com/office/drawing/2014/main" id="{00EC9BA0-466E-C34B-8C65-213BB719AD16}"/>
+                <a16:creationId xmlns:a16="http://schemas.microsoft.com/office/drawing/2014/main" id="{8BADAD1E-F3D6-074D-9847-5173D420DF46}"/>
               </a:ext>
             </a:extLst>
           </p:cNvPr>
@@ -1376,7 +1388,7 @@
     </p:spTree>
     <p:extLst>
       <p:ext uri="{BB962C8B-B14F-4D97-AF65-F5344CB8AC3E}">
-        <p14:creationId xmlns:p14="http://schemas.microsoft.com/office/powerpoint/2010/main" val="628720679"/>
+        <p14:creationId xmlns:p14="http://schemas.microsoft.com/office/powerpoint/2010/main" val="1512074849"/>
       </p:ext>
     </p:extLst>
   </p:cSld>
@@ -1408,7 +1420,7 @@
           <p:cNvPr id="2" name="Title 1">
             <a:extLst>
               <a:ext uri="{FF2B5EF4-FFF2-40B4-BE49-F238E27FC236}">
-                <a16:creationId xmlns:a16="http://schemas.microsoft.com/office/drawing/2014/main" id="{2460B79E-12FE-9F47-982C-D65C2867A16B}"/>
+                <a16:creationId xmlns:a16="http://schemas.microsoft.com/office/drawing/2014/main" id="{4795B64B-9A22-FC45-81FC-F65FA14E6521}"/>
               </a:ext>
             </a:extLst>
           </p:cNvPr>
@@ -1445,7 +1457,7 @@
           <p:cNvPr id="3" name="Text Placeholder 2">
             <a:extLst>
               <a:ext uri="{FF2B5EF4-FFF2-40B4-BE49-F238E27FC236}">
-                <a16:creationId xmlns:a16="http://schemas.microsoft.com/office/drawing/2014/main" id="{DB71BE6C-8D78-C84B-AAD2-139597354D7C}"/>
+                <a16:creationId xmlns:a16="http://schemas.microsoft.com/office/drawing/2014/main" id="{227DA0F5-2F2D-0C44-A5AF-A826DB825004}"/>
               </a:ext>
             </a:extLst>
           </p:cNvPr>
@@ -1570,7 +1582,7 @@
           <p:cNvPr id="4" name="Date Placeholder 3">
             <a:extLst>
               <a:ext uri="{FF2B5EF4-FFF2-40B4-BE49-F238E27FC236}">
-                <a16:creationId xmlns:a16="http://schemas.microsoft.com/office/drawing/2014/main" id="{B0F92EC1-B1AA-5E40-8810-7D87B12E9E5B}"/>
+                <a16:creationId xmlns:a16="http://schemas.microsoft.com/office/drawing/2014/main" id="{833AB878-2124-6849-BB89-6C4EAB9924CA}"/>
               </a:ext>
             </a:extLst>
           </p:cNvPr>
@@ -1588,7 +1600,7 @@
           <a:p>
             <a:fld id="{23D0C827-E190-BB48-9806-03258F1196AB}" type="datetimeFigureOut">
               <a:rPr lang="en-US" smtClean="0"/>
-              <a:t>10/17/21</a:t>
+              <a:t>10/18/21</a:t>
             </a:fld>
             <a:endParaRPr lang="en-US"/>
           </a:p>
@@ -1599,7 +1611,7 @@
           <p:cNvPr id="5" name="Footer Placeholder 4">
             <a:extLst>
               <a:ext uri="{FF2B5EF4-FFF2-40B4-BE49-F238E27FC236}">
-                <a16:creationId xmlns:a16="http://schemas.microsoft.com/office/drawing/2014/main" id="{DF3B117D-BDC6-3148-9519-2C136ABDC195}"/>
+                <a16:creationId xmlns:a16="http://schemas.microsoft.com/office/drawing/2014/main" id="{20D41C46-9518-FC40-ADE6-D648AE5FBCD7}"/>
               </a:ext>
             </a:extLst>
           </p:cNvPr>
@@ -1624,7 +1636,7 @@
           <p:cNvPr id="6" name="Slide Number Placeholder 5">
             <a:extLst>
               <a:ext uri="{FF2B5EF4-FFF2-40B4-BE49-F238E27FC236}">
-                <a16:creationId xmlns:a16="http://schemas.microsoft.com/office/drawing/2014/main" id="{457F6B40-CD9B-8346-882A-0807DAFEF947}"/>
+                <a16:creationId xmlns:a16="http://schemas.microsoft.com/office/drawing/2014/main" id="{7B7EE85C-792E-2C4E-A334-2F0C8150EBDE}"/>
               </a:ext>
             </a:extLst>
           </p:cNvPr>
@@ -1651,7 +1663,7 @@
     </p:spTree>
     <p:extLst>
       <p:ext uri="{BB962C8B-B14F-4D97-AF65-F5344CB8AC3E}">
-        <p14:creationId xmlns:p14="http://schemas.microsoft.com/office/powerpoint/2010/main" val="3575873758"/>
+        <p14:creationId xmlns:p14="http://schemas.microsoft.com/office/powerpoint/2010/main" val="2669143366"/>
       </p:ext>
     </p:extLst>
   </p:cSld>
@@ -1683,7 +1695,7 @@
           <p:cNvPr id="2" name="Title 1">
             <a:extLst>
               <a:ext uri="{FF2B5EF4-FFF2-40B4-BE49-F238E27FC236}">
-                <a16:creationId xmlns:a16="http://schemas.microsoft.com/office/drawing/2014/main" id="{1F762E1D-91B2-F24B-A49C-42D9ABA214B2}"/>
+                <a16:creationId xmlns:a16="http://schemas.microsoft.com/office/drawing/2014/main" id="{80719937-923D-8845-960B-A388A47DA26F}"/>
               </a:ext>
             </a:extLst>
           </p:cNvPr>
@@ -1711,7 +1723,7 @@
           <p:cNvPr id="3" name="Content Placeholder 2">
             <a:extLst>
               <a:ext uri="{FF2B5EF4-FFF2-40B4-BE49-F238E27FC236}">
-                <a16:creationId xmlns:a16="http://schemas.microsoft.com/office/drawing/2014/main" id="{1F62D89F-C088-E74B-A0D7-2B18147DD78B}"/>
+                <a16:creationId xmlns:a16="http://schemas.microsoft.com/office/drawing/2014/main" id="{0BD4342F-DFB8-7B47-98C0-63603B29C3CD}"/>
               </a:ext>
             </a:extLst>
           </p:cNvPr>
@@ -1773,7 +1785,7 @@
           <p:cNvPr id="4" name="Content Placeholder 3">
             <a:extLst>
               <a:ext uri="{FF2B5EF4-FFF2-40B4-BE49-F238E27FC236}">
-                <a16:creationId xmlns:a16="http://schemas.microsoft.com/office/drawing/2014/main" id="{5AE48E2A-E3E9-C54F-B366-337A87C4C0CE}"/>
+                <a16:creationId xmlns:a16="http://schemas.microsoft.com/office/drawing/2014/main" id="{6711469A-DB91-FC4B-9765-E22703C7E7B5}"/>
               </a:ext>
             </a:extLst>
           </p:cNvPr>
@@ -1835,7 +1847,7 @@
           <p:cNvPr id="5" name="Date Placeholder 4">
             <a:extLst>
               <a:ext uri="{FF2B5EF4-FFF2-40B4-BE49-F238E27FC236}">
-                <a16:creationId xmlns:a16="http://schemas.microsoft.com/office/drawing/2014/main" id="{4B1E2C62-7F0D-ED45-B1EC-EE5E8C9976EA}"/>
+                <a16:creationId xmlns:a16="http://schemas.microsoft.com/office/drawing/2014/main" id="{6F60C870-69A6-AA4F-8F91-63D453960282}"/>
               </a:ext>
             </a:extLst>
           </p:cNvPr>
@@ -1853,7 +1865,7 @@
           <a:p>
             <a:fld id="{23D0C827-E190-BB48-9806-03258F1196AB}" type="datetimeFigureOut">
               <a:rPr lang="en-US" smtClean="0"/>
-              <a:t>10/17/21</a:t>
+              <a:t>10/18/21</a:t>
             </a:fld>
             <a:endParaRPr lang="en-US"/>
           </a:p>
@@ -1864,7 +1876,7 @@
           <p:cNvPr id="6" name="Footer Placeholder 5">
             <a:extLst>
               <a:ext uri="{FF2B5EF4-FFF2-40B4-BE49-F238E27FC236}">
-                <a16:creationId xmlns:a16="http://schemas.microsoft.com/office/drawing/2014/main" id="{A50DB21E-852D-084C-92CD-427B97404D4E}"/>
+                <a16:creationId xmlns:a16="http://schemas.microsoft.com/office/drawing/2014/main" id="{3D9492A4-9157-104B-9434-DB47D87086ED}"/>
               </a:ext>
             </a:extLst>
           </p:cNvPr>
@@ -1889,7 +1901,7 @@
           <p:cNvPr id="7" name="Slide Number Placeholder 6">
             <a:extLst>
               <a:ext uri="{FF2B5EF4-FFF2-40B4-BE49-F238E27FC236}">
-                <a16:creationId xmlns:a16="http://schemas.microsoft.com/office/drawing/2014/main" id="{05FF8B73-D2E1-AA4A-8888-A35D7C2C931E}"/>
+                <a16:creationId xmlns:a16="http://schemas.microsoft.com/office/drawing/2014/main" id="{03B595D8-3F06-C64D-82BB-F4B5641D4AE0}"/>
               </a:ext>
             </a:extLst>
           </p:cNvPr>
@@ -1916,7 +1928,7 @@
     </p:spTree>
     <p:extLst>
       <p:ext uri="{BB962C8B-B14F-4D97-AF65-F5344CB8AC3E}">
-        <p14:creationId xmlns:p14="http://schemas.microsoft.com/office/powerpoint/2010/main" val="660971006"/>
+        <p14:creationId xmlns:p14="http://schemas.microsoft.com/office/powerpoint/2010/main" val="1774293979"/>
       </p:ext>
     </p:extLst>
   </p:cSld>
@@ -1948,7 +1960,7 @@
           <p:cNvPr id="2" name="Title 1">
             <a:extLst>
               <a:ext uri="{FF2B5EF4-FFF2-40B4-BE49-F238E27FC236}">
-                <a16:creationId xmlns:a16="http://schemas.microsoft.com/office/drawing/2014/main" id="{633BA36E-6771-F845-B600-A34C4EB1B82B}"/>
+                <a16:creationId xmlns:a16="http://schemas.microsoft.com/office/drawing/2014/main" id="{85101E9A-CF15-194E-A264-35F0C0879E78}"/>
               </a:ext>
             </a:extLst>
           </p:cNvPr>
@@ -1981,7 +1993,7 @@
           <p:cNvPr id="3" name="Text Placeholder 2">
             <a:extLst>
               <a:ext uri="{FF2B5EF4-FFF2-40B4-BE49-F238E27FC236}">
-                <a16:creationId xmlns:a16="http://schemas.microsoft.com/office/drawing/2014/main" id="{A8288FD1-057A-284F-BD88-F6A6C4124BCE}"/>
+                <a16:creationId xmlns:a16="http://schemas.microsoft.com/office/drawing/2014/main" id="{48154802-FE7E-F74F-B750-CCAD5AA3EA36}"/>
               </a:ext>
             </a:extLst>
           </p:cNvPr>
@@ -2052,7 +2064,7 @@
           <p:cNvPr id="4" name="Content Placeholder 3">
             <a:extLst>
               <a:ext uri="{FF2B5EF4-FFF2-40B4-BE49-F238E27FC236}">
-                <a16:creationId xmlns:a16="http://schemas.microsoft.com/office/drawing/2014/main" id="{549C1EEF-BC8C-944F-B14F-C257EB6F7EB8}"/>
+                <a16:creationId xmlns:a16="http://schemas.microsoft.com/office/drawing/2014/main" id="{88FEA7B7-D1BA-194A-8AA3-BD54F40070A1}"/>
               </a:ext>
             </a:extLst>
           </p:cNvPr>
@@ -2114,7 +2126,7 @@
           <p:cNvPr id="5" name="Text Placeholder 4">
             <a:extLst>
               <a:ext uri="{FF2B5EF4-FFF2-40B4-BE49-F238E27FC236}">
-                <a16:creationId xmlns:a16="http://schemas.microsoft.com/office/drawing/2014/main" id="{9F7F4558-4A21-FE4C-88D1-A767510A9404}"/>
+                <a16:creationId xmlns:a16="http://schemas.microsoft.com/office/drawing/2014/main" id="{FA0EBA2F-7880-3C4C-B4EF-88F204259268}"/>
               </a:ext>
             </a:extLst>
           </p:cNvPr>
@@ -2185,7 +2197,7 @@
           <p:cNvPr id="6" name="Content Placeholder 5">
             <a:extLst>
               <a:ext uri="{FF2B5EF4-FFF2-40B4-BE49-F238E27FC236}">
-                <a16:creationId xmlns:a16="http://schemas.microsoft.com/office/drawing/2014/main" id="{4CDF750B-678F-464F-AA0B-CCCF073FB2D3}"/>
+                <a16:creationId xmlns:a16="http://schemas.microsoft.com/office/drawing/2014/main" id="{BCCF99AE-C7FD-7145-930F-AB29789BDEA2}"/>
               </a:ext>
             </a:extLst>
           </p:cNvPr>
@@ -2247,7 +2259,7 @@
           <p:cNvPr id="7" name="Date Placeholder 6">
             <a:extLst>
               <a:ext uri="{FF2B5EF4-FFF2-40B4-BE49-F238E27FC236}">
-                <a16:creationId xmlns:a16="http://schemas.microsoft.com/office/drawing/2014/main" id="{4F29DD34-DF6D-0F4C-B761-376FEBD11534}"/>
+                <a16:creationId xmlns:a16="http://schemas.microsoft.com/office/drawing/2014/main" id="{1C6C7C14-A752-B749-A70A-1242235239A4}"/>
               </a:ext>
             </a:extLst>
           </p:cNvPr>
@@ -2265,7 +2277,7 @@
           <a:p>
             <a:fld id="{23D0C827-E190-BB48-9806-03258F1196AB}" type="datetimeFigureOut">
               <a:rPr lang="en-US" smtClean="0"/>
-              <a:t>10/17/21</a:t>
+              <a:t>10/18/21</a:t>
             </a:fld>
             <a:endParaRPr lang="en-US"/>
           </a:p>
@@ -2276,7 +2288,7 @@
           <p:cNvPr id="8" name="Footer Placeholder 7">
             <a:extLst>
               <a:ext uri="{FF2B5EF4-FFF2-40B4-BE49-F238E27FC236}">
-                <a16:creationId xmlns:a16="http://schemas.microsoft.com/office/drawing/2014/main" id="{9C3D157B-B195-1642-9768-33AD2B0C38FC}"/>
+                <a16:creationId xmlns:a16="http://schemas.microsoft.com/office/drawing/2014/main" id="{5A2F8F5D-F4F2-1E42-A581-BA44FFA03E3F}"/>
               </a:ext>
             </a:extLst>
           </p:cNvPr>
@@ -2301,7 +2313,7 @@
           <p:cNvPr id="9" name="Slide Number Placeholder 8">
             <a:extLst>
               <a:ext uri="{FF2B5EF4-FFF2-40B4-BE49-F238E27FC236}">
-                <a16:creationId xmlns:a16="http://schemas.microsoft.com/office/drawing/2014/main" id="{3D4D31AB-97FC-9E4D-ABF6-71F6615889D1}"/>
+                <a16:creationId xmlns:a16="http://schemas.microsoft.com/office/drawing/2014/main" id="{4ECB51FE-52A3-D94E-8EDE-EF5246F51192}"/>
               </a:ext>
             </a:extLst>
           </p:cNvPr>
@@ -2328,7 +2340,7 @@
     </p:spTree>
     <p:extLst>
       <p:ext uri="{BB962C8B-B14F-4D97-AF65-F5344CB8AC3E}">
-        <p14:creationId xmlns:p14="http://schemas.microsoft.com/office/powerpoint/2010/main" val="2295300452"/>
+        <p14:creationId xmlns:p14="http://schemas.microsoft.com/office/powerpoint/2010/main" val="3431719306"/>
       </p:ext>
     </p:extLst>
   </p:cSld>
@@ -2360,7 +2372,7 @@
           <p:cNvPr id="2" name="Title 1">
             <a:extLst>
               <a:ext uri="{FF2B5EF4-FFF2-40B4-BE49-F238E27FC236}">
-                <a16:creationId xmlns:a16="http://schemas.microsoft.com/office/drawing/2014/main" id="{903FA65A-5BA9-814D-9DEB-35F5675DA295}"/>
+                <a16:creationId xmlns:a16="http://schemas.microsoft.com/office/drawing/2014/main" id="{29013A84-FF73-434E-900B-AD1428C2B1CB}"/>
               </a:ext>
             </a:extLst>
           </p:cNvPr>
@@ -2388,7 +2400,7 @@
           <p:cNvPr id="3" name="Date Placeholder 2">
             <a:extLst>
               <a:ext uri="{FF2B5EF4-FFF2-40B4-BE49-F238E27FC236}">
-                <a16:creationId xmlns:a16="http://schemas.microsoft.com/office/drawing/2014/main" id="{FD38C62A-9E90-234A-B89E-7640B7C8163F}"/>
+                <a16:creationId xmlns:a16="http://schemas.microsoft.com/office/drawing/2014/main" id="{CCAFE405-7D06-064C-BF29-7FFF68196300}"/>
               </a:ext>
             </a:extLst>
           </p:cNvPr>
@@ -2406,7 +2418,7 @@
           <a:p>
             <a:fld id="{23D0C827-E190-BB48-9806-03258F1196AB}" type="datetimeFigureOut">
               <a:rPr lang="en-US" smtClean="0"/>
-              <a:t>10/17/21</a:t>
+              <a:t>10/18/21</a:t>
             </a:fld>
             <a:endParaRPr lang="en-US"/>
           </a:p>
@@ -2417,7 +2429,7 @@
           <p:cNvPr id="4" name="Footer Placeholder 3">
             <a:extLst>
               <a:ext uri="{FF2B5EF4-FFF2-40B4-BE49-F238E27FC236}">
-                <a16:creationId xmlns:a16="http://schemas.microsoft.com/office/drawing/2014/main" id="{D93175E3-4B19-3E43-A657-FD711DB547F2}"/>
+                <a16:creationId xmlns:a16="http://schemas.microsoft.com/office/drawing/2014/main" id="{FF18E781-97C9-4741-B553-9B66B505FB29}"/>
               </a:ext>
             </a:extLst>
           </p:cNvPr>
@@ -2442,7 +2454,7 @@
           <p:cNvPr id="5" name="Slide Number Placeholder 4">
             <a:extLst>
               <a:ext uri="{FF2B5EF4-FFF2-40B4-BE49-F238E27FC236}">
-                <a16:creationId xmlns:a16="http://schemas.microsoft.com/office/drawing/2014/main" id="{6D41BFFA-6C4B-2C42-9685-44DC033E19F9}"/>
+                <a16:creationId xmlns:a16="http://schemas.microsoft.com/office/drawing/2014/main" id="{AC13A6FB-FBA9-5442-A3D4-5EF04E83F09E}"/>
               </a:ext>
             </a:extLst>
           </p:cNvPr>
@@ -2469,7 +2481,7 @@
     </p:spTree>
     <p:extLst>
       <p:ext uri="{BB962C8B-B14F-4D97-AF65-F5344CB8AC3E}">
-        <p14:creationId xmlns:p14="http://schemas.microsoft.com/office/powerpoint/2010/main" val="2170397827"/>
+        <p14:creationId xmlns:p14="http://schemas.microsoft.com/office/powerpoint/2010/main" val="4081691523"/>
       </p:ext>
     </p:extLst>
   </p:cSld>
@@ -2501,7 +2513,7 @@
           <p:cNvPr id="2" name="Date Placeholder 1">
             <a:extLst>
               <a:ext uri="{FF2B5EF4-FFF2-40B4-BE49-F238E27FC236}">
-                <a16:creationId xmlns:a16="http://schemas.microsoft.com/office/drawing/2014/main" id="{18FF63BA-56A8-9241-AB1E-17120A6C1979}"/>
+                <a16:creationId xmlns:a16="http://schemas.microsoft.com/office/drawing/2014/main" id="{D8AFA2D8-4E2F-8942-85BE-E26BA6BB1C17}"/>
               </a:ext>
             </a:extLst>
           </p:cNvPr>
@@ -2519,7 +2531,7 @@
           <a:p>
             <a:fld id="{23D0C827-E190-BB48-9806-03258F1196AB}" type="datetimeFigureOut">
               <a:rPr lang="en-US" smtClean="0"/>
-              <a:t>10/17/21</a:t>
+              <a:t>10/18/21</a:t>
             </a:fld>
             <a:endParaRPr lang="en-US"/>
           </a:p>
@@ -2530,7 +2542,7 @@
           <p:cNvPr id="3" name="Footer Placeholder 2">
             <a:extLst>
               <a:ext uri="{FF2B5EF4-FFF2-40B4-BE49-F238E27FC236}">
-                <a16:creationId xmlns:a16="http://schemas.microsoft.com/office/drawing/2014/main" id="{5241893C-9896-D546-96F2-9A6B99953204}"/>
+                <a16:creationId xmlns:a16="http://schemas.microsoft.com/office/drawing/2014/main" id="{0D544344-9D88-5944-9225-6B6453DE4857}"/>
               </a:ext>
             </a:extLst>
           </p:cNvPr>
@@ -2555,7 +2567,7 @@
           <p:cNvPr id="4" name="Slide Number Placeholder 3">
             <a:extLst>
               <a:ext uri="{FF2B5EF4-FFF2-40B4-BE49-F238E27FC236}">
-                <a16:creationId xmlns:a16="http://schemas.microsoft.com/office/drawing/2014/main" id="{2DF9D1C8-26FB-6A42-A505-0CD793DD7E1C}"/>
+                <a16:creationId xmlns:a16="http://schemas.microsoft.com/office/drawing/2014/main" id="{F3A8C87B-A285-744A-B4E7-16FAB84CF66C}"/>
               </a:ext>
             </a:extLst>
           </p:cNvPr>
@@ -2582,7 +2594,7 @@
     </p:spTree>
     <p:extLst>
       <p:ext uri="{BB962C8B-B14F-4D97-AF65-F5344CB8AC3E}">
-        <p14:creationId xmlns:p14="http://schemas.microsoft.com/office/powerpoint/2010/main" val="2231688773"/>
+        <p14:creationId xmlns:p14="http://schemas.microsoft.com/office/powerpoint/2010/main" val="3911473082"/>
       </p:ext>
     </p:extLst>
   </p:cSld>
@@ -2614,7 +2626,7 @@
           <p:cNvPr id="2" name="Title 1">
             <a:extLst>
               <a:ext uri="{FF2B5EF4-FFF2-40B4-BE49-F238E27FC236}">
-                <a16:creationId xmlns:a16="http://schemas.microsoft.com/office/drawing/2014/main" id="{7C72ED38-CC87-1140-AA36-F972EDE837F6}"/>
+                <a16:creationId xmlns:a16="http://schemas.microsoft.com/office/drawing/2014/main" id="{B746DF5D-0D90-EB4C-AAFE-2CAD35E74332}"/>
               </a:ext>
             </a:extLst>
           </p:cNvPr>
@@ -2651,7 +2663,7 @@
           <p:cNvPr id="3" name="Content Placeholder 2">
             <a:extLst>
               <a:ext uri="{FF2B5EF4-FFF2-40B4-BE49-F238E27FC236}">
-                <a16:creationId xmlns:a16="http://schemas.microsoft.com/office/drawing/2014/main" id="{621FC32B-C8C4-C34D-888B-F99E26EB62AA}"/>
+                <a16:creationId xmlns:a16="http://schemas.microsoft.com/office/drawing/2014/main" id="{7F7F2523-A816-6546-9CB9-B1C49E6DD260}"/>
               </a:ext>
             </a:extLst>
           </p:cNvPr>
@@ -2741,7 +2753,7 @@
           <p:cNvPr id="4" name="Text Placeholder 3">
             <a:extLst>
               <a:ext uri="{FF2B5EF4-FFF2-40B4-BE49-F238E27FC236}">
-                <a16:creationId xmlns:a16="http://schemas.microsoft.com/office/drawing/2014/main" id="{4E0A211D-4A74-054A-BC0E-3DB83192338C}"/>
+                <a16:creationId xmlns:a16="http://schemas.microsoft.com/office/drawing/2014/main" id="{9A92E7FB-8B00-6749-90F5-12C157FB7EA0}"/>
               </a:ext>
             </a:extLst>
           </p:cNvPr>
@@ -2812,7 +2824,7 @@
           <p:cNvPr id="5" name="Date Placeholder 4">
             <a:extLst>
               <a:ext uri="{FF2B5EF4-FFF2-40B4-BE49-F238E27FC236}">
-                <a16:creationId xmlns:a16="http://schemas.microsoft.com/office/drawing/2014/main" id="{C2730A00-A87E-FD48-8D81-ECC54353BC91}"/>
+                <a16:creationId xmlns:a16="http://schemas.microsoft.com/office/drawing/2014/main" id="{3C4F0924-9209-6641-A690-32BB62C4B91C}"/>
               </a:ext>
             </a:extLst>
           </p:cNvPr>
@@ -2830,7 +2842,7 @@
           <a:p>
             <a:fld id="{23D0C827-E190-BB48-9806-03258F1196AB}" type="datetimeFigureOut">
               <a:rPr lang="en-US" smtClean="0"/>
-              <a:t>10/17/21</a:t>
+              <a:t>10/18/21</a:t>
             </a:fld>
             <a:endParaRPr lang="en-US"/>
           </a:p>
@@ -2841,7 +2853,7 @@
           <p:cNvPr id="6" name="Footer Placeholder 5">
             <a:extLst>
               <a:ext uri="{FF2B5EF4-FFF2-40B4-BE49-F238E27FC236}">
-                <a16:creationId xmlns:a16="http://schemas.microsoft.com/office/drawing/2014/main" id="{6C064BE6-5366-284E-B6F5-F8579F63F03B}"/>
+                <a16:creationId xmlns:a16="http://schemas.microsoft.com/office/drawing/2014/main" id="{D98BDECB-A066-1C4B-9049-DB368A5E3F3E}"/>
               </a:ext>
             </a:extLst>
           </p:cNvPr>
@@ -2866,7 +2878,7 @@
           <p:cNvPr id="7" name="Slide Number Placeholder 6">
             <a:extLst>
               <a:ext uri="{FF2B5EF4-FFF2-40B4-BE49-F238E27FC236}">
-                <a16:creationId xmlns:a16="http://schemas.microsoft.com/office/drawing/2014/main" id="{9A606CA9-CDAA-0E4F-854C-545A96778FD4}"/>
+                <a16:creationId xmlns:a16="http://schemas.microsoft.com/office/drawing/2014/main" id="{D77C8246-E71C-6943-BC1B-5A17D7303067}"/>
               </a:ext>
             </a:extLst>
           </p:cNvPr>
@@ -2893,7 +2905,7 @@
     </p:spTree>
     <p:extLst>
       <p:ext uri="{BB962C8B-B14F-4D97-AF65-F5344CB8AC3E}">
-        <p14:creationId xmlns:p14="http://schemas.microsoft.com/office/powerpoint/2010/main" val="2931991717"/>
+        <p14:creationId xmlns:p14="http://schemas.microsoft.com/office/powerpoint/2010/main" val="1936156263"/>
       </p:ext>
     </p:extLst>
   </p:cSld>
@@ -2925,7 +2937,7 @@
           <p:cNvPr id="2" name="Title 1">
             <a:extLst>
               <a:ext uri="{FF2B5EF4-FFF2-40B4-BE49-F238E27FC236}">
-                <a16:creationId xmlns:a16="http://schemas.microsoft.com/office/drawing/2014/main" id="{010314EA-C40B-7A4A-AD68-BB8BE57012F4}"/>
+                <a16:creationId xmlns:a16="http://schemas.microsoft.com/office/drawing/2014/main" id="{8D2CF226-0EBE-B849-A776-65EE65757BDC}"/>
               </a:ext>
             </a:extLst>
           </p:cNvPr>
@@ -2962,7 +2974,7 @@
           <p:cNvPr id="3" name="Picture Placeholder 2">
             <a:extLst>
               <a:ext uri="{FF2B5EF4-FFF2-40B4-BE49-F238E27FC236}">
-                <a16:creationId xmlns:a16="http://schemas.microsoft.com/office/drawing/2014/main" id="{470649FE-FA69-124A-B1B2-777AF46CCB14}"/>
+                <a16:creationId xmlns:a16="http://schemas.microsoft.com/office/drawing/2014/main" id="{3FC663E0-9604-F448-BC56-18986A214D3F}"/>
               </a:ext>
             </a:extLst>
           </p:cNvPr>
@@ -3029,7 +3041,7 @@
           <p:cNvPr id="4" name="Text Placeholder 3">
             <a:extLst>
               <a:ext uri="{FF2B5EF4-FFF2-40B4-BE49-F238E27FC236}">
-                <a16:creationId xmlns:a16="http://schemas.microsoft.com/office/drawing/2014/main" id="{8FE31374-A5F0-CC48-B1FF-B41E05692C91}"/>
+                <a16:creationId xmlns:a16="http://schemas.microsoft.com/office/drawing/2014/main" id="{6442E2ED-ABB2-6D47-B195-FC652C55CF8E}"/>
               </a:ext>
             </a:extLst>
           </p:cNvPr>
@@ -3100,7 +3112,7 @@
           <p:cNvPr id="5" name="Date Placeholder 4">
             <a:extLst>
               <a:ext uri="{FF2B5EF4-FFF2-40B4-BE49-F238E27FC236}">
-                <a16:creationId xmlns:a16="http://schemas.microsoft.com/office/drawing/2014/main" id="{90508DE3-A8AC-8D47-8EB0-3ADC301B757E}"/>
+                <a16:creationId xmlns:a16="http://schemas.microsoft.com/office/drawing/2014/main" id="{4B1D843C-A962-1A48-AEAA-0E1B47E6C16B}"/>
               </a:ext>
             </a:extLst>
           </p:cNvPr>
@@ -3118,7 +3130,7 @@
           <a:p>
             <a:fld id="{23D0C827-E190-BB48-9806-03258F1196AB}" type="datetimeFigureOut">
               <a:rPr lang="en-US" smtClean="0"/>
-              <a:t>10/17/21</a:t>
+              <a:t>10/18/21</a:t>
             </a:fld>
             <a:endParaRPr lang="en-US"/>
           </a:p>
@@ -3129,7 +3141,7 @@
           <p:cNvPr id="6" name="Footer Placeholder 5">
             <a:extLst>
               <a:ext uri="{FF2B5EF4-FFF2-40B4-BE49-F238E27FC236}">
-                <a16:creationId xmlns:a16="http://schemas.microsoft.com/office/drawing/2014/main" id="{AD86B042-5F3C-A54C-B2EE-11A081F3F9AB}"/>
+                <a16:creationId xmlns:a16="http://schemas.microsoft.com/office/drawing/2014/main" id="{1999821F-9066-B445-8010-3651411B2B18}"/>
               </a:ext>
             </a:extLst>
           </p:cNvPr>
@@ -3154,7 +3166,7 @@
           <p:cNvPr id="7" name="Slide Number Placeholder 6">
             <a:extLst>
               <a:ext uri="{FF2B5EF4-FFF2-40B4-BE49-F238E27FC236}">
-                <a16:creationId xmlns:a16="http://schemas.microsoft.com/office/drawing/2014/main" id="{9D4E2ED7-C98F-0246-8FEC-D30351092C3A}"/>
+                <a16:creationId xmlns:a16="http://schemas.microsoft.com/office/drawing/2014/main" id="{0DE1C09A-866D-D249-9E4E-0A98069086FA}"/>
               </a:ext>
             </a:extLst>
           </p:cNvPr>
@@ -3181,7 +3193,7 @@
     </p:spTree>
     <p:extLst>
       <p:ext uri="{BB962C8B-B14F-4D97-AF65-F5344CB8AC3E}">
-        <p14:creationId xmlns:p14="http://schemas.microsoft.com/office/powerpoint/2010/main" val="3382754070"/>
+        <p14:creationId xmlns:p14="http://schemas.microsoft.com/office/powerpoint/2010/main" val="1714897291"/>
       </p:ext>
     </p:extLst>
   </p:cSld>
@@ -3218,7 +3230,7 @@
           <p:cNvPr id="2" name="Title Placeholder 1">
             <a:extLst>
               <a:ext uri="{FF2B5EF4-FFF2-40B4-BE49-F238E27FC236}">
-                <a16:creationId xmlns:a16="http://schemas.microsoft.com/office/drawing/2014/main" id="{E69DC56D-96A4-7A49-BBE3-EF2C758249DC}"/>
+                <a16:creationId xmlns:a16="http://schemas.microsoft.com/office/drawing/2014/main" id="{CC9D537D-68B8-8949-9954-937067AEA823}"/>
               </a:ext>
             </a:extLst>
           </p:cNvPr>
@@ -3256,7 +3268,7 @@
           <p:cNvPr id="3" name="Text Placeholder 2">
             <a:extLst>
               <a:ext uri="{FF2B5EF4-FFF2-40B4-BE49-F238E27FC236}">
-                <a16:creationId xmlns:a16="http://schemas.microsoft.com/office/drawing/2014/main" id="{1E787BD0-D79C-164A-BD66-9608A0ABF038}"/>
+                <a16:creationId xmlns:a16="http://schemas.microsoft.com/office/drawing/2014/main" id="{BE580762-E98F-E24F-A3E1-B3A36C7A0C16}"/>
               </a:ext>
             </a:extLst>
           </p:cNvPr>
@@ -3323,7 +3335,7 @@
           <p:cNvPr id="4" name="Date Placeholder 3">
             <a:extLst>
               <a:ext uri="{FF2B5EF4-FFF2-40B4-BE49-F238E27FC236}">
-                <a16:creationId xmlns:a16="http://schemas.microsoft.com/office/drawing/2014/main" id="{87DB105E-A711-2D4D-8532-CD7F412BC567}"/>
+                <a16:creationId xmlns:a16="http://schemas.microsoft.com/office/drawing/2014/main" id="{A52E2DBB-D79F-A546-82DE-5473C9FD6B80}"/>
               </a:ext>
             </a:extLst>
           </p:cNvPr>
@@ -3359,7 +3371,7 @@
           <a:p>
             <a:fld id="{23D0C827-E190-BB48-9806-03258F1196AB}" type="datetimeFigureOut">
               <a:rPr lang="en-US" smtClean="0"/>
-              <a:t>10/17/21</a:t>
+              <a:t>10/18/21</a:t>
             </a:fld>
             <a:endParaRPr lang="en-US"/>
           </a:p>
@@ -3370,7 +3382,7 @@
           <p:cNvPr id="5" name="Footer Placeholder 4">
             <a:extLst>
               <a:ext uri="{FF2B5EF4-FFF2-40B4-BE49-F238E27FC236}">
-                <a16:creationId xmlns:a16="http://schemas.microsoft.com/office/drawing/2014/main" id="{DA63EA58-B61B-D24C-BBEE-A055AB472057}"/>
+                <a16:creationId xmlns:a16="http://schemas.microsoft.com/office/drawing/2014/main" id="{95287E76-9442-8745-A9A1-B619FA796E49}"/>
               </a:ext>
             </a:extLst>
           </p:cNvPr>
@@ -3413,7 +3425,7 @@
           <p:cNvPr id="6" name="Slide Number Placeholder 5">
             <a:extLst>
               <a:ext uri="{FF2B5EF4-FFF2-40B4-BE49-F238E27FC236}">
-                <a16:creationId xmlns:a16="http://schemas.microsoft.com/office/drawing/2014/main" id="{C1E05E54-DC37-C246-AF40-2DE793AB4D27}"/>
+                <a16:creationId xmlns:a16="http://schemas.microsoft.com/office/drawing/2014/main" id="{C6708B7C-958C-0A46-BB12-425690A97BA6}"/>
               </a:ext>
             </a:extLst>
           </p:cNvPr>
@@ -3458,23 +3470,23 @@
     </p:spTree>
     <p:extLst>
       <p:ext uri="{BB962C8B-B14F-4D97-AF65-F5344CB8AC3E}">
-        <p14:creationId xmlns:p14="http://schemas.microsoft.com/office/powerpoint/2010/main" val="2723258243"/>
+        <p14:creationId xmlns:p14="http://schemas.microsoft.com/office/powerpoint/2010/main" val="3531925010"/>
       </p:ext>
     </p:extLst>
   </p:cSld>
   <p:clrMap bg1="lt1" tx1="dk1" bg2="lt2" tx2="dk2" accent1="accent1" accent2="accent2" accent3="accent3" accent4="accent4" accent5="accent5" accent6="accent6" hlink="hlink" folHlink="folHlink"/>
   <p:sldLayoutIdLst>
-    <p:sldLayoutId id="2147483649" r:id="rId1"/>
-    <p:sldLayoutId id="2147483650" r:id="rId2"/>
-    <p:sldLayoutId id="2147483651" r:id="rId3"/>
-    <p:sldLayoutId id="2147483652" r:id="rId4"/>
-    <p:sldLayoutId id="2147483653" r:id="rId5"/>
-    <p:sldLayoutId id="2147483654" r:id="rId6"/>
-    <p:sldLayoutId id="2147483655" r:id="rId7"/>
-    <p:sldLayoutId id="2147483656" r:id="rId8"/>
-    <p:sldLayoutId id="2147483657" r:id="rId9"/>
-    <p:sldLayoutId id="2147483658" r:id="rId10"/>
-    <p:sldLayoutId id="2147483659" r:id="rId11"/>
+    <p:sldLayoutId id="2147483733" r:id="rId1"/>
+    <p:sldLayoutId id="2147483734" r:id="rId2"/>
+    <p:sldLayoutId id="2147483735" r:id="rId3"/>
+    <p:sldLayoutId id="2147483736" r:id="rId4"/>
+    <p:sldLayoutId id="2147483737" r:id="rId5"/>
+    <p:sldLayoutId id="2147483738" r:id="rId6"/>
+    <p:sldLayoutId id="2147483739" r:id="rId7"/>
+    <p:sldLayoutId id="2147483740" r:id="rId8"/>
+    <p:sldLayoutId id="2147483741" r:id="rId9"/>
+    <p:sldLayoutId id="2147483742" r:id="rId10"/>
+    <p:sldLayoutId id="2147483743" r:id="rId11"/>
   </p:sldLayoutIdLst>
   <p:txStyles>
     <p:titleStyle>
@@ -3762,6 +3774,14 @@
 <file path=ppt/slides/slide1.xml><?xml version="1.0" encoding="utf-8"?>
 <p:sld xmlns:a="http://schemas.openxmlformats.org/drawingml/2006/main" xmlns:r="http://schemas.openxmlformats.org/officeDocument/2006/relationships" xmlns:p="http://schemas.openxmlformats.org/presentationml/2006/main">
   <p:cSld>
+    <p:bg>
+      <p:bgPr>
+        <a:solidFill>
+          <a:schemeClr val="bg1"/>
+        </a:solidFill>
+        <a:effectLst/>
+      </p:bgPr>
+    </p:bg>
     <p:spTree>
       <p:nvGrpSpPr>
         <p:cNvPr id="1" name=""/>
@@ -3778,6 +3798,98 @@
       </p:grpSpPr>
       <p:sp>
         <p:nvSpPr>
+          <p:cNvPr id="10" name="Rectangle 9">
+            <a:extLst>
+              <a:ext uri="{FF2B5EF4-FFF2-40B4-BE49-F238E27FC236}">
+                <a16:creationId xmlns:a16="http://schemas.microsoft.com/office/drawing/2014/main" id="{2643BE6C-86B7-4AB9-91E8-9B5DB45AC8EA}"/>
+              </a:ext>
+              <a:ext uri="{C183D7F6-B498-43B3-948B-1728B52AA6E4}">
+                <adec:decorative xmlns:adec="http://schemas.microsoft.com/office/drawing/2017/decorative" val="1"/>
+              </a:ext>
+            </a:extLst>
+          </p:cNvPr>
+          <p:cNvSpPr>
+            <a:spLocks noGrp="1" noRot="1" noChangeAspect="1" noMove="1" noResize="1" noEditPoints="1" noAdjustHandles="1" noChangeArrowheads="1" noChangeShapeType="1" noTextEdit="1"/>
+          </p:cNvSpPr>
+          <p:nvPr>
+            <p:extLst>
+              <p:ext uri="{386F3935-93C4-4BCD-93E2-E3B085C9AB24}">
+                <p16:designElem xmlns:p16="http://schemas.microsoft.com/office/powerpoint/2015/main" val="1"/>
+              </p:ext>
+            </p:extLst>
+          </p:nvPr>
+        </p:nvSpPr>
+        <p:spPr>
+          <a:xfrm>
+            <a:off x="1588" y="0"/>
+            <a:ext cx="12188825" cy="4242816"/>
+          </a:xfrm>
+          <a:prstGeom prst="rect">
+            <a:avLst/>
+          </a:prstGeom>
+          <a:solidFill>
+            <a:schemeClr val="accent1"/>
+          </a:solidFill>
+          <a:ln>
+            <a:noFill/>
+          </a:ln>
+        </p:spPr>
+        <p:style>
+          <a:lnRef idx="2">
+            <a:schemeClr val="accent1">
+              <a:shade val="50000"/>
+            </a:schemeClr>
+          </a:lnRef>
+          <a:fillRef idx="1">
+            <a:schemeClr val="accent1"/>
+          </a:fillRef>
+          <a:effectRef idx="0">
+            <a:schemeClr val="accent1"/>
+          </a:effectRef>
+          <a:fontRef idx="minor">
+            <a:schemeClr val="lt1"/>
+          </a:fontRef>
+        </p:style>
+        <p:txBody>
+          <a:bodyPr rtlCol="0" anchor="ctr"/>
+          <a:lstStyle/>
+          <a:p>
+            <a:pPr marL="0" marR="0" lvl="0" indent="0" algn="ctr" defTabSz="914400" rtl="0" eaLnBrk="1" fontAlgn="auto" latinLnBrk="0" hangingPunct="1">
+              <a:lnSpc>
+                <a:spcPct val="100000"/>
+              </a:lnSpc>
+              <a:spcBef>
+                <a:spcPts val="0"/>
+              </a:spcBef>
+              <a:spcAft>
+                <a:spcPts val="0"/>
+              </a:spcAft>
+              <a:buClrTx/>
+              <a:buSzTx/>
+              <a:buFontTx/>
+              <a:buNone/>
+              <a:tabLst/>
+              <a:defRPr/>
+            </a:pPr>
+            <a:endParaRPr kumimoji="0" lang="en-US" sz="1800" b="0" i="0" u="none" strike="noStrike" kern="0" cap="none" spc="0" normalizeH="0" baseline="0" noProof="0">
+              <a:ln>
+                <a:noFill/>
+              </a:ln>
+              <a:solidFill>
+                <a:sysClr val="windowText" lastClr="000000"/>
+              </a:solidFill>
+              <a:effectLst/>
+              <a:uLnTx/>
+              <a:uFillTx/>
+              <a:latin typeface="Calibri" panose="020F0502020204030204"/>
+              <a:ea typeface="+mn-ea"/>
+              <a:cs typeface="+mn-cs"/>
+            </a:endParaRPr>
+          </a:p>
+        </p:txBody>
+      </p:sp>
+      <p:sp>
+        <p:nvSpPr>
           <p:cNvPr id="2" name="Title 1">
             <a:extLst>
               <a:ext uri="{FF2B5EF4-FFF2-40B4-BE49-F238E27FC236}">
@@ -3794,16 +3906,22 @@
         </p:nvSpPr>
         <p:spPr>
           <a:xfrm>
-            <a:off x="1524000" y="569238"/>
-            <a:ext cx="9144000" cy="2387600"/>
-          </a:xfrm>
-        </p:spPr>
-        <p:txBody>
-          <a:bodyPr/>
-          <a:lstStyle/>
-          <a:p>
-            <a:r>
-              <a:rPr lang="en-US" dirty="0"/>
+            <a:off x="1293026" y="713195"/>
+            <a:ext cx="9605948" cy="2318665"/>
+          </a:xfrm>
+        </p:spPr>
+        <p:txBody>
+          <a:bodyPr>
+            <a:normAutofit/>
+          </a:bodyPr>
+          <a:lstStyle/>
+          <a:p>
+            <a:r>
+              <a:rPr lang="en-US" sz="5400">
+                <a:solidFill>
+                  <a:srgbClr val="FFFFFF"/>
+                </a:solidFill>
+              </a:rPr>
               <a:t>What’s My Old Car Worth?</a:t>
             </a:r>
           </a:p>
@@ -3825,18 +3943,68 @@
             <p:ph type="subTitle" idx="1"/>
           </p:nvPr>
         </p:nvSpPr>
-        <p:spPr/>
-        <p:txBody>
-          <a:bodyPr/>
-          <a:lstStyle/>
-          <a:p>
-            <a:r>
-              <a:rPr lang="en-US" dirty="0"/>
+        <p:spPr>
+          <a:xfrm>
+            <a:off x="1627240" y="3031860"/>
+            <a:ext cx="8937522" cy="1059373"/>
+          </a:xfrm>
+        </p:spPr>
+        <p:txBody>
+          <a:bodyPr>
+            <a:normAutofit/>
+          </a:bodyPr>
+          <a:lstStyle/>
+          <a:p>
+            <a:r>
+              <a:rPr lang="en-US">
+                <a:solidFill>
+                  <a:srgbClr val="FFFFFF"/>
+                </a:solidFill>
+              </a:rPr>
               <a:t>By Tony Pennoyer</a:t>
             </a:r>
           </a:p>
         </p:txBody>
       </p:sp>
+      <p:pic>
+        <p:nvPicPr>
+          <p:cNvPr id="7" name="Graphic 6" descr="Car">
+            <a:extLst>
+              <a:ext uri="{FF2B5EF4-FFF2-40B4-BE49-F238E27FC236}">
+                <a16:creationId xmlns:a16="http://schemas.microsoft.com/office/drawing/2014/main" id="{8977EC41-C6FF-469B-8960-D3219686F955}"/>
+              </a:ext>
+            </a:extLst>
+          </p:cNvPr>
+          <p:cNvPicPr>
+            <a:picLocks noChangeAspect="1"/>
+          </p:cNvPicPr>
+          <p:nvPr/>
+        </p:nvPicPr>
+        <p:blipFill>
+          <a:blip r:embed="rId2">
+            <a:extLst>
+              <a:ext uri="{28A0092B-C50C-407E-A947-70E740481C1C}">
+                <a14:useLocalDpi xmlns:a14="http://schemas.microsoft.com/office/drawing/2010/main" val="0"/>
+              </a:ext>
+              <a:ext uri="{96DAC541-7B7A-43D3-8B79-37D633B846F1}">
+                <asvg:svgBlip xmlns:asvg="http://schemas.microsoft.com/office/drawing/2016/SVG/main" r:embed="rId3"/>
+              </a:ext>
+            </a:extLst>
+          </a:blip>
+          <a:stretch>
+            <a:fillRect/>
+          </a:stretch>
+        </p:blipFill>
+        <p:spPr>
+          <a:xfrm>
+            <a:off x="5506089" y="4805363"/>
+            <a:ext cx="1179824" cy="1179824"/>
+          </a:xfrm>
+          <a:prstGeom prst="rect">
+            <a:avLst/>
+          </a:prstGeom>
+        </p:spPr>
+      </p:pic>
     </p:spTree>
     <p:extLst>
       <p:ext uri="{BB962C8B-B14F-4D97-AF65-F5344CB8AC3E}">
@@ -3853,6 +4021,14 @@
 <file path=ppt/slides/slide10.xml><?xml version="1.0" encoding="utf-8"?>
 <p:sld xmlns:a="http://schemas.openxmlformats.org/drawingml/2006/main" xmlns:r="http://schemas.openxmlformats.org/officeDocument/2006/relationships" xmlns:p="http://schemas.openxmlformats.org/presentationml/2006/main">
   <p:cSld>
+    <p:bg>
+      <p:bgPr>
+        <a:solidFill>
+          <a:schemeClr val="bg1"/>
+        </a:solidFill>
+        <a:effectLst/>
+      </p:bgPr>
+    </p:bg>
     <p:spTree>
       <p:nvGrpSpPr>
         <p:cNvPr id="1" name=""/>
@@ -3867,21 +4043,93 @@
           <a:chExt cx="0" cy="0"/>
         </a:xfrm>
       </p:grpSpPr>
+      <p:sp>
+        <p:nvSpPr>
+          <p:cNvPr id="3" name="Content Placeholder 2">
+            <a:extLst>
+              <a:ext uri="{FF2B5EF4-FFF2-40B4-BE49-F238E27FC236}">
+                <a16:creationId xmlns:a16="http://schemas.microsoft.com/office/drawing/2014/main" id="{75CACA1A-1575-FE4B-BC23-A288084E5443}"/>
+              </a:ext>
+            </a:extLst>
+          </p:cNvPr>
+          <p:cNvSpPr>
+            <a:spLocks noGrp="1"/>
+          </p:cNvSpPr>
+          <p:nvPr>
+            <p:ph idx="1"/>
+          </p:nvPr>
+        </p:nvSpPr>
+        <p:spPr>
+          <a:xfrm>
+            <a:off x="988566" y="1562403"/>
+            <a:ext cx="3505494" cy="3785419"/>
+          </a:xfrm>
+        </p:spPr>
+        <p:txBody>
+          <a:bodyPr>
+            <a:normAutofit/>
+          </a:bodyPr>
+          <a:lstStyle/>
+          <a:p>
+            <a:endParaRPr lang="en-US" sz="1700" dirty="0"/>
+          </a:p>
+          <a:p>
+            <a:r>
+              <a:rPr lang="en-US" sz="1700" dirty="0"/>
+              <a:t>Average: $263,000</a:t>
+            </a:r>
+          </a:p>
+          <a:p>
+            <a:endParaRPr lang="en-US" sz="1700" dirty="0"/>
+          </a:p>
+          <a:p>
+            <a:r>
+              <a:rPr lang="en-US" sz="1700" dirty="0"/>
+              <a:t>Median: $156,800 </a:t>
+            </a:r>
+          </a:p>
+          <a:p>
+            <a:endParaRPr lang="en-US" sz="1700" dirty="0"/>
+          </a:p>
+          <a:p>
+            <a:r>
+              <a:rPr lang="en-US" sz="1700" dirty="0"/>
+              <a:t>Standard deviation of $381,339</a:t>
+            </a:r>
+          </a:p>
+          <a:p>
+            <a:endParaRPr lang="en-US" sz="1700" dirty="0"/>
+          </a:p>
+          <a:p>
+            <a:r>
+              <a:rPr lang="en-US" sz="1700" dirty="0"/>
+              <a:t>About 75% of all 911s were between $20,000 - $285,000</a:t>
+            </a:r>
+          </a:p>
+          <a:p>
+            <a:endParaRPr lang="en-US" sz="1700" dirty="0"/>
+          </a:p>
+          <a:p>
+            <a:endParaRPr lang="en-US" sz="1700" dirty="0"/>
+          </a:p>
+          <a:p>
+            <a:endParaRPr lang="en-US" sz="1700" dirty="0"/>
+          </a:p>
+        </p:txBody>
+      </p:sp>
       <p:pic>
         <p:nvPicPr>
-          <p:cNvPr id="9" name="Content Placeholder 8" descr="Chart, scatter chart&#10;&#10;Description automatically generated">
-            <a:extLst>
-              <a:ext uri="{FF2B5EF4-FFF2-40B4-BE49-F238E27FC236}">
-                <a16:creationId xmlns:a16="http://schemas.microsoft.com/office/drawing/2014/main" id="{16D1085A-1B2F-A443-9A1D-E922A88C0F6C}"/>
+          <p:cNvPr id="10" name="Picture 9" descr="Chart, box and whisker chart&#10;&#10;Description automatically generated">
+            <a:extLst>
+              <a:ext uri="{FF2B5EF4-FFF2-40B4-BE49-F238E27FC236}">
+                <a16:creationId xmlns:a16="http://schemas.microsoft.com/office/drawing/2014/main" id="{0160ED2C-FD1E-4E48-8EAB-3B15CDEF9891}"/>
               </a:ext>
             </a:extLst>
           </p:cNvPr>
           <p:cNvPicPr>
-            <a:picLocks noGrp="1" noChangeAspect="1"/>
+            <a:picLocks noChangeAspect="1"/>
           </p:cNvPicPr>
-          <p:nvPr>
-            <p:ph idx="1"/>
-          </p:nvPr>
+          <p:nvPr/>
         </p:nvPicPr>
         <p:blipFill>
           <a:blip r:embed="rId2"/>
@@ -3891,15 +4139,19 @@
         </p:blipFill>
         <p:spPr>
           <a:xfrm>
-            <a:off x="2193026" y="67751"/>
-            <a:ext cx="8566832" cy="6425124"/>
-          </a:xfrm>
+            <a:off x="6099048" y="1197864"/>
+            <a:ext cx="6019331" cy="4514498"/>
+          </a:xfrm>
+          <a:prstGeom prst="rect">
+            <a:avLst/>
+          </a:prstGeom>
+          <a:effectLst/>
         </p:spPr>
       </p:pic>
     </p:spTree>
     <p:extLst>
       <p:ext uri="{BB962C8B-B14F-4D97-AF65-F5344CB8AC3E}">
-        <p14:creationId xmlns:p14="http://schemas.microsoft.com/office/powerpoint/2010/main" val="3908875140"/>
+        <p14:creationId xmlns:p14="http://schemas.microsoft.com/office/powerpoint/2010/main" val="146425548"/>
       </p:ext>
     </p:extLst>
   </p:cSld>
@@ -3928,69 +4180,46 @@
       </p:grpSpPr>
       <p:sp>
         <p:nvSpPr>
-          <p:cNvPr id="6" name="TextBox 5">
-            <a:extLst>
-              <a:ext uri="{FF2B5EF4-FFF2-40B4-BE49-F238E27FC236}">
-                <a16:creationId xmlns:a16="http://schemas.microsoft.com/office/drawing/2014/main" id="{DE6183CA-7AF0-FC47-900D-56E5B6450AB2}"/>
-              </a:ext>
-            </a:extLst>
-          </p:cNvPr>
-          <p:cNvSpPr txBox="1"/>
-          <p:nvPr/>
-        </p:nvSpPr>
-        <p:spPr>
-          <a:xfrm>
-            <a:off x="257520" y="1733900"/>
-            <a:ext cx="3732954" cy="2585323"/>
-          </a:xfrm>
-          <a:prstGeom prst="rect">
-            <a:avLst/>
-          </a:prstGeom>
-          <a:noFill/>
-        </p:spPr>
-        <p:txBody>
-          <a:bodyPr wrap="square" rtlCol="0">
-            <a:spAutoFit/>
+          <p:cNvPr id="2" name="Title 1">
+            <a:extLst>
+              <a:ext uri="{FF2B5EF4-FFF2-40B4-BE49-F238E27FC236}">
+                <a16:creationId xmlns:a16="http://schemas.microsoft.com/office/drawing/2014/main" id="{2C55F832-9D27-5542-B042-8EFE24A181C1}"/>
+              </a:ext>
+            </a:extLst>
+          </p:cNvPr>
+          <p:cNvSpPr>
+            <a:spLocks noGrp="1"/>
+          </p:cNvSpPr>
+          <p:nvPr>
+            <p:ph type="title"/>
+          </p:nvPr>
+        </p:nvSpPr>
+        <p:spPr>
+          <a:xfrm>
+            <a:off x="2641947" y="404366"/>
+            <a:ext cx="10515600" cy="1325563"/>
+          </a:xfrm>
+        </p:spPr>
+        <p:txBody>
+          <a:bodyPr>
+            <a:normAutofit/>
           </a:bodyPr>
           <a:lstStyle/>
           <a:p>
-            <a:pPr marL="285750" indent="-285750">
-              <a:buFont typeface="Arial" panose="020B0604020202020204" pitchFamily="34" charset="0"/>
-              <a:buChar char="•"/>
-            </a:pPr>
-            <a:r>
-              <a:rPr lang="en-US" dirty="0"/>
-              <a:t>The value of a Porsche 911 depends heavily on what year it was produced</a:t>
-            </a:r>
-          </a:p>
-          <a:p>
-            <a:pPr marL="285750" indent="-285750">
-              <a:buFont typeface="Arial" panose="020B0604020202020204" pitchFamily="34" charset="0"/>
-              <a:buChar char="•"/>
-            </a:pPr>
-            <a:endParaRPr lang="en-US" dirty="0"/>
-          </a:p>
-          <a:p>
-            <a:pPr marL="285750" indent="-285750">
-              <a:buFont typeface="Arial" panose="020B0604020202020204" pitchFamily="34" charset="0"/>
-              <a:buChar char="•"/>
-            </a:pPr>
-            <a:r>
-              <a:rPr lang="en-US" dirty="0"/>
-              <a:t>Clearly those manufactured in the mid-90s were considered more desirable than those in the early 2000s</a:t>
-            </a:r>
-          </a:p>
-          <a:p>
-            <a:endParaRPr lang="en-US" dirty="0"/>
+            <a:r>
+              <a:rPr lang="en-US" sz="3000"/>
+              <a:t>1973</a:t>
+            </a:r>
+            <a:endParaRPr lang="en-US" sz="3000" dirty="0"/>
           </a:p>
         </p:txBody>
       </p:sp>
       <p:pic>
         <p:nvPicPr>
-          <p:cNvPr id="10" name="Content Placeholder 9" descr="Chart, line chart, histogram&#10;&#10;Description automatically generated">
-            <a:extLst>
-              <a:ext uri="{FF2B5EF4-FFF2-40B4-BE49-F238E27FC236}">
-                <a16:creationId xmlns:a16="http://schemas.microsoft.com/office/drawing/2014/main" id="{1747D6D1-76F9-114C-8061-47D99F82579D}"/>
+          <p:cNvPr id="13" name="Content Placeholder 12" descr="A picture containing car, roof&#10;&#10;Description automatically generated">
+            <a:extLst>
+              <a:ext uri="{FF2B5EF4-FFF2-40B4-BE49-F238E27FC236}">
+                <a16:creationId xmlns:a16="http://schemas.microsoft.com/office/drawing/2014/main" id="{CA03CADF-7783-854A-A54A-0E13278BB9A1}"/>
               </a:ext>
             </a:extLst>
           </p:cNvPr>
@@ -4009,15 +4238,77 @@
         </p:blipFill>
         <p:spPr>
           <a:xfrm>
-            <a:off x="3990474" y="118997"/>
-            <a:ext cx="7944006" cy="6620005"/>
+            <a:off x="2110795" y="2830013"/>
+            <a:ext cx="2129101" cy="1197974"/>
           </a:xfrm>
         </p:spPr>
       </p:pic>
+      <p:pic>
+        <p:nvPicPr>
+          <p:cNvPr id="18" name="Picture 17" descr="Chart, box and whisker chart&#10;&#10;Description automatically generated">
+            <a:extLst>
+              <a:ext uri="{FF2B5EF4-FFF2-40B4-BE49-F238E27FC236}">
+                <a16:creationId xmlns:a16="http://schemas.microsoft.com/office/drawing/2014/main" id="{664CEA54-0F7F-5F41-AB4D-805416EFF2D3}"/>
+              </a:ext>
+            </a:extLst>
+          </p:cNvPr>
+          <p:cNvPicPr>
+            <a:picLocks noChangeAspect="1"/>
+          </p:cNvPicPr>
+          <p:nvPr/>
+        </p:nvPicPr>
+        <p:blipFill>
+          <a:blip r:embed="rId3"/>
+          <a:stretch>
+            <a:fillRect/>
+          </a:stretch>
+        </p:blipFill>
+        <p:spPr>
+          <a:xfrm>
+            <a:off x="6099048" y="1197864"/>
+            <a:ext cx="5842000" cy="4381500"/>
+          </a:xfrm>
+          <a:prstGeom prst="rect">
+            <a:avLst/>
+          </a:prstGeom>
+        </p:spPr>
+      </p:pic>
+      <p:sp>
+        <p:nvSpPr>
+          <p:cNvPr id="20" name="TextBox 19">
+            <a:extLst>
+              <a:ext uri="{FF2B5EF4-FFF2-40B4-BE49-F238E27FC236}">
+                <a16:creationId xmlns:a16="http://schemas.microsoft.com/office/drawing/2014/main" id="{3E3DE61C-A2A7-2846-B36B-4B09020E31AD}"/>
+              </a:ext>
+            </a:extLst>
+          </p:cNvPr>
+          <p:cNvSpPr txBox="1"/>
+          <p:nvPr/>
+        </p:nvSpPr>
+        <p:spPr>
+          <a:xfrm>
+            <a:off x="1985374" y="404366"/>
+            <a:ext cx="6576164" cy="369332"/>
+          </a:xfrm>
+          <a:prstGeom prst="rect">
+            <a:avLst/>
+          </a:prstGeom>
+          <a:noFill/>
+        </p:spPr>
+        <p:txBody>
+          <a:bodyPr wrap="square">
+            <a:spAutoFit/>
+          </a:bodyPr>
+          <a:lstStyle/>
+          <a:p>
+            <a:endParaRPr lang="en-US" dirty="0"/>
+          </a:p>
+        </p:txBody>
+      </p:sp>
     </p:spTree>
     <p:extLst>
       <p:ext uri="{BB962C8B-B14F-4D97-AF65-F5344CB8AC3E}">
-        <p14:creationId xmlns:p14="http://schemas.microsoft.com/office/powerpoint/2010/main" val="1000742676"/>
+        <p14:creationId xmlns:p14="http://schemas.microsoft.com/office/powerpoint/2010/main" val="1296073979"/>
       </p:ext>
     </p:extLst>
   </p:cSld>
@@ -4044,12 +4335,48 @@
           <a:chExt cx="0" cy="0"/>
         </a:xfrm>
       </p:grpSpPr>
+      <p:sp>
+        <p:nvSpPr>
+          <p:cNvPr id="2" name="Title 1">
+            <a:extLst>
+              <a:ext uri="{FF2B5EF4-FFF2-40B4-BE49-F238E27FC236}">
+                <a16:creationId xmlns:a16="http://schemas.microsoft.com/office/drawing/2014/main" id="{2C55F832-9D27-5542-B042-8EFE24A181C1}"/>
+              </a:ext>
+            </a:extLst>
+          </p:cNvPr>
+          <p:cNvSpPr>
+            <a:spLocks noGrp="1"/>
+          </p:cNvSpPr>
+          <p:nvPr>
+            <p:ph type="title"/>
+          </p:nvPr>
+        </p:nvSpPr>
+        <p:spPr>
+          <a:xfrm>
+            <a:off x="387263" y="348186"/>
+            <a:ext cx="10515600" cy="1325563"/>
+          </a:xfrm>
+        </p:spPr>
+        <p:txBody>
+          <a:bodyPr>
+            <a:normAutofit/>
+          </a:bodyPr>
+          <a:lstStyle/>
+          <a:p>
+            <a:r>
+              <a:rPr lang="en-US" sz="3000"/>
+              <a:t>1973 Porsche 911 Carrera RS 2.7 Touring</a:t>
+            </a:r>
+            <a:endParaRPr lang="en-US" sz="3000" dirty="0"/>
+          </a:p>
+        </p:txBody>
+      </p:sp>
       <p:pic>
         <p:nvPicPr>
-          <p:cNvPr id="5" name="Content Placeholder 4" descr="Chart, bar chart&#10;&#10;Description automatically generated">
-            <a:extLst>
-              <a:ext uri="{FF2B5EF4-FFF2-40B4-BE49-F238E27FC236}">
-                <a16:creationId xmlns:a16="http://schemas.microsoft.com/office/drawing/2014/main" id="{24D4E4A7-21CD-DE47-A57C-F7AAB2D0A1A2}"/>
+          <p:cNvPr id="8" name="Content Placeholder 7" descr="A yellow car parked on a street&#10;&#10;Description automatically generated with medium confidence">
+            <a:extLst>
+              <a:ext uri="{FF2B5EF4-FFF2-40B4-BE49-F238E27FC236}">
+                <a16:creationId xmlns:a16="http://schemas.microsoft.com/office/drawing/2014/main" id="{352B1F3F-794B-004E-B0CB-20FDABC15F9B}"/>
               </a:ext>
             </a:extLst>
           </p:cNvPr>
@@ -4068,15 +4395,81 @@
         </p:blipFill>
         <p:spPr>
           <a:xfrm>
-            <a:off x="1967557" y="628661"/>
-            <a:ext cx="7865374" cy="5899031"/>
+            <a:off x="2112264" y="2825496"/>
+            <a:ext cx="2098331" cy="1572040"/>
           </a:xfrm>
         </p:spPr>
       </p:pic>
+      <p:pic>
+        <p:nvPicPr>
+          <p:cNvPr id="15" name="Picture 14" descr="Chart, box and whisker chart&#10;&#10;Description automatically generated">
+            <a:extLst>
+              <a:ext uri="{FF2B5EF4-FFF2-40B4-BE49-F238E27FC236}">
+                <a16:creationId xmlns:a16="http://schemas.microsoft.com/office/drawing/2014/main" id="{268B509F-8733-F64A-9823-3535611A1FE3}"/>
+              </a:ext>
+            </a:extLst>
+          </p:cNvPr>
+          <p:cNvPicPr>
+            <a:picLocks noChangeAspect="1"/>
+          </p:cNvPicPr>
+          <p:nvPr/>
+        </p:nvPicPr>
+        <p:blipFill>
+          <a:blip r:embed="rId3"/>
+          <a:stretch>
+            <a:fillRect/>
+          </a:stretch>
+        </p:blipFill>
+        <p:spPr>
+          <a:xfrm>
+            <a:off x="6099048" y="1197864"/>
+            <a:ext cx="5842000" cy="4381500"/>
+          </a:xfrm>
+          <a:prstGeom prst="rect">
+            <a:avLst/>
+          </a:prstGeom>
+        </p:spPr>
+      </p:pic>
+      <p:sp>
+        <p:nvSpPr>
+          <p:cNvPr id="16" name="TextBox 15">
+            <a:extLst>
+              <a:ext uri="{FF2B5EF4-FFF2-40B4-BE49-F238E27FC236}">
+                <a16:creationId xmlns:a16="http://schemas.microsoft.com/office/drawing/2014/main" id="{B884C2B0-5945-8946-AD77-AF4E64D19C68}"/>
+              </a:ext>
+            </a:extLst>
+          </p:cNvPr>
+          <p:cNvSpPr txBox="1"/>
+          <p:nvPr/>
+        </p:nvSpPr>
+        <p:spPr>
+          <a:xfrm>
+            <a:off x="2235674" y="402578"/>
+            <a:ext cx="2341218" cy="369332"/>
+          </a:xfrm>
+          <a:prstGeom prst="rect">
+            <a:avLst/>
+          </a:prstGeom>
+          <a:noFill/>
+        </p:spPr>
+        <p:txBody>
+          <a:bodyPr wrap="none" rtlCol="0">
+            <a:spAutoFit/>
+          </a:bodyPr>
+          <a:lstStyle/>
+          <a:p>
+            <a:r>
+              <a:rPr lang="en-US"/>
+              <a:t>Getting more specific…</a:t>
+            </a:r>
+            <a:endParaRPr lang="en-US" dirty="0"/>
+          </a:p>
+        </p:txBody>
+      </p:sp>
     </p:spTree>
     <p:extLst>
       <p:ext uri="{BB962C8B-B14F-4D97-AF65-F5344CB8AC3E}">
-        <p14:creationId xmlns:p14="http://schemas.microsoft.com/office/powerpoint/2010/main" val="2112910488"/>
+        <p14:creationId xmlns:p14="http://schemas.microsoft.com/office/powerpoint/2010/main" val="388729201"/>
       </p:ext>
     </p:extLst>
   </p:cSld>
@@ -4103,39 +4496,135 @@
           <a:chExt cx="0" cy="0"/>
         </a:xfrm>
       </p:grpSpPr>
-      <p:pic>
-        <p:nvPicPr>
-          <p:cNvPr id="9" name="Content Placeholder 8" descr="Chart, histogram&#10;&#10;Description automatically generated">
-            <a:extLst>
-              <a:ext uri="{FF2B5EF4-FFF2-40B4-BE49-F238E27FC236}">
-                <a16:creationId xmlns:a16="http://schemas.microsoft.com/office/drawing/2014/main" id="{99E73BB0-A283-2A41-9D27-AA81F67B5E01}"/>
-              </a:ext>
-            </a:extLst>
-          </p:cNvPr>
-          <p:cNvPicPr>
-            <a:picLocks noGrp="1" noChangeAspect="1"/>
-          </p:cNvPicPr>
+      <p:sp>
+        <p:nvSpPr>
+          <p:cNvPr id="2" name="Title 1">
+            <a:extLst>
+              <a:ext uri="{FF2B5EF4-FFF2-40B4-BE49-F238E27FC236}">
+                <a16:creationId xmlns:a16="http://schemas.microsoft.com/office/drawing/2014/main" id="{87EB2EFC-0F4B-5C41-8D25-5DC458B5A318}"/>
+              </a:ext>
+            </a:extLst>
+          </p:cNvPr>
+          <p:cNvSpPr>
+            <a:spLocks noGrp="1"/>
+          </p:cNvSpPr>
+          <p:nvPr>
+            <p:ph type="title"/>
+          </p:nvPr>
+        </p:nvSpPr>
+        <p:spPr/>
+        <p:txBody>
+          <a:bodyPr>
+            <a:normAutofit/>
+          </a:bodyPr>
+          <a:lstStyle/>
+          <a:p>
+            <a:r>
+              <a:rPr lang="en-US" sz="2800" dirty="0"/>
+              <a:t>Valuating a 1973 Porsche 911 Carrera RS 2.7 Touring </a:t>
+            </a:r>
+          </a:p>
+        </p:txBody>
+      </p:sp>
+      <p:sp>
+        <p:nvSpPr>
+          <p:cNvPr id="3" name="Content Placeholder 2">
+            <a:extLst>
+              <a:ext uri="{FF2B5EF4-FFF2-40B4-BE49-F238E27FC236}">
+                <a16:creationId xmlns:a16="http://schemas.microsoft.com/office/drawing/2014/main" id="{4936FAD3-447A-2141-B338-A9A7658D0E94}"/>
+              </a:ext>
+            </a:extLst>
+          </p:cNvPr>
+          <p:cNvSpPr>
+            <a:spLocks noGrp="1"/>
+          </p:cNvSpPr>
           <p:nvPr>
             <p:ph idx="1"/>
           </p:nvPr>
-        </p:nvPicPr>
-        <p:blipFill>
-          <a:blip r:embed="rId2"/>
-          <a:stretch>
-            <a:fillRect/>
-          </a:stretch>
-        </p:blipFill>
-        <p:spPr>
-          <a:xfrm>
-            <a:off x="2201932" y="87622"/>
-            <a:ext cx="8019306" cy="6682756"/>
-          </a:xfrm>
-        </p:spPr>
-      </p:pic>
+        </p:nvSpPr>
+        <p:spPr/>
+        <p:txBody>
+          <a:bodyPr>
+            <a:normAutofit/>
+          </a:bodyPr>
+          <a:lstStyle/>
+          <a:p>
+            <a:pPr marL="457200" lvl="1" indent="0">
+              <a:buNone/>
+            </a:pPr>
+            <a:r>
+              <a:rPr lang="en-US" dirty="0"/>
+              <a:t>Condition categories:</a:t>
+            </a:r>
+          </a:p>
+          <a:p>
+            <a:pPr lvl="1"/>
+            <a:r>
+              <a:rPr lang="en-US" dirty="0">
+                <a:solidFill>
+                  <a:srgbClr val="00B050"/>
+                </a:solidFill>
+              </a:rPr>
+              <a:t>Concourse = $661,251 - $708,064</a:t>
+            </a:r>
+          </a:p>
+          <a:p>
+            <a:pPr lvl="1"/>
+            <a:r>
+              <a:rPr lang="en-US" dirty="0">
+                <a:solidFill>
+                  <a:srgbClr val="92D050"/>
+                </a:solidFill>
+              </a:rPr>
+              <a:t>Excellent = $608,333 - $661,250</a:t>
+            </a:r>
+          </a:p>
+          <a:p>
+            <a:pPr lvl="1"/>
+            <a:r>
+              <a:rPr lang="en-US" dirty="0">
+                <a:solidFill>
+                  <a:srgbClr val="FFC000"/>
+                </a:solidFill>
+              </a:rPr>
+              <a:t>Very Good = $544,612 - $608,332</a:t>
+            </a:r>
+          </a:p>
+          <a:p>
+            <a:pPr lvl="1"/>
+            <a:r>
+              <a:rPr lang="en-US" dirty="0">
+                <a:solidFill>
+                  <a:srgbClr val="C00000"/>
+                </a:solidFill>
+              </a:rPr>
+              <a:t>Good  = $412,000 - $544,611</a:t>
+            </a:r>
+          </a:p>
+          <a:p>
+            <a:endParaRPr lang="en-US" dirty="0"/>
+          </a:p>
+          <a:p>
+            <a:pPr marL="0" indent="0">
+              <a:buNone/>
+            </a:pPr>
+            <a:endParaRPr lang="en-US" dirty="0"/>
+          </a:p>
+          <a:p>
+            <a:r>
+              <a:rPr lang="en-US" sz="1600" i="1" dirty="0"/>
+              <a:t>(I decided to exclude a ‘Fair’  category as most of the cars that go to auction are in good shape)</a:t>
+            </a:r>
+          </a:p>
+          <a:p>
+            <a:endParaRPr lang="en-US" dirty="0"/>
+          </a:p>
+        </p:txBody>
+      </p:sp>
     </p:spTree>
     <p:extLst>
       <p:ext uri="{BB962C8B-B14F-4D97-AF65-F5344CB8AC3E}">
-        <p14:creationId xmlns:p14="http://schemas.microsoft.com/office/powerpoint/2010/main" val="2436635949"/>
+        <p14:creationId xmlns:p14="http://schemas.microsoft.com/office/powerpoint/2010/main" val="2260946810"/>
       </p:ext>
     </p:extLst>
   </p:cSld>
@@ -4162,86 +4651,69 @@
           <a:chExt cx="0" cy="0"/>
         </a:xfrm>
       </p:grpSpPr>
-      <p:sp>
-        <p:nvSpPr>
-          <p:cNvPr id="2" name="Title 1">
-            <a:extLst>
-              <a:ext uri="{FF2B5EF4-FFF2-40B4-BE49-F238E27FC236}">
-                <a16:creationId xmlns:a16="http://schemas.microsoft.com/office/drawing/2014/main" id="{6B4CEA57-D97E-874A-9378-C9B3EDA4F616}"/>
-              </a:ext>
-            </a:extLst>
-          </p:cNvPr>
-          <p:cNvSpPr>
-            <a:spLocks noGrp="1"/>
-          </p:cNvSpPr>
-          <p:nvPr>
-            <p:ph type="title"/>
-          </p:nvPr>
-        </p:nvSpPr>
-        <p:spPr/>
-        <p:txBody>
-          <a:bodyPr/>
-          <a:lstStyle/>
-          <a:p>
-            <a:r>
-              <a:rPr lang="en-US" dirty="0"/>
-              <a:t>Limitations</a:t>
-            </a:r>
-          </a:p>
-        </p:txBody>
-      </p:sp>
-      <p:sp>
-        <p:nvSpPr>
-          <p:cNvPr id="3" name="Content Placeholder 2">
-            <a:extLst>
-              <a:ext uri="{FF2B5EF4-FFF2-40B4-BE49-F238E27FC236}">
-                <a16:creationId xmlns:a16="http://schemas.microsoft.com/office/drawing/2014/main" id="{499AC086-1B11-1249-A2D7-7FBA7F9AF6DF}"/>
-              </a:ext>
-            </a:extLst>
-          </p:cNvPr>
-          <p:cNvSpPr>
-            <a:spLocks noGrp="1"/>
-          </p:cNvSpPr>
+      <p:pic>
+        <p:nvPicPr>
+          <p:cNvPr id="9" name="Content Placeholder 8" descr="Chart, scatter chart&#10;&#10;Description automatically generated">
+            <a:extLst>
+              <a:ext uri="{FF2B5EF4-FFF2-40B4-BE49-F238E27FC236}">
+                <a16:creationId xmlns:a16="http://schemas.microsoft.com/office/drawing/2014/main" id="{510B4E8C-682C-BE4F-A222-DB9F5892D45E}"/>
+              </a:ext>
+            </a:extLst>
+          </p:cNvPr>
+          <p:cNvPicPr>
+            <a:picLocks noGrp="1" noChangeAspect="1"/>
+          </p:cNvPicPr>
           <p:nvPr>
             <p:ph idx="1"/>
           </p:nvPr>
-        </p:nvSpPr>
-        <p:spPr/>
-        <p:txBody>
-          <a:bodyPr>
-            <a:normAutofit/>
-          </a:bodyPr>
-          <a:lstStyle/>
-          <a:p>
-            <a:r>
-              <a:rPr lang="en-US" dirty="0"/>
-              <a:t>Arguably the largest problem with the data I collected is that it does not give insight to the condition of the car</a:t>
-            </a:r>
-          </a:p>
-          <a:p>
-            <a:r>
-              <a:rPr lang="en-US" dirty="0"/>
-              <a:t>The value of used cars depends heavily on condition and its history. Both of these factors are not taken into account with the data I scraped</a:t>
-            </a:r>
-          </a:p>
-          <a:p>
-            <a:r>
-              <a:rPr lang="en-US" dirty="0"/>
-              <a:t>Because the auctions typically get cars in excellent condition the prices may not be a good indicator for those in poor shape</a:t>
-            </a:r>
-          </a:p>
-          <a:p>
-            <a:r>
-              <a:rPr lang="en-US" dirty="0"/>
-              <a:t>Another limitation is that many cars are sold as private sales through auction houses, something they do not report</a:t>
-            </a:r>
-          </a:p>
-        </p:txBody>
-      </p:sp>
+        </p:nvPicPr>
+        <p:blipFill>
+          <a:blip r:embed="rId2"/>
+          <a:stretch>
+            <a:fillRect/>
+          </a:stretch>
+        </p:blipFill>
+        <p:spPr>
+          <a:xfrm>
+            <a:off x="4146989" y="595000"/>
+            <a:ext cx="7557332" cy="5667999"/>
+          </a:xfrm>
+        </p:spPr>
+      </p:pic>
+      <p:pic>
+        <p:nvPicPr>
+          <p:cNvPr id="10" name="Picture 9" descr="A car parked on a beach&#10;&#10;Description automatically generated with medium confidence">
+            <a:extLst>
+              <a:ext uri="{FF2B5EF4-FFF2-40B4-BE49-F238E27FC236}">
+                <a16:creationId xmlns:a16="http://schemas.microsoft.com/office/drawing/2014/main" id="{F2007E3A-AC19-324A-BE4E-064DB7E6FAA7}"/>
+              </a:ext>
+            </a:extLst>
+          </p:cNvPr>
+          <p:cNvPicPr>
+            <a:picLocks noChangeAspect="1"/>
+          </p:cNvPicPr>
+          <p:nvPr/>
+        </p:nvPicPr>
+        <p:blipFill>
+          <a:blip r:embed="rId3"/>
+          <a:stretch>
+            <a:fillRect/>
+          </a:stretch>
+        </p:blipFill>
+        <p:spPr>
+          <a:xfrm>
+            <a:off x="837789" y="2627360"/>
+            <a:ext cx="3068005" cy="1603280"/>
+          </a:xfrm>
+          <a:prstGeom prst="rect">
+            <a:avLst/>
+          </a:prstGeom>
+        </p:spPr>
+      </p:pic>
     </p:spTree>
     <p:extLst>
       <p:ext uri="{BB962C8B-B14F-4D97-AF65-F5344CB8AC3E}">
-        <p14:creationId xmlns:p14="http://schemas.microsoft.com/office/powerpoint/2010/main" val="2358630506"/>
+        <p14:creationId xmlns:p14="http://schemas.microsoft.com/office/powerpoint/2010/main" val="1350330268"/>
       </p:ext>
     </p:extLst>
   </p:cSld>
@@ -4268,12 +4740,71 @@
           <a:chExt cx="0" cy="0"/>
         </a:xfrm>
       </p:grpSpPr>
+      <p:pic>
+        <p:nvPicPr>
+          <p:cNvPr id="5" name="Content Placeholder 4" descr="Chart, box and whisker chart&#10;&#10;Description automatically generated">
+            <a:extLst>
+              <a:ext uri="{FF2B5EF4-FFF2-40B4-BE49-F238E27FC236}">
+                <a16:creationId xmlns:a16="http://schemas.microsoft.com/office/drawing/2014/main" id="{B05D4EDC-B9BD-F44E-AF91-D58FA61002A0}"/>
+              </a:ext>
+            </a:extLst>
+          </p:cNvPr>
+          <p:cNvPicPr>
+            <a:picLocks noGrp="1" noChangeAspect="1"/>
+          </p:cNvPicPr>
+          <p:nvPr>
+            <p:ph idx="1"/>
+          </p:nvPr>
+        </p:nvPicPr>
+        <p:blipFill>
+          <a:blip r:embed="rId2"/>
+          <a:stretch>
+            <a:fillRect/>
+          </a:stretch>
+        </p:blipFill>
+        <p:spPr>
+          <a:xfrm>
+            <a:off x="2298797" y="611903"/>
+            <a:ext cx="7594406" cy="5634193"/>
+          </a:xfrm>
+        </p:spPr>
+      </p:pic>
+    </p:spTree>
+    <p:extLst>
+      <p:ext uri="{BB962C8B-B14F-4D97-AF65-F5344CB8AC3E}">
+        <p14:creationId xmlns:p14="http://schemas.microsoft.com/office/powerpoint/2010/main" val="1450740244"/>
+      </p:ext>
+    </p:extLst>
+  </p:cSld>
+  <p:clrMapOvr>
+    <a:masterClrMapping/>
+  </p:clrMapOvr>
+</p:sld>
+</file>
+
+<file path=ppt/slides/slide16.xml><?xml version="1.0" encoding="utf-8"?>
+<p:sld xmlns:a="http://schemas.openxmlformats.org/drawingml/2006/main" xmlns:r="http://schemas.openxmlformats.org/officeDocument/2006/relationships" xmlns:p="http://schemas.openxmlformats.org/presentationml/2006/main">
+  <p:cSld>
+    <p:spTree>
+      <p:nvGrpSpPr>
+        <p:cNvPr id="1" name=""/>
+        <p:cNvGrpSpPr/>
+        <p:nvPr/>
+      </p:nvGrpSpPr>
+      <p:grpSpPr>
+        <a:xfrm>
+          <a:off x="0" y="0"/>
+          <a:ext cx="0" cy="0"/>
+          <a:chOff x="0" y="0"/>
+          <a:chExt cx="0" cy="0"/>
+        </a:xfrm>
+      </p:grpSpPr>
       <p:sp>
         <p:nvSpPr>
           <p:cNvPr id="2" name="Title 1">
             <a:extLst>
               <a:ext uri="{FF2B5EF4-FFF2-40B4-BE49-F238E27FC236}">
-                <a16:creationId xmlns:a16="http://schemas.microsoft.com/office/drawing/2014/main" id="{6B4CEA57-D97E-874A-9378-C9B3EDA4F616}"/>
+                <a16:creationId xmlns:a16="http://schemas.microsoft.com/office/drawing/2014/main" id="{87EB2EFC-0F4B-5C41-8D25-5DC458B5A318}"/>
               </a:ext>
             </a:extLst>
           </p:cNvPr>
@@ -4286,76 +4817,342 @@
         </p:nvSpPr>
         <p:spPr/>
         <p:txBody>
-          <a:bodyPr/>
-          <a:lstStyle/>
-          <a:p>
+          <a:bodyPr>
+            <a:normAutofit/>
+          </a:bodyPr>
+          <a:lstStyle/>
+          <a:p>
+            <a:r>
+              <a:rPr lang="en-US" sz="2800" dirty="0"/>
+              <a:t>Valuating a Mini 1962 - 2000</a:t>
+            </a:r>
+          </a:p>
+        </p:txBody>
+      </p:sp>
+      <p:sp>
+        <p:nvSpPr>
+          <p:cNvPr id="3" name="Content Placeholder 2">
+            <a:extLst>
+              <a:ext uri="{FF2B5EF4-FFF2-40B4-BE49-F238E27FC236}">
+                <a16:creationId xmlns:a16="http://schemas.microsoft.com/office/drawing/2014/main" id="{4936FAD3-447A-2141-B338-A9A7658D0E94}"/>
+              </a:ext>
+            </a:extLst>
+          </p:cNvPr>
+          <p:cNvSpPr>
+            <a:spLocks noGrp="1"/>
+          </p:cNvSpPr>
+          <p:nvPr>
+            <p:ph idx="1"/>
+          </p:nvPr>
+        </p:nvSpPr>
+        <p:spPr/>
+        <p:txBody>
+          <a:bodyPr>
+            <a:normAutofit/>
+          </a:bodyPr>
+          <a:lstStyle/>
+          <a:p>
+            <a:pPr marL="457200" lvl="1" indent="0">
+              <a:buNone/>
+            </a:pPr>
             <a:r>
               <a:rPr lang="en-US" dirty="0"/>
-              <a:t>Going forward</a:t>
-            </a:r>
-          </a:p>
-        </p:txBody>
-      </p:sp>
-      <p:sp>
-        <p:nvSpPr>
-          <p:cNvPr id="3" name="Content Placeholder 2">
-            <a:extLst>
-              <a:ext uri="{FF2B5EF4-FFF2-40B4-BE49-F238E27FC236}">
-                <a16:creationId xmlns:a16="http://schemas.microsoft.com/office/drawing/2014/main" id="{499AC086-1B11-1249-A2D7-7FBA7F9AF6DF}"/>
-              </a:ext>
-            </a:extLst>
-          </p:cNvPr>
-          <p:cNvSpPr>
-            <a:spLocks noGrp="1"/>
-          </p:cNvSpPr>
-          <p:nvPr>
-            <p:ph idx="1"/>
-          </p:nvPr>
-        </p:nvSpPr>
-        <p:spPr>
-          <a:xfrm>
-            <a:off x="838200" y="1814513"/>
-            <a:ext cx="5257800" cy="4362450"/>
-          </a:xfrm>
-        </p:spPr>
-        <p:txBody>
-          <a:bodyPr>
-            <a:normAutofit lnSpcReduction="10000"/>
-          </a:bodyPr>
-          <a:lstStyle/>
-          <a:p>
-            <a:r>
-              <a:rPr lang="en-US" sz="2500" dirty="0"/>
-              <a:t>While I </a:t>
-            </a:r>
-            <a:r>
-              <a:rPr lang="en-US" sz="2500" dirty="0" err="1"/>
-              <a:t>webscraped</a:t>
-            </a:r>
-            <a:r>
-              <a:rPr lang="en-US" sz="2500" dirty="0"/>
-              <a:t> the largest car auction company there are two others that have a big volume of sales as well</a:t>
-            </a:r>
-          </a:p>
-          <a:p>
-            <a:endParaRPr lang="en-US" sz="2500" dirty="0"/>
-          </a:p>
-          <a:p>
-            <a:r>
-              <a:rPr lang="en-US" sz="2500" dirty="0"/>
-              <a:t>With the restriction of time I wasn’t able to get this data but hope to in the future</a:t>
+              <a:t>Condition categories:</a:t>
+            </a:r>
+          </a:p>
+          <a:p>
+            <a:pPr lvl="1"/>
+            <a:r>
+              <a:rPr lang="en-US" dirty="0">
+                <a:solidFill>
+                  <a:srgbClr val="00B050"/>
+                </a:solidFill>
+              </a:rPr>
+              <a:t>Concourse = $29,822 - $41,440</a:t>
+            </a:r>
+          </a:p>
+          <a:p>
+            <a:pPr lvl="1"/>
+            <a:r>
+              <a:rPr lang="en-US" dirty="0">
+                <a:solidFill>
+                  <a:srgbClr val="92D050"/>
+                </a:solidFill>
+              </a:rPr>
+              <a:t>Excellent = $21,398 - $29,821</a:t>
+            </a:r>
+          </a:p>
+          <a:p>
+            <a:pPr lvl="1"/>
+            <a:r>
+              <a:rPr lang="en-US" dirty="0">
+                <a:solidFill>
+                  <a:srgbClr val="FFC000"/>
+                </a:solidFill>
+              </a:rPr>
+              <a:t>Very Good = $15,820 - $21,397</a:t>
+            </a:r>
+          </a:p>
+          <a:p>
+            <a:pPr lvl="1"/>
+            <a:r>
+              <a:rPr lang="en-US" dirty="0">
+                <a:solidFill>
+                  <a:srgbClr val="C00000"/>
+                </a:solidFill>
+              </a:rPr>
+              <a:t>Good  = $5,336 - $15,819</a:t>
             </a:r>
           </a:p>
           <a:p>
             <a:pPr marL="0" indent="0">
               <a:buNone/>
             </a:pPr>
-            <a:endParaRPr lang="en-US" sz="2500" dirty="0"/>
-          </a:p>
-          <a:p>
-            <a:r>
-              <a:rPr lang="en-US" sz="2500" dirty="0"/>
-              <a:t>I would also like to obtain  unique identifier for each car so I could track its individual value over the years</a:t>
+            <a:endParaRPr lang="en-US" dirty="0"/>
+          </a:p>
+          <a:p>
+            <a:pPr marL="0" indent="0">
+              <a:buNone/>
+            </a:pPr>
+            <a:endParaRPr lang="en-US" dirty="0"/>
+          </a:p>
+          <a:p>
+            <a:pPr marL="0" indent="0">
+              <a:buNone/>
+            </a:pPr>
+            <a:endParaRPr lang="en-US" dirty="0"/>
+          </a:p>
+        </p:txBody>
+      </p:sp>
+    </p:spTree>
+    <p:extLst>
+      <p:ext uri="{BB962C8B-B14F-4D97-AF65-F5344CB8AC3E}">
+        <p14:creationId xmlns:p14="http://schemas.microsoft.com/office/powerpoint/2010/main" val="553157736"/>
+      </p:ext>
+    </p:extLst>
+  </p:cSld>
+  <p:clrMapOvr>
+    <a:masterClrMapping/>
+  </p:clrMapOvr>
+</p:sld>
+</file>
+
+<file path=ppt/slides/slide17.xml><?xml version="1.0" encoding="utf-8"?>
+<p:sld xmlns:a="http://schemas.openxmlformats.org/drawingml/2006/main" xmlns:r="http://schemas.openxmlformats.org/officeDocument/2006/relationships" xmlns:p="http://schemas.openxmlformats.org/presentationml/2006/main">
+  <p:cSld>
+    <p:spTree>
+      <p:nvGrpSpPr>
+        <p:cNvPr id="1" name=""/>
+        <p:cNvGrpSpPr/>
+        <p:nvPr/>
+      </p:nvGrpSpPr>
+      <p:grpSpPr>
+        <a:xfrm>
+          <a:off x="0" y="0"/>
+          <a:ext cx="0" cy="0"/>
+          <a:chOff x="0" y="0"/>
+          <a:chExt cx="0" cy="0"/>
+        </a:xfrm>
+      </p:grpSpPr>
+      <p:sp>
+        <p:nvSpPr>
+          <p:cNvPr id="2" name="Title 1">
+            <a:extLst>
+              <a:ext uri="{FF2B5EF4-FFF2-40B4-BE49-F238E27FC236}">
+                <a16:creationId xmlns:a16="http://schemas.microsoft.com/office/drawing/2014/main" id="{17ABEAC1-62A9-174E-A494-D309C0055EC8}"/>
+              </a:ext>
+            </a:extLst>
+          </p:cNvPr>
+          <p:cNvSpPr>
+            <a:spLocks noGrp="1"/>
+          </p:cNvSpPr>
+          <p:nvPr>
+            <p:ph type="title"/>
+          </p:nvPr>
+        </p:nvSpPr>
+        <p:spPr/>
+        <p:txBody>
+          <a:bodyPr/>
+          <a:lstStyle/>
+          <a:p>
+            <a:r>
+              <a:rPr lang="en-US" dirty="0"/>
+              <a:t>Further Analysis: Microcars</a:t>
+            </a:r>
+          </a:p>
+        </p:txBody>
+      </p:sp>
+    </p:spTree>
+    <p:extLst>
+      <p:ext uri="{BB962C8B-B14F-4D97-AF65-F5344CB8AC3E}">
+        <p14:creationId xmlns:p14="http://schemas.microsoft.com/office/powerpoint/2010/main" val="2187189899"/>
+      </p:ext>
+    </p:extLst>
+  </p:cSld>
+  <p:clrMapOvr>
+    <a:masterClrMapping/>
+  </p:clrMapOvr>
+</p:sld>
+</file>
+
+<file path=ppt/slides/slide18.xml><?xml version="1.0" encoding="utf-8"?>
+<p:sld xmlns:a="http://schemas.openxmlformats.org/drawingml/2006/main" xmlns:r="http://schemas.openxmlformats.org/officeDocument/2006/relationships" xmlns:p="http://schemas.openxmlformats.org/presentationml/2006/main">
+  <p:cSld>
+    <p:spTree>
+      <p:nvGrpSpPr>
+        <p:cNvPr id="1" name=""/>
+        <p:cNvGrpSpPr/>
+        <p:nvPr/>
+      </p:nvGrpSpPr>
+      <p:grpSpPr>
+        <a:xfrm>
+          <a:off x="0" y="0"/>
+          <a:ext cx="0" cy="0"/>
+          <a:chOff x="0" y="0"/>
+          <a:chExt cx="0" cy="0"/>
+        </a:xfrm>
+      </p:grpSpPr>
+      <p:sp>
+        <p:nvSpPr>
+          <p:cNvPr id="2" name="Title 1">
+            <a:extLst>
+              <a:ext uri="{FF2B5EF4-FFF2-40B4-BE49-F238E27FC236}">
+                <a16:creationId xmlns:a16="http://schemas.microsoft.com/office/drawing/2014/main" id="{17ABEAC1-62A9-174E-A494-D309C0055EC8}"/>
+              </a:ext>
+            </a:extLst>
+          </p:cNvPr>
+          <p:cNvSpPr>
+            <a:spLocks noGrp="1"/>
+          </p:cNvSpPr>
+          <p:nvPr>
+            <p:ph type="title"/>
+          </p:nvPr>
+        </p:nvSpPr>
+        <p:spPr/>
+        <p:txBody>
+          <a:bodyPr/>
+          <a:lstStyle/>
+          <a:p>
+            <a:r>
+              <a:rPr lang="en-US" dirty="0"/>
+              <a:t>Further Analysis: Microcars</a:t>
+            </a:r>
+          </a:p>
+        </p:txBody>
+      </p:sp>
+      <p:sp>
+        <p:nvSpPr>
+          <p:cNvPr id="3" name="Content Placeholder 2">
+            <a:extLst>
+              <a:ext uri="{FF2B5EF4-FFF2-40B4-BE49-F238E27FC236}">
+                <a16:creationId xmlns:a16="http://schemas.microsoft.com/office/drawing/2014/main" id="{EBA41325-163E-FA4D-AC58-16EEE137C67D}"/>
+              </a:ext>
+            </a:extLst>
+          </p:cNvPr>
+          <p:cNvSpPr>
+            <a:spLocks noGrp="1"/>
+          </p:cNvSpPr>
+          <p:nvPr>
+            <p:ph idx="1"/>
+          </p:nvPr>
+        </p:nvSpPr>
+        <p:spPr/>
+        <p:txBody>
+          <a:bodyPr/>
+          <a:lstStyle/>
+          <a:p>
+            <a:r>
+              <a:rPr lang="en-US" dirty="0"/>
+              <a:t>“a term often used for the smallest size of cars, with three or four wheels and often an engine smaller than 700 cc.”</a:t>
+            </a:r>
+          </a:p>
+          <a:p>
+            <a:endParaRPr lang="en-US" dirty="0"/>
+          </a:p>
+        </p:txBody>
+      </p:sp>
+    </p:spTree>
+    <p:extLst>
+      <p:ext uri="{BB962C8B-B14F-4D97-AF65-F5344CB8AC3E}">
+        <p14:creationId xmlns:p14="http://schemas.microsoft.com/office/powerpoint/2010/main" val="3876606959"/>
+      </p:ext>
+    </p:extLst>
+  </p:cSld>
+  <p:clrMapOvr>
+    <a:masterClrMapping/>
+  </p:clrMapOvr>
+</p:sld>
+</file>
+
+<file path=ppt/slides/slide19.xml><?xml version="1.0" encoding="utf-8"?>
+<p:sld xmlns:a="http://schemas.openxmlformats.org/drawingml/2006/main" xmlns:r="http://schemas.openxmlformats.org/officeDocument/2006/relationships" xmlns:p="http://schemas.openxmlformats.org/presentationml/2006/main">
+  <p:cSld>
+    <p:spTree>
+      <p:nvGrpSpPr>
+        <p:cNvPr id="1" name=""/>
+        <p:cNvGrpSpPr/>
+        <p:nvPr/>
+      </p:nvGrpSpPr>
+      <p:grpSpPr>
+        <a:xfrm>
+          <a:off x="0" y="0"/>
+          <a:ext cx="0" cy="0"/>
+          <a:chOff x="0" y="0"/>
+          <a:chExt cx="0" cy="0"/>
+        </a:xfrm>
+      </p:grpSpPr>
+      <p:sp>
+        <p:nvSpPr>
+          <p:cNvPr id="2" name="Title 1">
+            <a:extLst>
+              <a:ext uri="{FF2B5EF4-FFF2-40B4-BE49-F238E27FC236}">
+                <a16:creationId xmlns:a16="http://schemas.microsoft.com/office/drawing/2014/main" id="{17ABEAC1-62A9-174E-A494-D309C0055EC8}"/>
+              </a:ext>
+            </a:extLst>
+          </p:cNvPr>
+          <p:cNvSpPr>
+            <a:spLocks noGrp="1"/>
+          </p:cNvSpPr>
+          <p:nvPr>
+            <p:ph type="title"/>
+          </p:nvPr>
+        </p:nvSpPr>
+        <p:spPr/>
+        <p:txBody>
+          <a:bodyPr/>
+          <a:lstStyle/>
+          <a:p>
+            <a:r>
+              <a:rPr lang="en-US" dirty="0"/>
+              <a:t>Further Analysis: Microcars</a:t>
+            </a:r>
+          </a:p>
+        </p:txBody>
+      </p:sp>
+      <p:sp>
+        <p:nvSpPr>
+          <p:cNvPr id="3" name="Content Placeholder 2">
+            <a:extLst>
+              <a:ext uri="{FF2B5EF4-FFF2-40B4-BE49-F238E27FC236}">
+                <a16:creationId xmlns:a16="http://schemas.microsoft.com/office/drawing/2014/main" id="{EBA41325-163E-FA4D-AC58-16EEE137C67D}"/>
+              </a:ext>
+            </a:extLst>
+          </p:cNvPr>
+          <p:cNvSpPr>
+            <a:spLocks noGrp="1"/>
+          </p:cNvSpPr>
+          <p:nvPr>
+            <p:ph idx="1"/>
+          </p:nvPr>
+        </p:nvSpPr>
+        <p:spPr/>
+        <p:txBody>
+          <a:bodyPr/>
+          <a:lstStyle/>
+          <a:p>
+            <a:r>
+              <a:rPr lang="en-US" dirty="0"/>
+              <a:t>“a term often used for the smallest size of cars, with three or four wheels and often an engine smaller than 700 cc.”</a:t>
             </a:r>
           </a:p>
           <a:p>
@@ -4365,10 +5162,10 @@
       </p:sp>
       <p:pic>
         <p:nvPicPr>
-          <p:cNvPr id="4" name="Picture 3" descr="A black and white logo&#10;&#10;Description automatically generated with medium confidence">
-            <a:extLst>
-              <a:ext uri="{FF2B5EF4-FFF2-40B4-BE49-F238E27FC236}">
-                <a16:creationId xmlns:a16="http://schemas.microsoft.com/office/drawing/2014/main" id="{68179691-519D-F948-9785-32A65C813CC4}"/>
+          <p:cNvPr id="4" name="Picture 3" descr="A picture containing transport, concrete mixer, golf cart&#10;&#10;Description automatically generated">
+            <a:extLst>
+              <a:ext uri="{FF2B5EF4-FFF2-40B4-BE49-F238E27FC236}">
+                <a16:creationId xmlns:a16="http://schemas.microsoft.com/office/drawing/2014/main" id="{F01B19BC-7A60-7949-A883-C2CF0201B062}"/>
               </a:ext>
             </a:extLst>
           </p:cNvPr>
@@ -4385,82 +5182,53 @@
         </p:blipFill>
         <p:spPr>
           <a:xfrm>
-            <a:off x="6712782" y="1814513"/>
-            <a:ext cx="4031419" cy="780789"/>
+            <a:off x="601372" y="3114946"/>
+            <a:ext cx="3269435" cy="2483757"/>
           </a:xfrm>
           <a:prstGeom prst="rect">
             <a:avLst/>
           </a:prstGeom>
         </p:spPr>
       </p:pic>
-      <p:pic>
-        <p:nvPicPr>
-          <p:cNvPr id="5" name="Picture 4" descr="A picture containing text, clipart&#10;&#10;Description automatically generated">
-            <a:extLst>
-              <a:ext uri="{FF2B5EF4-FFF2-40B4-BE49-F238E27FC236}">
-                <a16:creationId xmlns:a16="http://schemas.microsoft.com/office/drawing/2014/main" id="{DC33C02A-0E3D-024E-BF9D-5932EE9DB0C0}"/>
-              </a:ext>
-            </a:extLst>
-          </p:cNvPr>
-          <p:cNvPicPr>
-            <a:picLocks noChangeAspect="1"/>
-          </p:cNvPicPr>
+      <p:sp>
+        <p:nvSpPr>
+          <p:cNvPr id="7" name="TextBox 6">
+            <a:extLst>
+              <a:ext uri="{FF2B5EF4-FFF2-40B4-BE49-F238E27FC236}">
+                <a16:creationId xmlns:a16="http://schemas.microsoft.com/office/drawing/2014/main" id="{21FA7AB3-8217-C040-83C8-10D71BD8A8B4}"/>
+              </a:ext>
+            </a:extLst>
+          </p:cNvPr>
+          <p:cNvSpPr txBox="1"/>
           <p:nvPr/>
-        </p:nvPicPr>
-        <p:blipFill>
-          <a:blip r:embed="rId3">
-            <a:alphaModFix amt="17000"/>
-          </a:blip>
-          <a:stretch>
-            <a:fillRect/>
-          </a:stretch>
-        </p:blipFill>
-        <p:spPr>
-          <a:xfrm>
-            <a:off x="6935381" y="3225145"/>
-            <a:ext cx="3586220" cy="770593"/>
+        </p:nvSpPr>
+        <p:spPr>
+          <a:xfrm>
+            <a:off x="1742107" y="5910288"/>
+            <a:ext cx="987963" cy="369332"/>
           </a:xfrm>
           <a:prstGeom prst="rect">
             <a:avLst/>
           </a:prstGeom>
-        </p:spPr>
-      </p:pic>
-      <p:pic>
-        <p:nvPicPr>
-          <p:cNvPr id="6" name="Picture 5" descr="Graphical user interface, text&#10;&#10;Description automatically generated with medium confidence">
-            <a:extLst>
-              <a:ext uri="{FF2B5EF4-FFF2-40B4-BE49-F238E27FC236}">
-                <a16:creationId xmlns:a16="http://schemas.microsoft.com/office/drawing/2014/main" id="{454F8880-D288-164C-B89B-CC1089C2A720}"/>
-              </a:ext>
-            </a:extLst>
-          </p:cNvPr>
-          <p:cNvPicPr>
-            <a:picLocks noChangeAspect="1"/>
-          </p:cNvPicPr>
-          <p:nvPr/>
-        </p:nvPicPr>
-        <p:blipFill>
-          <a:blip r:embed="rId4">
-            <a:alphaModFix amt="18000"/>
-          </a:blip>
-          <a:stretch>
-            <a:fillRect/>
-          </a:stretch>
-        </p:blipFill>
-        <p:spPr>
-          <a:xfrm>
-            <a:off x="7261612" y="4553617"/>
-            <a:ext cx="2933758" cy="1623346"/>
-          </a:xfrm>
-          <a:prstGeom prst="rect">
-            <a:avLst/>
-          </a:prstGeom>
-        </p:spPr>
-      </p:pic>
+          <a:noFill/>
+        </p:spPr>
+        <p:txBody>
+          <a:bodyPr wrap="none" rtlCol="0">
+            <a:spAutoFit/>
+          </a:bodyPr>
+          <a:lstStyle/>
+          <a:p>
+            <a:r>
+              <a:rPr lang="en-US" dirty="0"/>
+              <a:t>Peel P50</a:t>
+            </a:r>
+          </a:p>
+        </p:txBody>
+      </p:sp>
     </p:spTree>
     <p:extLst>
       <p:ext uri="{BB962C8B-B14F-4D97-AF65-F5344CB8AC3E}">
-        <p14:creationId xmlns:p14="http://schemas.microsoft.com/office/powerpoint/2010/main" val="3817770379"/>
+        <p14:creationId xmlns:p14="http://schemas.microsoft.com/office/powerpoint/2010/main" val="1595146235"/>
       </p:ext>
     </p:extLst>
   </p:cSld>
@@ -4509,9 +5277,10 @@
           <a:lstStyle/>
           <a:p>
             <a:r>
-              <a:rPr lang="en-US" dirty="0"/>
+              <a:rPr lang="en-US"/>
               <a:t>Background </a:t>
             </a:r>
+            <a:endParaRPr lang="en-US" dirty="0"/>
           </a:p>
         </p:txBody>
       </p:sp>
@@ -4537,29 +5306,29 @@
           <a:lstStyle/>
           <a:p>
             <a:r>
-              <a:rPr lang="en-US" dirty="0"/>
+              <a:rPr lang="en-US"/>
               <a:t>Car valuation companies like Kelley Blue Book valuate thousands of cars in our current used car market</a:t>
             </a:r>
           </a:p>
           <a:p>
             <a:r>
-              <a:rPr lang="en-US" dirty="0"/>
+              <a:rPr lang="en-US"/>
               <a:t>If your car was made from 1992 to 2021 </a:t>
             </a:r>
             <a:r>
-              <a:rPr lang="en-US" b="1" dirty="0"/>
+              <a:rPr lang="en-US" b="1"/>
               <a:t>and</a:t>
             </a:r>
             <a:r>
-              <a:rPr lang="en-US" dirty="0"/>
+              <a:rPr lang="en-US"/>
               <a:t> is one of the 40</a:t>
             </a:r>
             <a:r>
-              <a:rPr lang="en-US" b="1" dirty="0"/>
+              <a:rPr lang="en-US" b="1"/>
               <a:t> </a:t>
             </a:r>
             <a:r>
-              <a:rPr lang="en-US" dirty="0"/>
+              <a:rPr lang="en-US"/>
               <a:t>makes they recognize, you can get an estimate from Kelley Blue Book</a:t>
             </a:r>
           </a:p>
@@ -4632,6 +5401,1089 @@
     <p:extLst>
       <p:ext uri="{BB962C8B-B14F-4D97-AF65-F5344CB8AC3E}">
         <p14:creationId xmlns:p14="http://schemas.microsoft.com/office/powerpoint/2010/main" val="1430678276"/>
+      </p:ext>
+    </p:extLst>
+  </p:cSld>
+  <p:clrMapOvr>
+    <a:masterClrMapping/>
+  </p:clrMapOvr>
+</p:sld>
+</file>
+
+<file path=ppt/slides/slide20.xml><?xml version="1.0" encoding="utf-8"?>
+<p:sld xmlns:a="http://schemas.openxmlformats.org/drawingml/2006/main" xmlns:r="http://schemas.openxmlformats.org/officeDocument/2006/relationships" xmlns:p="http://schemas.openxmlformats.org/presentationml/2006/main">
+  <p:cSld>
+    <p:spTree>
+      <p:nvGrpSpPr>
+        <p:cNvPr id="1" name=""/>
+        <p:cNvGrpSpPr/>
+        <p:nvPr/>
+      </p:nvGrpSpPr>
+      <p:grpSpPr>
+        <a:xfrm>
+          <a:off x="0" y="0"/>
+          <a:ext cx="0" cy="0"/>
+          <a:chOff x="0" y="0"/>
+          <a:chExt cx="0" cy="0"/>
+        </a:xfrm>
+      </p:grpSpPr>
+      <p:sp>
+        <p:nvSpPr>
+          <p:cNvPr id="2" name="Title 1">
+            <a:extLst>
+              <a:ext uri="{FF2B5EF4-FFF2-40B4-BE49-F238E27FC236}">
+                <a16:creationId xmlns:a16="http://schemas.microsoft.com/office/drawing/2014/main" id="{17ABEAC1-62A9-174E-A494-D309C0055EC8}"/>
+              </a:ext>
+            </a:extLst>
+          </p:cNvPr>
+          <p:cNvSpPr>
+            <a:spLocks noGrp="1"/>
+          </p:cNvSpPr>
+          <p:nvPr>
+            <p:ph type="title"/>
+          </p:nvPr>
+        </p:nvSpPr>
+        <p:spPr/>
+        <p:txBody>
+          <a:bodyPr/>
+          <a:lstStyle/>
+          <a:p>
+            <a:r>
+              <a:rPr lang="en-US" dirty="0"/>
+              <a:t>Further Analysis: Microcars</a:t>
+            </a:r>
+          </a:p>
+        </p:txBody>
+      </p:sp>
+      <p:sp>
+        <p:nvSpPr>
+          <p:cNvPr id="3" name="Content Placeholder 2">
+            <a:extLst>
+              <a:ext uri="{FF2B5EF4-FFF2-40B4-BE49-F238E27FC236}">
+                <a16:creationId xmlns:a16="http://schemas.microsoft.com/office/drawing/2014/main" id="{EBA41325-163E-FA4D-AC58-16EEE137C67D}"/>
+              </a:ext>
+            </a:extLst>
+          </p:cNvPr>
+          <p:cNvSpPr>
+            <a:spLocks noGrp="1"/>
+          </p:cNvSpPr>
+          <p:nvPr>
+            <p:ph idx="1"/>
+          </p:nvPr>
+        </p:nvSpPr>
+        <p:spPr/>
+        <p:txBody>
+          <a:bodyPr/>
+          <a:lstStyle/>
+          <a:p>
+            <a:r>
+              <a:rPr lang="en-US" dirty="0"/>
+              <a:t>“a term often used for the smallest size of cars, with three or four wheels and often an engine smaller than 700 cc.”</a:t>
+            </a:r>
+          </a:p>
+          <a:p>
+            <a:endParaRPr lang="en-US" dirty="0"/>
+          </a:p>
+        </p:txBody>
+      </p:sp>
+      <p:pic>
+        <p:nvPicPr>
+          <p:cNvPr id="4" name="Picture 3" descr="A picture containing transport, concrete mixer, golf cart&#10;&#10;Description automatically generated">
+            <a:extLst>
+              <a:ext uri="{FF2B5EF4-FFF2-40B4-BE49-F238E27FC236}">
+                <a16:creationId xmlns:a16="http://schemas.microsoft.com/office/drawing/2014/main" id="{F01B19BC-7A60-7949-A883-C2CF0201B062}"/>
+              </a:ext>
+            </a:extLst>
+          </p:cNvPr>
+          <p:cNvPicPr>
+            <a:picLocks noChangeAspect="1"/>
+          </p:cNvPicPr>
+          <p:nvPr/>
+        </p:nvPicPr>
+        <p:blipFill>
+          <a:blip r:embed="rId2"/>
+          <a:stretch>
+            <a:fillRect/>
+          </a:stretch>
+        </p:blipFill>
+        <p:spPr>
+          <a:xfrm>
+            <a:off x="601372" y="3114946"/>
+            <a:ext cx="3269435" cy="2483757"/>
+          </a:xfrm>
+          <a:prstGeom prst="rect">
+            <a:avLst/>
+          </a:prstGeom>
+        </p:spPr>
+      </p:pic>
+      <p:sp>
+        <p:nvSpPr>
+          <p:cNvPr id="7" name="TextBox 6">
+            <a:extLst>
+              <a:ext uri="{FF2B5EF4-FFF2-40B4-BE49-F238E27FC236}">
+                <a16:creationId xmlns:a16="http://schemas.microsoft.com/office/drawing/2014/main" id="{21FA7AB3-8217-C040-83C8-10D71BD8A8B4}"/>
+              </a:ext>
+            </a:extLst>
+          </p:cNvPr>
+          <p:cNvSpPr txBox="1"/>
+          <p:nvPr/>
+        </p:nvSpPr>
+        <p:spPr>
+          <a:xfrm>
+            <a:off x="1742107" y="5910288"/>
+            <a:ext cx="987963" cy="369332"/>
+          </a:xfrm>
+          <a:prstGeom prst="rect">
+            <a:avLst/>
+          </a:prstGeom>
+          <a:noFill/>
+        </p:spPr>
+        <p:txBody>
+          <a:bodyPr wrap="none" rtlCol="0">
+            <a:spAutoFit/>
+          </a:bodyPr>
+          <a:lstStyle/>
+          <a:p>
+            <a:r>
+              <a:rPr lang="en-US" dirty="0"/>
+              <a:t>Peel P50</a:t>
+            </a:r>
+          </a:p>
+        </p:txBody>
+      </p:sp>
+      <p:pic>
+        <p:nvPicPr>
+          <p:cNvPr id="6" name="Picture 5" descr="A picture containing grass, car, outdoor, green&#10;&#10;Description automatically generated">
+            <a:extLst>
+              <a:ext uri="{FF2B5EF4-FFF2-40B4-BE49-F238E27FC236}">
+                <a16:creationId xmlns:a16="http://schemas.microsoft.com/office/drawing/2014/main" id="{C92ECCA2-FADF-F642-A1FB-571F30762AD6}"/>
+              </a:ext>
+            </a:extLst>
+          </p:cNvPr>
+          <p:cNvPicPr>
+            <a:picLocks noChangeAspect="1"/>
+          </p:cNvPicPr>
+          <p:nvPr/>
+        </p:nvPicPr>
+        <p:blipFill>
+          <a:blip r:embed="rId3"/>
+          <a:stretch>
+            <a:fillRect/>
+          </a:stretch>
+        </p:blipFill>
+        <p:spPr>
+          <a:xfrm>
+            <a:off x="4613160" y="3128007"/>
+            <a:ext cx="2965680" cy="2483757"/>
+          </a:xfrm>
+          <a:prstGeom prst="rect">
+            <a:avLst/>
+          </a:prstGeom>
+        </p:spPr>
+      </p:pic>
+      <p:sp>
+        <p:nvSpPr>
+          <p:cNvPr id="8" name="TextBox 7">
+            <a:extLst>
+              <a:ext uri="{FF2B5EF4-FFF2-40B4-BE49-F238E27FC236}">
+                <a16:creationId xmlns:a16="http://schemas.microsoft.com/office/drawing/2014/main" id="{F3174E41-32B3-F744-842F-A99710A60938}"/>
+              </a:ext>
+            </a:extLst>
+          </p:cNvPr>
+          <p:cNvSpPr txBox="1"/>
+          <p:nvPr/>
+        </p:nvSpPr>
+        <p:spPr>
+          <a:xfrm>
+            <a:off x="5453484" y="5905126"/>
+            <a:ext cx="1285032" cy="646331"/>
+          </a:xfrm>
+          <a:prstGeom prst="rect">
+            <a:avLst/>
+          </a:prstGeom>
+          <a:noFill/>
+        </p:spPr>
+        <p:txBody>
+          <a:bodyPr wrap="none" rtlCol="0">
+            <a:spAutoFit/>
+          </a:bodyPr>
+          <a:lstStyle/>
+          <a:p>
+            <a:r>
+              <a:rPr lang="en-US" dirty="0"/>
+              <a:t>BMW </a:t>
+            </a:r>
+            <a:r>
+              <a:rPr lang="en-US" dirty="0" err="1"/>
+              <a:t>Isetta</a:t>
+            </a:r>
+            <a:endParaRPr lang="en-US" dirty="0"/>
+          </a:p>
+          <a:p>
+            <a:endParaRPr lang="en-US" dirty="0"/>
+          </a:p>
+        </p:txBody>
+      </p:sp>
+    </p:spTree>
+    <p:extLst>
+      <p:ext uri="{BB962C8B-B14F-4D97-AF65-F5344CB8AC3E}">
+        <p14:creationId xmlns:p14="http://schemas.microsoft.com/office/powerpoint/2010/main" val="4080537643"/>
+      </p:ext>
+    </p:extLst>
+  </p:cSld>
+  <p:clrMapOvr>
+    <a:masterClrMapping/>
+  </p:clrMapOvr>
+</p:sld>
+</file>
+
+<file path=ppt/slides/slide21.xml><?xml version="1.0" encoding="utf-8"?>
+<p:sld xmlns:a="http://schemas.openxmlformats.org/drawingml/2006/main" xmlns:r="http://schemas.openxmlformats.org/officeDocument/2006/relationships" xmlns:p="http://schemas.openxmlformats.org/presentationml/2006/main">
+  <p:cSld>
+    <p:spTree>
+      <p:nvGrpSpPr>
+        <p:cNvPr id="1" name=""/>
+        <p:cNvGrpSpPr/>
+        <p:nvPr/>
+      </p:nvGrpSpPr>
+      <p:grpSpPr>
+        <a:xfrm>
+          <a:off x="0" y="0"/>
+          <a:ext cx="0" cy="0"/>
+          <a:chOff x="0" y="0"/>
+          <a:chExt cx="0" cy="0"/>
+        </a:xfrm>
+      </p:grpSpPr>
+      <p:sp>
+        <p:nvSpPr>
+          <p:cNvPr id="2" name="Title 1">
+            <a:extLst>
+              <a:ext uri="{FF2B5EF4-FFF2-40B4-BE49-F238E27FC236}">
+                <a16:creationId xmlns:a16="http://schemas.microsoft.com/office/drawing/2014/main" id="{17ABEAC1-62A9-174E-A494-D309C0055EC8}"/>
+              </a:ext>
+            </a:extLst>
+          </p:cNvPr>
+          <p:cNvSpPr>
+            <a:spLocks noGrp="1"/>
+          </p:cNvSpPr>
+          <p:nvPr>
+            <p:ph type="title"/>
+          </p:nvPr>
+        </p:nvSpPr>
+        <p:spPr/>
+        <p:txBody>
+          <a:bodyPr/>
+          <a:lstStyle/>
+          <a:p>
+            <a:r>
+              <a:rPr lang="en-US" dirty="0"/>
+              <a:t>Further Analysis: Microcars</a:t>
+            </a:r>
+          </a:p>
+        </p:txBody>
+      </p:sp>
+      <p:sp>
+        <p:nvSpPr>
+          <p:cNvPr id="3" name="Content Placeholder 2">
+            <a:extLst>
+              <a:ext uri="{FF2B5EF4-FFF2-40B4-BE49-F238E27FC236}">
+                <a16:creationId xmlns:a16="http://schemas.microsoft.com/office/drawing/2014/main" id="{EBA41325-163E-FA4D-AC58-16EEE137C67D}"/>
+              </a:ext>
+            </a:extLst>
+          </p:cNvPr>
+          <p:cNvSpPr>
+            <a:spLocks noGrp="1"/>
+          </p:cNvSpPr>
+          <p:nvPr>
+            <p:ph idx="1"/>
+          </p:nvPr>
+        </p:nvSpPr>
+        <p:spPr/>
+        <p:txBody>
+          <a:bodyPr/>
+          <a:lstStyle/>
+          <a:p>
+            <a:r>
+              <a:rPr lang="en-US" dirty="0"/>
+              <a:t>“a term often used for the smallest size of cars, with three or four wheels and often an engine smaller than 700 cc.”</a:t>
+            </a:r>
+          </a:p>
+          <a:p>
+            <a:endParaRPr lang="en-US" dirty="0"/>
+          </a:p>
+        </p:txBody>
+      </p:sp>
+      <p:pic>
+        <p:nvPicPr>
+          <p:cNvPr id="4" name="Picture 3" descr="A picture containing transport, concrete mixer, golf cart&#10;&#10;Description automatically generated">
+            <a:extLst>
+              <a:ext uri="{FF2B5EF4-FFF2-40B4-BE49-F238E27FC236}">
+                <a16:creationId xmlns:a16="http://schemas.microsoft.com/office/drawing/2014/main" id="{F01B19BC-7A60-7949-A883-C2CF0201B062}"/>
+              </a:ext>
+            </a:extLst>
+          </p:cNvPr>
+          <p:cNvPicPr>
+            <a:picLocks noChangeAspect="1"/>
+          </p:cNvPicPr>
+          <p:nvPr/>
+        </p:nvPicPr>
+        <p:blipFill>
+          <a:blip r:embed="rId2"/>
+          <a:stretch>
+            <a:fillRect/>
+          </a:stretch>
+        </p:blipFill>
+        <p:spPr>
+          <a:xfrm>
+            <a:off x="601372" y="3114946"/>
+            <a:ext cx="3269435" cy="2483757"/>
+          </a:xfrm>
+          <a:prstGeom prst="rect">
+            <a:avLst/>
+          </a:prstGeom>
+        </p:spPr>
+      </p:pic>
+      <p:sp>
+        <p:nvSpPr>
+          <p:cNvPr id="7" name="TextBox 6">
+            <a:extLst>
+              <a:ext uri="{FF2B5EF4-FFF2-40B4-BE49-F238E27FC236}">
+                <a16:creationId xmlns:a16="http://schemas.microsoft.com/office/drawing/2014/main" id="{21FA7AB3-8217-C040-83C8-10D71BD8A8B4}"/>
+              </a:ext>
+            </a:extLst>
+          </p:cNvPr>
+          <p:cNvSpPr txBox="1"/>
+          <p:nvPr/>
+        </p:nvSpPr>
+        <p:spPr>
+          <a:xfrm>
+            <a:off x="1742107" y="5910288"/>
+            <a:ext cx="987963" cy="369332"/>
+          </a:xfrm>
+          <a:prstGeom prst="rect">
+            <a:avLst/>
+          </a:prstGeom>
+          <a:noFill/>
+        </p:spPr>
+        <p:txBody>
+          <a:bodyPr wrap="none" rtlCol="0">
+            <a:spAutoFit/>
+          </a:bodyPr>
+          <a:lstStyle/>
+          <a:p>
+            <a:r>
+              <a:rPr lang="en-US" dirty="0"/>
+              <a:t>Peel P50</a:t>
+            </a:r>
+          </a:p>
+        </p:txBody>
+      </p:sp>
+      <p:pic>
+        <p:nvPicPr>
+          <p:cNvPr id="6" name="Picture 5" descr="A picture containing grass, car, outdoor, green&#10;&#10;Description automatically generated">
+            <a:extLst>
+              <a:ext uri="{FF2B5EF4-FFF2-40B4-BE49-F238E27FC236}">
+                <a16:creationId xmlns:a16="http://schemas.microsoft.com/office/drawing/2014/main" id="{C92ECCA2-FADF-F642-A1FB-571F30762AD6}"/>
+              </a:ext>
+            </a:extLst>
+          </p:cNvPr>
+          <p:cNvPicPr>
+            <a:picLocks noChangeAspect="1"/>
+          </p:cNvPicPr>
+          <p:nvPr/>
+        </p:nvPicPr>
+        <p:blipFill>
+          <a:blip r:embed="rId3"/>
+          <a:stretch>
+            <a:fillRect/>
+          </a:stretch>
+        </p:blipFill>
+        <p:spPr>
+          <a:xfrm>
+            <a:off x="4613160" y="3128007"/>
+            <a:ext cx="2965680" cy="2483757"/>
+          </a:xfrm>
+          <a:prstGeom prst="rect">
+            <a:avLst/>
+          </a:prstGeom>
+        </p:spPr>
+      </p:pic>
+      <p:pic>
+        <p:nvPicPr>
+          <p:cNvPr id="8" name="Picture 7" descr="A picture containing road, yellow, transport, golf cart&#10;&#10;Description automatically generated">
+            <a:extLst>
+              <a:ext uri="{FF2B5EF4-FFF2-40B4-BE49-F238E27FC236}">
+                <a16:creationId xmlns:a16="http://schemas.microsoft.com/office/drawing/2014/main" id="{B1E31CF5-DC07-B14F-B893-2BC1557D622C}"/>
+              </a:ext>
+            </a:extLst>
+          </p:cNvPr>
+          <p:cNvPicPr>
+            <a:picLocks noChangeAspect="1"/>
+          </p:cNvPicPr>
+          <p:nvPr/>
+        </p:nvPicPr>
+        <p:blipFill>
+          <a:blip r:embed="rId4"/>
+          <a:stretch>
+            <a:fillRect/>
+          </a:stretch>
+        </p:blipFill>
+        <p:spPr>
+          <a:xfrm>
+            <a:off x="8108832" y="3227247"/>
+            <a:ext cx="3559408" cy="2371456"/>
+          </a:xfrm>
+          <a:prstGeom prst="rect">
+            <a:avLst/>
+          </a:prstGeom>
+        </p:spPr>
+      </p:pic>
+      <p:sp>
+        <p:nvSpPr>
+          <p:cNvPr id="5" name="TextBox 4">
+            <a:extLst>
+              <a:ext uri="{FF2B5EF4-FFF2-40B4-BE49-F238E27FC236}">
+                <a16:creationId xmlns:a16="http://schemas.microsoft.com/office/drawing/2014/main" id="{55BD458D-AAC1-A54B-A9C9-AA245A985F81}"/>
+              </a:ext>
+            </a:extLst>
+          </p:cNvPr>
+          <p:cNvSpPr txBox="1"/>
+          <p:nvPr/>
+        </p:nvSpPr>
+        <p:spPr>
+          <a:xfrm>
+            <a:off x="5453484" y="5905126"/>
+            <a:ext cx="1285032" cy="646331"/>
+          </a:xfrm>
+          <a:prstGeom prst="rect">
+            <a:avLst/>
+          </a:prstGeom>
+          <a:noFill/>
+        </p:spPr>
+        <p:txBody>
+          <a:bodyPr wrap="none" rtlCol="0">
+            <a:spAutoFit/>
+          </a:bodyPr>
+          <a:lstStyle/>
+          <a:p>
+            <a:r>
+              <a:rPr lang="en-US" dirty="0"/>
+              <a:t>BMW </a:t>
+            </a:r>
+            <a:r>
+              <a:rPr lang="en-US" dirty="0" err="1"/>
+              <a:t>Isetta</a:t>
+            </a:r>
+            <a:endParaRPr lang="en-US" dirty="0"/>
+          </a:p>
+          <a:p>
+            <a:endParaRPr lang="en-US" dirty="0"/>
+          </a:p>
+        </p:txBody>
+      </p:sp>
+      <p:sp>
+        <p:nvSpPr>
+          <p:cNvPr id="10" name="TextBox 9">
+            <a:extLst>
+              <a:ext uri="{FF2B5EF4-FFF2-40B4-BE49-F238E27FC236}">
+                <a16:creationId xmlns:a16="http://schemas.microsoft.com/office/drawing/2014/main" id="{7477A700-812D-5C4C-9CBC-76942AFBFD0B}"/>
+              </a:ext>
+            </a:extLst>
+          </p:cNvPr>
+          <p:cNvSpPr txBox="1"/>
+          <p:nvPr/>
+        </p:nvSpPr>
+        <p:spPr>
+          <a:xfrm>
+            <a:off x="9107044" y="5910287"/>
+            <a:ext cx="1562983" cy="369332"/>
+          </a:xfrm>
+          <a:prstGeom prst="rect">
+            <a:avLst/>
+          </a:prstGeom>
+          <a:noFill/>
+        </p:spPr>
+        <p:txBody>
+          <a:bodyPr wrap="square">
+            <a:spAutoFit/>
+          </a:bodyPr>
+          <a:lstStyle/>
+          <a:p>
+            <a:r>
+              <a:rPr lang="en-US" dirty="0" err="1"/>
+              <a:t>Ferves</a:t>
+            </a:r>
+            <a:r>
+              <a:rPr lang="en-US" dirty="0"/>
+              <a:t> Ranger</a:t>
+            </a:r>
+          </a:p>
+        </p:txBody>
+      </p:sp>
+    </p:spTree>
+    <p:extLst>
+      <p:ext uri="{BB962C8B-B14F-4D97-AF65-F5344CB8AC3E}">
+        <p14:creationId xmlns:p14="http://schemas.microsoft.com/office/powerpoint/2010/main" val="659696193"/>
+      </p:ext>
+    </p:extLst>
+  </p:cSld>
+  <p:clrMapOvr>
+    <a:masterClrMapping/>
+  </p:clrMapOvr>
+</p:sld>
+</file>
+
+<file path=ppt/slides/slide22.xml><?xml version="1.0" encoding="utf-8"?>
+<p:sld xmlns:a="http://schemas.openxmlformats.org/drawingml/2006/main" xmlns:r="http://schemas.openxmlformats.org/officeDocument/2006/relationships" xmlns:p="http://schemas.openxmlformats.org/presentationml/2006/main">
+  <p:cSld>
+    <p:spTree>
+      <p:nvGrpSpPr>
+        <p:cNvPr id="1" name=""/>
+        <p:cNvGrpSpPr/>
+        <p:nvPr/>
+      </p:nvGrpSpPr>
+      <p:grpSpPr>
+        <a:xfrm>
+          <a:off x="0" y="0"/>
+          <a:ext cx="0" cy="0"/>
+          <a:chOff x="0" y="0"/>
+          <a:chExt cx="0" cy="0"/>
+        </a:xfrm>
+      </p:grpSpPr>
+      <p:pic>
+        <p:nvPicPr>
+          <p:cNvPr id="5" name="Content Placeholder 4" descr="Chart, scatter chart&#10;&#10;Description automatically generated">
+            <a:extLst>
+              <a:ext uri="{FF2B5EF4-FFF2-40B4-BE49-F238E27FC236}">
+                <a16:creationId xmlns:a16="http://schemas.microsoft.com/office/drawing/2014/main" id="{ADAA7B10-C3C7-E441-92E4-5864B73E8C80}"/>
+              </a:ext>
+            </a:extLst>
+          </p:cNvPr>
+          <p:cNvPicPr>
+            <a:picLocks noGrp="1" noChangeAspect="1"/>
+          </p:cNvPicPr>
+          <p:nvPr>
+            <p:ph idx="1"/>
+          </p:nvPr>
+        </p:nvPicPr>
+        <p:blipFill>
+          <a:blip r:embed="rId2"/>
+          <a:stretch>
+            <a:fillRect/>
+          </a:stretch>
+        </p:blipFill>
+        <p:spPr>
+          <a:xfrm>
+            <a:off x="1771256" y="123393"/>
+            <a:ext cx="8979475" cy="6734607"/>
+          </a:xfrm>
+        </p:spPr>
+      </p:pic>
+    </p:spTree>
+    <p:extLst>
+      <p:ext uri="{BB962C8B-B14F-4D97-AF65-F5344CB8AC3E}">
+        <p14:creationId xmlns:p14="http://schemas.microsoft.com/office/powerpoint/2010/main" val="3119603584"/>
+      </p:ext>
+    </p:extLst>
+  </p:cSld>
+  <p:clrMapOvr>
+    <a:masterClrMapping/>
+  </p:clrMapOvr>
+</p:sld>
+</file>
+
+<file path=ppt/slides/slide23.xml><?xml version="1.0" encoding="utf-8"?>
+<p:sld xmlns:a="http://schemas.openxmlformats.org/drawingml/2006/main" xmlns:r="http://schemas.openxmlformats.org/officeDocument/2006/relationships" xmlns:p="http://schemas.openxmlformats.org/presentationml/2006/main">
+  <p:cSld>
+    <p:spTree>
+      <p:nvGrpSpPr>
+        <p:cNvPr id="1" name=""/>
+        <p:cNvGrpSpPr/>
+        <p:nvPr/>
+      </p:nvGrpSpPr>
+      <p:grpSpPr>
+        <a:xfrm>
+          <a:off x="0" y="0"/>
+          <a:ext cx="0" cy="0"/>
+          <a:chOff x="0" y="0"/>
+          <a:chExt cx="0" cy="0"/>
+        </a:xfrm>
+      </p:grpSpPr>
+      <p:pic>
+        <p:nvPicPr>
+          <p:cNvPr id="5" name="Content Placeholder 4" descr="Chart, line chart&#10;&#10;Description automatically generated">
+            <a:extLst>
+              <a:ext uri="{FF2B5EF4-FFF2-40B4-BE49-F238E27FC236}">
+                <a16:creationId xmlns:a16="http://schemas.microsoft.com/office/drawing/2014/main" id="{464EB088-5F5A-2F45-AAC3-77B04477EE5A}"/>
+              </a:ext>
+            </a:extLst>
+          </p:cNvPr>
+          <p:cNvPicPr>
+            <a:picLocks noGrp="1" noChangeAspect="1"/>
+          </p:cNvPicPr>
+          <p:nvPr>
+            <p:ph idx="1"/>
+          </p:nvPr>
+        </p:nvPicPr>
+        <p:blipFill>
+          <a:blip r:embed="rId2"/>
+          <a:stretch>
+            <a:fillRect/>
+          </a:stretch>
+        </p:blipFill>
+        <p:spPr>
+          <a:xfrm>
+            <a:off x="2274116" y="562587"/>
+            <a:ext cx="7643768" cy="5732826"/>
+          </a:xfrm>
+        </p:spPr>
+      </p:pic>
+    </p:spTree>
+    <p:extLst>
+      <p:ext uri="{BB962C8B-B14F-4D97-AF65-F5344CB8AC3E}">
+        <p14:creationId xmlns:p14="http://schemas.microsoft.com/office/powerpoint/2010/main" val="1438445123"/>
+      </p:ext>
+    </p:extLst>
+  </p:cSld>
+  <p:clrMapOvr>
+    <a:masterClrMapping/>
+  </p:clrMapOvr>
+</p:sld>
+</file>
+
+<file path=ppt/slides/slide24.xml><?xml version="1.0" encoding="utf-8"?>
+<p:sld xmlns:a="http://schemas.openxmlformats.org/drawingml/2006/main" xmlns:r="http://schemas.openxmlformats.org/officeDocument/2006/relationships" xmlns:p="http://schemas.openxmlformats.org/presentationml/2006/main">
+  <p:cSld>
+    <p:spTree>
+      <p:nvGrpSpPr>
+        <p:cNvPr id="1" name=""/>
+        <p:cNvGrpSpPr/>
+        <p:nvPr/>
+      </p:nvGrpSpPr>
+      <p:grpSpPr>
+        <a:xfrm>
+          <a:off x="0" y="0"/>
+          <a:ext cx="0" cy="0"/>
+          <a:chOff x="0" y="0"/>
+          <a:chExt cx="0" cy="0"/>
+        </a:xfrm>
+      </p:grpSpPr>
+      <p:pic>
+        <p:nvPicPr>
+          <p:cNvPr id="9" name="Content Placeholder 8" descr="Chart, histogram&#10;&#10;Description automatically generated">
+            <a:extLst>
+              <a:ext uri="{FF2B5EF4-FFF2-40B4-BE49-F238E27FC236}">
+                <a16:creationId xmlns:a16="http://schemas.microsoft.com/office/drawing/2014/main" id="{99E73BB0-A283-2A41-9D27-AA81F67B5E01}"/>
+              </a:ext>
+            </a:extLst>
+          </p:cNvPr>
+          <p:cNvPicPr>
+            <a:picLocks noGrp="1" noChangeAspect="1"/>
+          </p:cNvPicPr>
+          <p:nvPr>
+            <p:ph idx="1"/>
+          </p:nvPr>
+        </p:nvPicPr>
+        <p:blipFill>
+          <a:blip r:embed="rId2"/>
+          <a:stretch>
+            <a:fillRect/>
+          </a:stretch>
+        </p:blipFill>
+        <p:spPr>
+          <a:xfrm>
+            <a:off x="2201932" y="87622"/>
+            <a:ext cx="8019306" cy="6682756"/>
+          </a:xfrm>
+        </p:spPr>
+      </p:pic>
+    </p:spTree>
+    <p:extLst>
+      <p:ext uri="{BB962C8B-B14F-4D97-AF65-F5344CB8AC3E}">
+        <p14:creationId xmlns:p14="http://schemas.microsoft.com/office/powerpoint/2010/main" val="2436635949"/>
+      </p:ext>
+    </p:extLst>
+  </p:cSld>
+  <p:clrMapOvr>
+    <a:masterClrMapping/>
+  </p:clrMapOvr>
+</p:sld>
+</file>
+
+<file path=ppt/slides/slide25.xml><?xml version="1.0" encoding="utf-8"?>
+<p:sld xmlns:a="http://schemas.openxmlformats.org/drawingml/2006/main" xmlns:r="http://schemas.openxmlformats.org/officeDocument/2006/relationships" xmlns:p="http://schemas.openxmlformats.org/presentationml/2006/main">
+  <p:cSld>
+    <p:spTree>
+      <p:nvGrpSpPr>
+        <p:cNvPr id="1" name=""/>
+        <p:cNvGrpSpPr/>
+        <p:nvPr/>
+      </p:nvGrpSpPr>
+      <p:grpSpPr>
+        <a:xfrm>
+          <a:off x="0" y="0"/>
+          <a:ext cx="0" cy="0"/>
+          <a:chOff x="0" y="0"/>
+          <a:chExt cx="0" cy="0"/>
+        </a:xfrm>
+      </p:grpSpPr>
+      <p:sp>
+        <p:nvSpPr>
+          <p:cNvPr id="2" name="Title 1">
+            <a:extLst>
+              <a:ext uri="{FF2B5EF4-FFF2-40B4-BE49-F238E27FC236}">
+                <a16:creationId xmlns:a16="http://schemas.microsoft.com/office/drawing/2014/main" id="{6B4CEA57-D97E-874A-9378-C9B3EDA4F616}"/>
+              </a:ext>
+            </a:extLst>
+          </p:cNvPr>
+          <p:cNvSpPr>
+            <a:spLocks noGrp="1"/>
+          </p:cNvSpPr>
+          <p:nvPr>
+            <p:ph type="title"/>
+          </p:nvPr>
+        </p:nvSpPr>
+        <p:spPr/>
+        <p:txBody>
+          <a:bodyPr/>
+          <a:lstStyle/>
+          <a:p>
+            <a:r>
+              <a:rPr lang="en-US" dirty="0"/>
+              <a:t>Limitations</a:t>
+            </a:r>
+          </a:p>
+        </p:txBody>
+      </p:sp>
+      <p:sp>
+        <p:nvSpPr>
+          <p:cNvPr id="3" name="Content Placeholder 2">
+            <a:extLst>
+              <a:ext uri="{FF2B5EF4-FFF2-40B4-BE49-F238E27FC236}">
+                <a16:creationId xmlns:a16="http://schemas.microsoft.com/office/drawing/2014/main" id="{499AC086-1B11-1249-A2D7-7FBA7F9AF6DF}"/>
+              </a:ext>
+            </a:extLst>
+          </p:cNvPr>
+          <p:cNvSpPr>
+            <a:spLocks noGrp="1"/>
+          </p:cNvSpPr>
+          <p:nvPr>
+            <p:ph idx="1"/>
+          </p:nvPr>
+        </p:nvSpPr>
+        <p:spPr/>
+        <p:txBody>
+          <a:bodyPr>
+            <a:normAutofit/>
+          </a:bodyPr>
+          <a:lstStyle/>
+          <a:p>
+            <a:r>
+              <a:rPr lang="en-US" dirty="0"/>
+              <a:t>The data I collected doesn’t give insight to the condition of the car</a:t>
+            </a:r>
+          </a:p>
+          <a:p>
+            <a:r>
+              <a:rPr lang="en-US" dirty="0"/>
+              <a:t>The value of used cars depends on their condition and its history. Both of these factors aren’t taken into account with the data I scraped</a:t>
+            </a:r>
+          </a:p>
+          <a:p>
+            <a:r>
+              <a:rPr lang="en-US" dirty="0"/>
+              <a:t>Because auctions typically get cars in great condition the prices may not be a good indicator for those in poor shape</a:t>
+            </a:r>
+          </a:p>
+          <a:p>
+            <a:r>
+              <a:rPr lang="en-US" dirty="0"/>
+              <a:t>Another limitation is that many cars are sold as private sales through auction houses, something they do not report</a:t>
+            </a:r>
+          </a:p>
+        </p:txBody>
+      </p:sp>
+    </p:spTree>
+    <p:extLst>
+      <p:ext uri="{BB962C8B-B14F-4D97-AF65-F5344CB8AC3E}">
+        <p14:creationId xmlns:p14="http://schemas.microsoft.com/office/powerpoint/2010/main" val="2358630506"/>
+      </p:ext>
+    </p:extLst>
+  </p:cSld>
+  <p:clrMapOvr>
+    <a:masterClrMapping/>
+  </p:clrMapOvr>
+</p:sld>
+</file>
+
+<file path=ppt/slides/slide26.xml><?xml version="1.0" encoding="utf-8"?>
+<p:sld xmlns:a="http://schemas.openxmlformats.org/drawingml/2006/main" xmlns:r="http://schemas.openxmlformats.org/officeDocument/2006/relationships" xmlns:p="http://schemas.openxmlformats.org/presentationml/2006/main">
+  <p:cSld>
+    <p:spTree>
+      <p:nvGrpSpPr>
+        <p:cNvPr id="1" name=""/>
+        <p:cNvGrpSpPr/>
+        <p:nvPr/>
+      </p:nvGrpSpPr>
+      <p:grpSpPr>
+        <a:xfrm>
+          <a:off x="0" y="0"/>
+          <a:ext cx="0" cy="0"/>
+          <a:chOff x="0" y="0"/>
+          <a:chExt cx="0" cy="0"/>
+        </a:xfrm>
+      </p:grpSpPr>
+      <p:sp>
+        <p:nvSpPr>
+          <p:cNvPr id="2" name="Title 1">
+            <a:extLst>
+              <a:ext uri="{FF2B5EF4-FFF2-40B4-BE49-F238E27FC236}">
+                <a16:creationId xmlns:a16="http://schemas.microsoft.com/office/drawing/2014/main" id="{6B4CEA57-D97E-874A-9378-C9B3EDA4F616}"/>
+              </a:ext>
+            </a:extLst>
+          </p:cNvPr>
+          <p:cNvSpPr>
+            <a:spLocks noGrp="1"/>
+          </p:cNvSpPr>
+          <p:nvPr>
+            <p:ph type="title"/>
+          </p:nvPr>
+        </p:nvSpPr>
+        <p:spPr/>
+        <p:txBody>
+          <a:bodyPr/>
+          <a:lstStyle/>
+          <a:p>
+            <a:r>
+              <a:rPr lang="en-US" dirty="0"/>
+              <a:t>Going forward</a:t>
+            </a:r>
+          </a:p>
+        </p:txBody>
+      </p:sp>
+      <p:sp>
+        <p:nvSpPr>
+          <p:cNvPr id="3" name="Content Placeholder 2">
+            <a:extLst>
+              <a:ext uri="{FF2B5EF4-FFF2-40B4-BE49-F238E27FC236}">
+                <a16:creationId xmlns:a16="http://schemas.microsoft.com/office/drawing/2014/main" id="{499AC086-1B11-1249-A2D7-7FBA7F9AF6DF}"/>
+              </a:ext>
+            </a:extLst>
+          </p:cNvPr>
+          <p:cNvSpPr>
+            <a:spLocks noGrp="1"/>
+          </p:cNvSpPr>
+          <p:nvPr>
+            <p:ph idx="1"/>
+          </p:nvPr>
+        </p:nvSpPr>
+        <p:spPr>
+          <a:xfrm>
+            <a:off x="838200" y="1814513"/>
+            <a:ext cx="5257800" cy="4362450"/>
+          </a:xfrm>
+        </p:spPr>
+        <p:txBody>
+          <a:bodyPr>
+            <a:normAutofit lnSpcReduction="10000"/>
+          </a:bodyPr>
+          <a:lstStyle/>
+          <a:p>
+            <a:r>
+              <a:rPr lang="en-US" sz="2500" dirty="0"/>
+              <a:t>While I </a:t>
+            </a:r>
+            <a:r>
+              <a:rPr lang="en-US" sz="2500" dirty="0" err="1"/>
+              <a:t>webscraped</a:t>
+            </a:r>
+            <a:r>
+              <a:rPr lang="en-US" sz="2500" dirty="0"/>
+              <a:t> the largest car auction company there are two others that have a big volume of sales as well</a:t>
+            </a:r>
+          </a:p>
+          <a:p>
+            <a:endParaRPr lang="en-US" sz="2500" dirty="0"/>
+          </a:p>
+          <a:p>
+            <a:r>
+              <a:rPr lang="en-US" sz="2500" dirty="0"/>
+              <a:t>With the restriction of time I wasn’t able to get this data but hope to in the future</a:t>
+            </a:r>
+          </a:p>
+          <a:p>
+            <a:pPr marL="0" indent="0">
+              <a:buNone/>
+            </a:pPr>
+            <a:endParaRPr lang="en-US" sz="2500" dirty="0"/>
+          </a:p>
+          <a:p>
+            <a:r>
+              <a:rPr lang="en-US" sz="2500" dirty="0"/>
+              <a:t>I would also like to obtain  unique identifier for each car so I could track its individual value over the years</a:t>
+            </a:r>
+          </a:p>
+          <a:p>
+            <a:endParaRPr lang="en-US" dirty="0"/>
+          </a:p>
+        </p:txBody>
+      </p:sp>
+      <p:pic>
+        <p:nvPicPr>
+          <p:cNvPr id="4" name="Picture 3" descr="A black and white logo&#10;&#10;Description automatically generated with medium confidence">
+            <a:extLst>
+              <a:ext uri="{FF2B5EF4-FFF2-40B4-BE49-F238E27FC236}">
+                <a16:creationId xmlns:a16="http://schemas.microsoft.com/office/drawing/2014/main" id="{68179691-519D-F948-9785-32A65C813CC4}"/>
+              </a:ext>
+            </a:extLst>
+          </p:cNvPr>
+          <p:cNvPicPr>
+            <a:picLocks noChangeAspect="1"/>
+          </p:cNvPicPr>
+          <p:nvPr/>
+        </p:nvPicPr>
+        <p:blipFill>
+          <a:blip r:embed="rId2"/>
+          <a:stretch>
+            <a:fillRect/>
+          </a:stretch>
+        </p:blipFill>
+        <p:spPr>
+          <a:xfrm>
+            <a:off x="6712782" y="1814513"/>
+            <a:ext cx="4031419" cy="780789"/>
+          </a:xfrm>
+          <a:prstGeom prst="rect">
+            <a:avLst/>
+          </a:prstGeom>
+        </p:spPr>
+      </p:pic>
+      <p:pic>
+        <p:nvPicPr>
+          <p:cNvPr id="5" name="Picture 4" descr="A picture containing text, clipart&#10;&#10;Description automatically generated">
+            <a:extLst>
+              <a:ext uri="{FF2B5EF4-FFF2-40B4-BE49-F238E27FC236}">
+                <a16:creationId xmlns:a16="http://schemas.microsoft.com/office/drawing/2014/main" id="{DC33C02A-0E3D-024E-BF9D-5932EE9DB0C0}"/>
+              </a:ext>
+            </a:extLst>
+          </p:cNvPr>
+          <p:cNvPicPr>
+            <a:picLocks noChangeAspect="1"/>
+          </p:cNvPicPr>
+          <p:nvPr/>
+        </p:nvPicPr>
+        <p:blipFill>
+          <a:blip r:embed="rId3">
+            <a:alphaModFix amt="17000"/>
+          </a:blip>
+          <a:stretch>
+            <a:fillRect/>
+          </a:stretch>
+        </p:blipFill>
+        <p:spPr>
+          <a:xfrm>
+            <a:off x="6935381" y="3225145"/>
+            <a:ext cx="3586220" cy="770593"/>
+          </a:xfrm>
+          <a:prstGeom prst="rect">
+            <a:avLst/>
+          </a:prstGeom>
+        </p:spPr>
+      </p:pic>
+      <p:pic>
+        <p:nvPicPr>
+          <p:cNvPr id="6" name="Picture 5" descr="Graphical user interface, text&#10;&#10;Description automatically generated with medium confidence">
+            <a:extLst>
+              <a:ext uri="{FF2B5EF4-FFF2-40B4-BE49-F238E27FC236}">
+                <a16:creationId xmlns:a16="http://schemas.microsoft.com/office/drawing/2014/main" id="{454F8880-D288-164C-B89B-CC1089C2A720}"/>
+              </a:ext>
+            </a:extLst>
+          </p:cNvPr>
+          <p:cNvPicPr>
+            <a:picLocks noChangeAspect="1"/>
+          </p:cNvPicPr>
+          <p:nvPr/>
+        </p:nvPicPr>
+        <p:blipFill>
+          <a:blip r:embed="rId4">
+            <a:alphaModFix amt="18000"/>
+          </a:blip>
+          <a:stretch>
+            <a:fillRect/>
+          </a:stretch>
+        </p:blipFill>
+        <p:spPr>
+          <a:xfrm>
+            <a:off x="7261612" y="4553617"/>
+            <a:ext cx="2933758" cy="1623346"/>
+          </a:xfrm>
+          <a:prstGeom prst="rect">
+            <a:avLst/>
+          </a:prstGeom>
+        </p:spPr>
+      </p:pic>
+    </p:spTree>
+    <p:extLst>
+      <p:ext uri="{BB962C8B-B14F-4D97-AF65-F5344CB8AC3E}">
+        <p14:creationId xmlns:p14="http://schemas.microsoft.com/office/powerpoint/2010/main" val="3817770379"/>
+      </p:ext>
+    </p:extLst>
+  </p:cSld>
+  <p:clrMapOvr>
+    <a:masterClrMapping/>
+  </p:clrMapOvr>
+</p:sld>
+</file>
+
+<file path=ppt/slides/slide27.xml><?xml version="1.0" encoding="utf-8"?>
+<p:sld xmlns:a="http://schemas.openxmlformats.org/drawingml/2006/main" xmlns:r="http://schemas.openxmlformats.org/officeDocument/2006/relationships" xmlns:p="http://schemas.openxmlformats.org/presentationml/2006/main">
+  <p:cSld>
+    <p:spTree>
+      <p:nvGrpSpPr>
+        <p:cNvPr id="1" name=""/>
+        <p:cNvGrpSpPr/>
+        <p:nvPr/>
+      </p:nvGrpSpPr>
+      <p:grpSpPr>
+        <a:xfrm>
+          <a:off x="0" y="0"/>
+          <a:ext cx="0" cy="0"/>
+          <a:chOff x="0" y="0"/>
+          <a:chExt cx="0" cy="0"/>
+        </a:xfrm>
+      </p:grpSpPr>
+      <p:sp>
+        <p:nvSpPr>
+          <p:cNvPr id="2" name="Title 1">
+            <a:extLst>
+              <a:ext uri="{FF2B5EF4-FFF2-40B4-BE49-F238E27FC236}">
+                <a16:creationId xmlns:a16="http://schemas.microsoft.com/office/drawing/2014/main" id="{758633D0-E942-0D43-AF2B-35D93DCA590B}"/>
+              </a:ext>
+            </a:extLst>
+          </p:cNvPr>
+          <p:cNvSpPr>
+            <a:spLocks noGrp="1"/>
+          </p:cNvSpPr>
+          <p:nvPr>
+            <p:ph type="title"/>
+          </p:nvPr>
+        </p:nvSpPr>
+        <p:spPr/>
+        <p:txBody>
+          <a:bodyPr/>
+          <a:lstStyle/>
+          <a:p>
+            <a:r>
+              <a:rPr lang="en-US" dirty="0"/>
+              <a:t>Questions?</a:t>
+            </a:r>
+          </a:p>
+        </p:txBody>
+      </p:sp>
+    </p:spTree>
+    <p:extLst>
+      <p:ext uri="{BB962C8B-B14F-4D97-AF65-F5344CB8AC3E}">
+        <p14:creationId xmlns:p14="http://schemas.microsoft.com/office/powerpoint/2010/main" val="35323392"/>
       </p:ext>
     </p:extLst>
   </p:cSld>
@@ -5001,7 +6853,7 @@
           <a:lstStyle/>
           <a:p>
             <a:br>
-              <a:rPr lang="en-US" dirty="0"/>
+              <a:rPr lang="en-US"/>
             </a:br>
             <a:endParaRPr lang="en-US" dirty="0"/>
           </a:p>
@@ -5031,22 +6883,14 @@
           <a:lstStyle/>
           <a:p>
             <a:r>
-              <a:rPr lang="en-US" dirty="0"/>
+              <a:rPr lang="en-US"/>
               <a:t>Identifying this gap in the car valuation market, I searched for data that would provide values for all recently sold classic cars </a:t>
             </a:r>
           </a:p>
           <a:p>
             <a:r>
-              <a:rPr lang="en-US" dirty="0"/>
-              <a:t>To get this data I </a:t>
-            </a:r>
-            <a:r>
-              <a:rPr lang="en-US" dirty="0" err="1"/>
-              <a:t>webscraped</a:t>
-            </a:r>
-            <a:r>
-              <a:rPr lang="en-US" dirty="0"/>
-              <a:t> the worlds largest car auctioneer, RM Sotheby’s </a:t>
+              <a:rPr lang="en-US"/>
+              <a:t>To get this data I webscraped the worlds largest car auctioneer, RM Sotheby’s </a:t>
             </a:r>
           </a:p>
           <a:p>
@@ -5157,8 +7001,8 @@
         </p:nvSpPr>
         <p:spPr>
           <a:xfrm>
-            <a:off x="739346" y="1621492"/>
-            <a:ext cx="10542374" cy="4247317"/>
+            <a:off x="824813" y="1884538"/>
+            <a:ext cx="10542374" cy="3816429"/>
           </a:xfrm>
           <a:prstGeom prst="rect">
             <a:avLst/>
@@ -5177,7 +7021,7 @@
             </a:pPr>
             <a:r>
               <a:rPr lang="en-US" sz="2800" dirty="0"/>
-              <a:t>In 2015, </a:t>
+              <a:t>The company is a partnership between, </a:t>
             </a:r>
             <a:r>
               <a:rPr lang="en-US" sz="2800" b="1" dirty="0"/>
@@ -5185,7 +7029,7 @@
             </a:r>
             <a:r>
               <a:rPr lang="en-US" sz="2800" dirty="0"/>
-              <a:t>a fine art and collectibles auction house partnered with </a:t>
+              <a:t>a fine art and collectibles auction house, and </a:t>
             </a:r>
             <a:r>
               <a:rPr lang="en-US" sz="2800" b="1" dirty="0"/>
@@ -5210,7 +7054,7 @@
             </a:pPr>
             <a:r>
               <a:rPr lang="en-US" sz="2800" dirty="0"/>
-              <a:t>Together they auction collector cars and hold the record for most expensive car sold at auction, a 1962 Ferrari GTO, sold for $48.4 million dollars, originally sold for $18,000</a:t>
+              <a:t>Sold a 1962 Ferrari GTO, sold for $48.4 million dollars in 2018</a:t>
             </a:r>
           </a:p>
           <a:p>
@@ -5277,76 +7121,12 @@
           <a:chExt cx="0" cy="0"/>
         </a:xfrm>
       </p:grpSpPr>
-      <p:sp>
-        <p:nvSpPr>
-          <p:cNvPr id="2" name="Title 1">
-            <a:extLst>
-              <a:ext uri="{FF2B5EF4-FFF2-40B4-BE49-F238E27FC236}">
-                <a16:creationId xmlns:a16="http://schemas.microsoft.com/office/drawing/2014/main" id="{D17BC9E0-F033-5B4C-BFCE-9BEB2033047E}"/>
-              </a:ext>
-            </a:extLst>
-          </p:cNvPr>
-          <p:cNvSpPr>
-            <a:spLocks noGrp="1"/>
-          </p:cNvSpPr>
-          <p:nvPr>
-            <p:ph type="title"/>
-          </p:nvPr>
-        </p:nvSpPr>
-        <p:spPr>
-          <a:xfrm>
-            <a:off x="1059916" y="394655"/>
-            <a:ext cx="10948988" cy="1325563"/>
-          </a:xfrm>
-        </p:spPr>
-        <p:txBody>
-          <a:bodyPr/>
-          <a:lstStyle/>
-          <a:p>
-            <a:r>
-              <a:rPr lang="en-US" dirty="0"/>
-              <a:t>How much should I pay for a Porsche 911?</a:t>
-            </a:r>
-          </a:p>
-        </p:txBody>
-      </p:sp>
-      <p:sp>
-        <p:nvSpPr>
-          <p:cNvPr id="11" name="Content Placeholder 10">
-            <a:extLst>
-              <a:ext uri="{FF2B5EF4-FFF2-40B4-BE49-F238E27FC236}">
-                <a16:creationId xmlns:a16="http://schemas.microsoft.com/office/drawing/2014/main" id="{4BD0CEA8-059C-4E4B-98C7-1153ADAC6400}"/>
-              </a:ext>
-            </a:extLst>
-          </p:cNvPr>
-          <p:cNvSpPr>
-            <a:spLocks noGrp="1"/>
-          </p:cNvSpPr>
-          <p:nvPr>
-            <p:ph idx="1"/>
-          </p:nvPr>
-        </p:nvSpPr>
-        <p:spPr/>
-        <p:txBody>
-          <a:bodyPr/>
-          <a:lstStyle/>
-          <a:p>
-            <a:r>
-              <a:rPr lang="en-US" dirty="0"/>
-              <a:t>I chose this particular car to analyze because it was sold many times at every auction and has been produced every year since 1964</a:t>
-            </a:r>
-          </a:p>
-          <a:p>
-            <a:endParaRPr lang="en-US" dirty="0"/>
-          </a:p>
-        </p:txBody>
-      </p:sp>
       <p:pic>
         <p:nvPicPr>
-          <p:cNvPr id="17" name="Picture 16" descr="Two cars parked on a road&#10;&#10;Description automatically generated with low confidence">
-            <a:extLst>
-              <a:ext uri="{FF2B5EF4-FFF2-40B4-BE49-F238E27FC236}">
-                <a16:creationId xmlns:a16="http://schemas.microsoft.com/office/drawing/2014/main" id="{C352F85A-CF35-154F-8A90-27A7B63C4B2E}"/>
+          <p:cNvPr id="5" name="Picture 4" descr="Chart&#10;&#10;Description automatically generated">
+            <a:extLst>
+              <a:ext uri="{FF2B5EF4-FFF2-40B4-BE49-F238E27FC236}">
+                <a16:creationId xmlns:a16="http://schemas.microsoft.com/office/drawing/2014/main" id="{B804E958-64FC-AB44-B7AE-B53985689524}"/>
               </a:ext>
             </a:extLst>
           </p:cNvPr>
@@ -5363,18 +7143,129 @@
         </p:blipFill>
         <p:spPr>
           <a:xfrm>
-            <a:off x="3482758" y="2964037"/>
-            <a:ext cx="4819389" cy="3212926"/>
+            <a:off x="1077684" y="1168052"/>
+            <a:ext cx="10036629" cy="4521895"/>
           </a:xfrm>
           <a:prstGeom prst="rect">
             <a:avLst/>
           </a:prstGeom>
         </p:spPr>
       </p:pic>
+      <p:sp>
+        <p:nvSpPr>
+          <p:cNvPr id="6" name="TextBox 5">
+            <a:extLst>
+              <a:ext uri="{FF2B5EF4-FFF2-40B4-BE49-F238E27FC236}">
+                <a16:creationId xmlns:a16="http://schemas.microsoft.com/office/drawing/2014/main" id="{DAE02441-A122-DC43-90C7-DB6599ADDEAE}"/>
+              </a:ext>
+            </a:extLst>
+          </p:cNvPr>
+          <p:cNvSpPr txBox="1"/>
+          <p:nvPr/>
+        </p:nvSpPr>
+        <p:spPr>
+          <a:xfrm>
+            <a:off x="10236776" y="4709069"/>
+            <a:ext cx="2085853" cy="584775"/>
+          </a:xfrm>
+          <a:prstGeom prst="rect">
+            <a:avLst/>
+          </a:prstGeom>
+          <a:noFill/>
+        </p:spPr>
+        <p:txBody>
+          <a:bodyPr wrap="square" rtlCol="0">
+            <a:spAutoFit/>
+          </a:bodyPr>
+          <a:lstStyle/>
+          <a:p>
+            <a:r>
+              <a:rPr lang="en-US" sz="1600" dirty="0"/>
+              <a:t>Total cars: 12,800</a:t>
+            </a:r>
+          </a:p>
+          <a:p>
+            <a:r>
+              <a:rPr lang="en-US" sz="1600" dirty="0"/>
+              <a:t>Total car makes: 256</a:t>
+            </a:r>
+          </a:p>
+        </p:txBody>
+      </p:sp>
+      <p:sp>
+        <p:nvSpPr>
+          <p:cNvPr id="2" name="TextBox 1">
+            <a:extLst>
+              <a:ext uri="{FF2B5EF4-FFF2-40B4-BE49-F238E27FC236}">
+                <a16:creationId xmlns:a16="http://schemas.microsoft.com/office/drawing/2014/main" id="{9DDCB20F-AD4D-A14B-B8CB-8627091741AE}"/>
+              </a:ext>
+            </a:extLst>
+          </p:cNvPr>
+          <p:cNvSpPr txBox="1"/>
+          <p:nvPr/>
+        </p:nvSpPr>
+        <p:spPr>
+          <a:xfrm>
+            <a:off x="4887784" y="534868"/>
+            <a:ext cx="2416431" cy="646331"/>
+          </a:xfrm>
+          <a:prstGeom prst="rect">
+            <a:avLst/>
+          </a:prstGeom>
+          <a:noFill/>
+        </p:spPr>
+        <p:txBody>
+          <a:bodyPr wrap="none" rtlCol="0">
+            <a:spAutoFit/>
+          </a:bodyPr>
+          <a:lstStyle/>
+          <a:p>
+            <a:r>
+              <a:rPr lang="en-US" sz="3600" dirty="0"/>
+              <a:t>The Dataset</a:t>
+            </a:r>
+          </a:p>
+        </p:txBody>
+      </p:sp>
+      <p:sp>
+        <p:nvSpPr>
+          <p:cNvPr id="3" name="TextBox 2">
+            <a:extLst>
+              <a:ext uri="{FF2B5EF4-FFF2-40B4-BE49-F238E27FC236}">
+                <a16:creationId xmlns:a16="http://schemas.microsoft.com/office/drawing/2014/main" id="{6765686C-006E-3E4B-B7D2-45B5FEED0A2C}"/>
+              </a:ext>
+            </a:extLst>
+          </p:cNvPr>
+          <p:cNvSpPr txBox="1"/>
+          <p:nvPr/>
+        </p:nvSpPr>
+        <p:spPr>
+          <a:xfrm>
+            <a:off x="2224713" y="5953799"/>
+            <a:ext cx="7742569" cy="369332"/>
+          </a:xfrm>
+          <a:prstGeom prst="rect">
+            <a:avLst/>
+          </a:prstGeom>
+          <a:noFill/>
+        </p:spPr>
+        <p:txBody>
+          <a:bodyPr wrap="none" rtlCol="0">
+            <a:spAutoFit/>
+          </a:bodyPr>
+          <a:lstStyle/>
+          <a:p>
+            <a:r>
+              <a:rPr lang="en-US" i="1" dirty="0"/>
+              <a:t>Parameters included: Year, Make, Model, Origin Country, Sale Date, Sale Location</a:t>
+            </a:r>
+          </a:p>
+        </p:txBody>
+      </p:sp>
     </p:spTree>
     <p:extLst>
       <p:ext uri="{BB962C8B-B14F-4D97-AF65-F5344CB8AC3E}">
-        <p14:creationId xmlns:p14="http://schemas.microsoft.com/office/powerpoint/2010/main" val="2225533236"/>
+        <p14:creationId xmlns:p14="http://schemas.microsoft.com/office/powerpoint/2010/main" val="3761922811"/>
       </p:ext>
     </p:extLst>
   </p:cSld>
@@ -5403,10 +7294,43 @@
       </p:grpSpPr>
       <p:sp>
         <p:nvSpPr>
-          <p:cNvPr id="3" name="Content Placeholder 2">
-            <a:extLst>
-              <a:ext uri="{FF2B5EF4-FFF2-40B4-BE49-F238E27FC236}">
-                <a16:creationId xmlns:a16="http://schemas.microsoft.com/office/drawing/2014/main" id="{75CACA1A-1575-FE4B-BC23-A288084E5443}"/>
+          <p:cNvPr id="2" name="Title 1">
+            <a:extLst>
+              <a:ext uri="{FF2B5EF4-FFF2-40B4-BE49-F238E27FC236}">
+                <a16:creationId xmlns:a16="http://schemas.microsoft.com/office/drawing/2014/main" id="{D17BC9E0-F033-5B4C-BFCE-9BEB2033047E}"/>
+              </a:ext>
+            </a:extLst>
+          </p:cNvPr>
+          <p:cNvSpPr>
+            <a:spLocks noGrp="1"/>
+          </p:cNvSpPr>
+          <p:nvPr>
+            <p:ph type="title"/>
+          </p:nvPr>
+        </p:nvSpPr>
+        <p:spPr>
+          <a:xfrm>
+            <a:off x="1059916" y="394655"/>
+            <a:ext cx="10948988" cy="1325563"/>
+          </a:xfrm>
+        </p:spPr>
+        <p:txBody>
+          <a:bodyPr/>
+          <a:lstStyle/>
+          <a:p>
+            <a:r>
+              <a:rPr lang="en-US" dirty="0"/>
+              <a:t>How much should I pay for a Porsche 911?</a:t>
+            </a:r>
+          </a:p>
+        </p:txBody>
+      </p:sp>
+      <p:sp>
+        <p:nvSpPr>
+          <p:cNvPr id="11" name="Content Placeholder 10">
+            <a:extLst>
+              <a:ext uri="{FF2B5EF4-FFF2-40B4-BE49-F238E27FC236}">
+                <a16:creationId xmlns:a16="http://schemas.microsoft.com/office/drawing/2014/main" id="{4BD0CEA8-059C-4E4B-98C7-1153ADAC6400}"/>
               </a:ext>
             </a:extLst>
           </p:cNvPr>
@@ -5417,55 +7341,15 @@
             <p:ph idx="1"/>
           </p:nvPr>
         </p:nvSpPr>
-        <p:spPr>
-          <a:xfrm>
-            <a:off x="598466" y="1448266"/>
-            <a:ext cx="5253244" cy="5813708"/>
-          </a:xfrm>
-        </p:spPr>
-        <p:txBody>
-          <a:bodyPr>
-            <a:normAutofit/>
-          </a:bodyPr>
-          <a:lstStyle/>
-          <a:p>
-            <a:r>
-              <a:rPr lang="en-US" sz="2300" dirty="0"/>
-              <a:t>As you can see the variation is very high</a:t>
-            </a:r>
-          </a:p>
-          <a:p>
-            <a:endParaRPr lang="en-US" sz="2300" dirty="0"/>
-          </a:p>
-          <a:p>
-            <a:r>
-              <a:rPr lang="en-US" sz="2300" dirty="0"/>
-              <a:t>The average selling price was $263,000</a:t>
-            </a:r>
-          </a:p>
-          <a:p>
-            <a:endParaRPr lang="en-US" sz="2300" dirty="0"/>
-          </a:p>
-          <a:p>
-            <a:r>
-              <a:rPr lang="en-US" sz="2300" dirty="0"/>
-              <a:t>The median was $156,800 with a standard deviation of $381,339</a:t>
-            </a:r>
-          </a:p>
-          <a:p>
-            <a:endParaRPr lang="en-US" sz="2300" dirty="0"/>
-          </a:p>
-          <a:p>
-            <a:r>
-              <a:rPr lang="en-US" sz="2300" dirty="0"/>
-              <a:t>The box plot shows ~75% of all 911s were between $20,000 - $285,000</a:t>
-            </a:r>
-          </a:p>
-          <a:p>
-            <a:endParaRPr lang="en-US" sz="2300" dirty="0"/>
-          </a:p>
-          <a:p>
-            <a:endParaRPr lang="en-US" sz="2300" dirty="0"/>
+        <p:spPr/>
+        <p:txBody>
+          <a:bodyPr/>
+          <a:lstStyle/>
+          <a:p>
+            <a:r>
+              <a:rPr lang="en-US" sz="2600" dirty="0"/>
+              <a:t>I chose this particular car to analyze because it was sold many times at every auction and has been produced every year since 1964</a:t>
+            </a:r>
           </a:p>
           <a:p>
             <a:endParaRPr lang="en-US" dirty="0"/>
@@ -5474,10 +7358,10 @@
       </p:sp>
       <p:pic>
         <p:nvPicPr>
-          <p:cNvPr id="10" name="Picture 9" descr="Chart, box and whisker chart&#10;&#10;Description automatically generated">
-            <a:extLst>
-              <a:ext uri="{FF2B5EF4-FFF2-40B4-BE49-F238E27FC236}">
-                <a16:creationId xmlns:a16="http://schemas.microsoft.com/office/drawing/2014/main" id="{0160ED2C-FD1E-4E48-8EAB-3B15CDEF9891}"/>
+          <p:cNvPr id="17" name="Picture 16" descr="Two cars parked on a road&#10;&#10;Description automatically generated with low confidence">
+            <a:extLst>
+              <a:ext uri="{FF2B5EF4-FFF2-40B4-BE49-F238E27FC236}">
+                <a16:creationId xmlns:a16="http://schemas.microsoft.com/office/drawing/2014/main" id="{C352F85A-CF35-154F-8A90-27A7B63C4B2E}"/>
               </a:ext>
             </a:extLst>
           </p:cNvPr>
@@ -5494,8 +7378,8 @@
         </p:blipFill>
         <p:spPr>
           <a:xfrm>
-            <a:off x="5851710" y="906547"/>
-            <a:ext cx="6340290" cy="4755217"/>
+            <a:off x="3482758" y="2964037"/>
+            <a:ext cx="4819389" cy="3212926"/>
           </a:xfrm>
           <a:prstGeom prst="rect">
             <a:avLst/>
@@ -5505,7 +7389,7 @@
     </p:spTree>
     <p:extLst>
       <p:ext uri="{BB962C8B-B14F-4D97-AF65-F5344CB8AC3E}">
-        <p14:creationId xmlns:p14="http://schemas.microsoft.com/office/powerpoint/2010/main" val="146425548"/>
+        <p14:creationId xmlns:p14="http://schemas.microsoft.com/office/powerpoint/2010/main" val="2225533236"/>
       </p:ext>
     </p:extLst>
   </p:cSld>
@@ -5534,10 +7418,10 @@
       </p:grpSpPr>
       <p:pic>
         <p:nvPicPr>
-          <p:cNvPr id="5" name="Content Placeholder 4" descr="Chart, box and whisker chart&#10;&#10;Description automatically generated">
-            <a:extLst>
-              <a:ext uri="{FF2B5EF4-FFF2-40B4-BE49-F238E27FC236}">
-                <a16:creationId xmlns:a16="http://schemas.microsoft.com/office/drawing/2014/main" id="{B05D4EDC-B9BD-F44E-AF91-D58FA61002A0}"/>
+          <p:cNvPr id="9" name="Content Placeholder 8" descr="Chart, scatter chart&#10;&#10;Description automatically generated">
+            <a:extLst>
+              <a:ext uri="{FF2B5EF4-FFF2-40B4-BE49-F238E27FC236}">
+                <a16:creationId xmlns:a16="http://schemas.microsoft.com/office/drawing/2014/main" id="{16D1085A-1B2F-A443-9A1D-E922A88C0F6C}"/>
               </a:ext>
             </a:extLst>
           </p:cNvPr>
@@ -5556,84 +7440,15 @@
         </p:blipFill>
         <p:spPr>
           <a:xfrm>
-            <a:off x="4597594" y="611903"/>
-            <a:ext cx="7594406" cy="5634193"/>
-          </a:xfrm>
-        </p:spPr>
-      </p:pic>
-      <p:sp>
-        <p:nvSpPr>
-          <p:cNvPr id="7" name="TextBox 6">
-            <a:extLst>
-              <a:ext uri="{FF2B5EF4-FFF2-40B4-BE49-F238E27FC236}">
-                <a16:creationId xmlns:a16="http://schemas.microsoft.com/office/drawing/2014/main" id="{C2D43051-E8AE-F543-A6EA-6D1B5253A355}"/>
-              </a:ext>
-            </a:extLst>
-          </p:cNvPr>
-          <p:cNvSpPr txBox="1"/>
-          <p:nvPr/>
-        </p:nvSpPr>
-        <p:spPr>
-          <a:xfrm>
-            <a:off x="1039660" y="1352811"/>
-            <a:ext cx="3331924" cy="923330"/>
-          </a:xfrm>
-          <a:prstGeom prst="rect">
-            <a:avLst/>
-          </a:prstGeom>
-          <a:noFill/>
-        </p:spPr>
-        <p:txBody>
-          <a:bodyPr wrap="square" rtlCol="0">
-            <a:spAutoFit/>
-          </a:bodyPr>
-          <a:lstStyle/>
-          <a:p>
-            <a:pPr marL="285750" indent="-285750">
-              <a:buFont typeface="Arial" panose="020B0604020202020204" pitchFamily="34" charset="0"/>
-              <a:buChar char="•"/>
-            </a:pPr>
-            <a:r>
-              <a:rPr lang="en-US" dirty="0"/>
-              <a:t>As a reference, here are Mini Cooper sales, which had much less variation</a:t>
-            </a:r>
-          </a:p>
-        </p:txBody>
-      </p:sp>
-      <p:pic>
-        <p:nvPicPr>
-          <p:cNvPr id="9" name="Picture 8" descr="A car parked on a beach&#10;&#10;Description automatically generated with medium confidence">
-            <a:extLst>
-              <a:ext uri="{FF2B5EF4-FFF2-40B4-BE49-F238E27FC236}">
-                <a16:creationId xmlns:a16="http://schemas.microsoft.com/office/drawing/2014/main" id="{F45E47E4-77D6-8F47-B95F-969D9E87DC7A}"/>
-              </a:ext>
-            </a:extLst>
-          </p:cNvPr>
-          <p:cNvPicPr>
-            <a:picLocks noChangeAspect="1"/>
-          </p:cNvPicPr>
-          <p:nvPr/>
-        </p:nvPicPr>
-        <p:blipFill>
-          <a:blip r:embed="rId3"/>
-          <a:stretch>
-            <a:fillRect/>
-          </a:stretch>
-        </p:blipFill>
-        <p:spPr>
-          <a:xfrm>
-            <a:off x="850852" y="3547214"/>
-            <a:ext cx="3746742" cy="1957975"/>
-          </a:xfrm>
-          <a:prstGeom prst="rect">
-            <a:avLst/>
-          </a:prstGeom>
+            <a:off x="1812584" y="216438"/>
+            <a:ext cx="8566832" cy="6425124"/>
+          </a:xfrm>
         </p:spPr>
       </p:pic>
     </p:spTree>
     <p:extLst>
       <p:ext uri="{BB962C8B-B14F-4D97-AF65-F5344CB8AC3E}">
-        <p14:creationId xmlns:p14="http://schemas.microsoft.com/office/powerpoint/2010/main" val="1450740244"/>
+        <p14:creationId xmlns:p14="http://schemas.microsoft.com/office/powerpoint/2010/main" val="3908875140"/>
       </p:ext>
     </p:extLst>
   </p:cSld>
@@ -5646,6 +7461,14 @@
 <file path=ppt/slides/slide9.xml><?xml version="1.0" encoding="utf-8"?>
 <p:sld xmlns:a="http://schemas.openxmlformats.org/drawingml/2006/main" xmlns:r="http://schemas.openxmlformats.org/officeDocument/2006/relationships" xmlns:p="http://schemas.openxmlformats.org/presentationml/2006/main">
   <p:cSld>
+    <p:bg>
+      <p:bgPr>
+        <a:solidFill>
+          <a:schemeClr val="bg1"/>
+        </a:solidFill>
+        <a:effectLst/>
+      </p:bgPr>
+    </p:bg>
     <p:spTree>
       <p:nvGrpSpPr>
         <p:cNvPr id="1" name=""/>
@@ -5662,10 +7485,10 @@
       </p:grpSpPr>
       <p:sp>
         <p:nvSpPr>
-          <p:cNvPr id="7" name="TextBox 6">
-            <a:extLst>
-              <a:ext uri="{FF2B5EF4-FFF2-40B4-BE49-F238E27FC236}">
-                <a16:creationId xmlns:a16="http://schemas.microsoft.com/office/drawing/2014/main" id="{C2D43051-E8AE-F543-A6EA-6D1B5253A355}"/>
+          <p:cNvPr id="6" name="TextBox 5">
+            <a:extLst>
+              <a:ext uri="{FF2B5EF4-FFF2-40B4-BE49-F238E27FC236}">
+                <a16:creationId xmlns:a16="http://schemas.microsoft.com/office/drawing/2014/main" id="{DE6183CA-7AF0-FC47-900D-56E5B6450AB2}"/>
               </a:ext>
             </a:extLst>
           </p:cNvPr>
@@ -5674,37 +7497,84 @@
         </p:nvSpPr>
         <p:spPr>
           <a:xfrm>
-            <a:off x="1039660" y="1177447"/>
-            <a:ext cx="3331924" cy="646331"/>
+            <a:off x="949377" y="2046514"/>
+            <a:ext cx="3505494" cy="3785419"/>
           </a:xfrm>
           <a:prstGeom prst="rect">
             <a:avLst/>
           </a:prstGeom>
-          <a:noFill/>
-        </p:spPr>
-        <p:txBody>
-          <a:bodyPr wrap="square" rtlCol="0">
-            <a:spAutoFit/>
+        </p:spPr>
+        <p:txBody>
+          <a:bodyPr vert="horz" lIns="91440" tIns="45720" rIns="91440" bIns="45720" rtlCol="0">
+            <a:normAutofit/>
           </a:bodyPr>
           <a:lstStyle/>
           <a:p>
-            <a:pPr marL="285750" indent="-285750">
+            <a:pPr marL="285750" indent="-228600">
+              <a:lnSpc>
+                <a:spcPct val="90000"/>
+              </a:lnSpc>
+              <a:spcAft>
+                <a:spcPts val="600"/>
+              </a:spcAft>
               <a:buFont typeface="Arial" panose="020B0604020202020204" pitchFamily="34" charset="0"/>
               <a:buChar char="•"/>
             </a:pPr>
             <a:r>
-              <a:rPr lang="en-US" dirty="0"/>
-              <a:t>MG Sales show a similar variation</a:t>
-            </a:r>
+              <a:rPr lang="en-US" sz="2000" dirty="0"/>
+              <a:t>The value of a Porsche 911 depends heavily on what year it was produced</a:t>
+            </a:r>
+          </a:p>
+          <a:p>
+            <a:pPr marL="285750" indent="-228600">
+              <a:lnSpc>
+                <a:spcPct val="90000"/>
+              </a:lnSpc>
+              <a:spcAft>
+                <a:spcPts val="600"/>
+              </a:spcAft>
+              <a:buFont typeface="Arial" panose="020B0604020202020204" pitchFamily="34" charset="0"/>
+              <a:buChar char="•"/>
+            </a:pPr>
+            <a:endParaRPr lang="en-US" sz="2000" dirty="0"/>
+          </a:p>
+          <a:p>
+            <a:pPr marL="285750" indent="-228600">
+              <a:lnSpc>
+                <a:spcPct val="90000"/>
+              </a:lnSpc>
+              <a:spcAft>
+                <a:spcPts val="600"/>
+              </a:spcAft>
+              <a:buFont typeface="Arial" panose="020B0604020202020204" pitchFamily="34" charset="0"/>
+              <a:buChar char="•"/>
+            </a:pPr>
+            <a:r>
+              <a:rPr lang="en-US" sz="2000" dirty="0"/>
+              <a:t>Those manufactured in the mid-90s are considered more desirable than those in the early 2000s</a:t>
+            </a:r>
+          </a:p>
+          <a:p>
+            <a:pPr indent="-228600">
+              <a:lnSpc>
+                <a:spcPct val="90000"/>
+              </a:lnSpc>
+              <a:spcAft>
+                <a:spcPts val="600"/>
+              </a:spcAft>
+              <a:buFont typeface="Arial" panose="020B0604020202020204" pitchFamily="34" charset="0"/>
+              <a:buChar char="•"/>
+            </a:pPr>
+            <a:endParaRPr lang="en-US" sz="2000" dirty="0"/>
           </a:p>
         </p:txBody>
       </p:sp>
       <p:pic>
         <p:nvPicPr>
-          <p:cNvPr id="6" name="Content Placeholder 5" descr="Chart, box and whisker chart&#10;&#10;Description automatically generated">
-            <a:extLst>
-              <a:ext uri="{FF2B5EF4-FFF2-40B4-BE49-F238E27FC236}">
-                <a16:creationId xmlns:a16="http://schemas.microsoft.com/office/drawing/2014/main" id="{037DDA6B-6CFA-1843-87A5-AE910900459F}"/>
+          <p:cNvPr id="10" name="Content Placeholder 9" descr="Chart, line chart, histogram&#10;&#10;Description automatically generated">
+            <a:extLst>
+              <a:ext uri="{FF2B5EF4-FFF2-40B4-BE49-F238E27FC236}">
+                <a16:creationId xmlns:a16="http://schemas.microsoft.com/office/drawing/2014/main" id="{1747D6D1-76F9-114C-8061-47D99F82579D}"/>
               </a:ext>
             </a:extLst>
           </p:cNvPr>
@@ -5723,45 +7593,19 @@
         </p:blipFill>
         <p:spPr>
           <a:xfrm>
-            <a:off x="4371584" y="616135"/>
-            <a:ext cx="7590772" cy="5899031"/>
-          </a:xfrm>
-        </p:spPr>
-      </p:pic>
-      <p:pic>
-        <p:nvPicPr>
-          <p:cNvPr id="9" name="Picture 8" descr="A picture containing outdoor, tree, car, truck&#10;&#10;Description automatically generated">
-            <a:extLst>
-              <a:ext uri="{FF2B5EF4-FFF2-40B4-BE49-F238E27FC236}">
-                <a16:creationId xmlns:a16="http://schemas.microsoft.com/office/drawing/2014/main" id="{EA34F40E-8E12-5B45-91C2-EC7D0D3FCF61}"/>
-              </a:ext>
-            </a:extLst>
-          </p:cNvPr>
-          <p:cNvPicPr>
-            <a:picLocks noChangeAspect="1"/>
-          </p:cNvPicPr>
-          <p:nvPr/>
-        </p:nvPicPr>
-        <p:blipFill>
-          <a:blip r:embed="rId3"/>
-          <a:stretch>
-            <a:fillRect/>
-          </a:stretch>
-        </p:blipFill>
-        <p:spPr>
-          <a:xfrm>
-            <a:off x="704154" y="3170563"/>
-            <a:ext cx="3778776" cy="2509990"/>
+            <a:off x="4741817" y="499880"/>
+            <a:ext cx="7036927" cy="5858239"/>
           </a:xfrm>
           <a:prstGeom prst="rect">
             <a:avLst/>
           </a:prstGeom>
+          <a:effectLst/>
         </p:spPr>
       </p:pic>
     </p:spTree>
     <p:extLst>
       <p:ext uri="{BB962C8B-B14F-4D97-AF65-F5344CB8AC3E}">
-        <p14:creationId xmlns:p14="http://schemas.microsoft.com/office/powerpoint/2010/main" val="4243433124"/>
+        <p14:creationId xmlns:p14="http://schemas.microsoft.com/office/powerpoint/2010/main" val="1000742676"/>
       </p:ext>
     </p:extLst>
   </p:cSld>

--- a/Tony_Pennoyer_Python_Proj_Presentation.pptx
+++ b/Tony_Pennoyer_Python_Proj_Presentation.pptx
@@ -3906,7 +3906,7 @@
         </p:nvSpPr>
         <p:spPr>
           <a:xfrm>
-            <a:off x="1293026" y="713195"/>
+            <a:off x="1293026" y="810590"/>
             <a:ext cx="9605948" cy="2318665"/>
           </a:xfrm>
         </p:spPr>
@@ -3917,7 +3917,7 @@
           <a:lstStyle/>
           <a:p>
             <a:r>
-              <a:rPr lang="en-US" sz="5400">
+              <a:rPr lang="en-US" sz="5400" dirty="0">
                 <a:solidFill>
                   <a:srgbClr val="FFFFFF"/>
                 </a:solidFill>
@@ -3945,7 +3945,7 @@
         </p:nvSpPr>
         <p:spPr>
           <a:xfrm>
-            <a:off x="1627240" y="3031860"/>
+            <a:off x="1627239" y="3594407"/>
             <a:ext cx="8937522" cy="1059373"/>
           </a:xfrm>
         </p:spPr>
@@ -3956,7 +3956,7 @@
           <a:lstStyle/>
           <a:p>
             <a:r>
-              <a:rPr lang="en-US">
+              <a:rPr lang="en-US" sz="2300" dirty="0">
                 <a:solidFill>
                   <a:srgbClr val="FFFFFF"/>
                 </a:solidFill>

--- a/Tony_Pennoyer_Python_Proj_Presentation.pptx
+++ b/Tony_Pennoyer_Python_Proj_Presentation.pptx
@@ -3922,7 +3922,7 @@
                   <a:srgbClr val="FFFFFF"/>
                 </a:solidFill>
               </a:rPr>
-              <a:t>What’s My Old Car Worth?</a:t>
+              <a:t>Classic Car Valuation</a:t>
             </a:r>
           </a:p>
         </p:txBody>
